--- a/Courses/Software-Sciences/Module-1-OOP/12.2-Delegates-and-Events-Advanced/12.2-Delegates-and-Events-Advanced.pptx
+++ b/Courses/Software-Sciences/Module-1-OOP/12.2-Delegates-and-Events-Advanced/12.2-Delegates-and-Events-Advanced.pptx
@@ -11,7 +11,7 @@
     <p:handoutMasterId r:id="rId29"/>
   </p:handoutMasterIdLst>
   <p:sldIdLst>
-    <p:sldId id="297" r:id="rId2"/>
+    <p:sldId id="627" r:id="rId2"/>
     <p:sldId id="298" r:id="rId3"/>
     <p:sldId id="309" r:id="rId4"/>
     <p:sldId id="310" r:id="rId5"/>
@@ -35,8 +35,8 @@
     <p:sldId id="737" r:id="rId23"/>
     <p:sldId id="739" r:id="rId24"/>
     <p:sldId id="324" r:id="rId25"/>
-    <p:sldId id="401" r:id="rId26"/>
-    <p:sldId id="493" r:id="rId27"/>
+    <p:sldId id="504" r:id="rId26"/>
+    <p:sldId id="505" r:id="rId27"/>
   </p:sldIdLst>
   <p:sldSz cx="12192000" cy="6858000"/>
   <p:notesSz cx="6858000" cy="9144000"/>
@@ -138,13 +138,13 @@
   <p:extLst>
     <p:ext uri="{521415D9-36F7-43E2-AB2F-B90AF26B5E84}">
       <p14:sectionLst xmlns:p14="http://schemas.microsoft.com/office/powerpoint/2010/main">
-        <p14:section name="Въведение" id="{AE4FD857-73AF-4F7F-87E9-476647506E0B}">
+        <p14:section name="Въведение" id="{F5EF64FF-F273-413E-A615-1F82742DA8E0}">
           <p14:sldIdLst>
-            <p14:sldId id="297"/>
+            <p14:sldId id="627"/>
             <p14:sldId id="298"/>
           </p14:sldIdLst>
         </p14:section>
-        <p14:section name="Делегати" id="{E76108ED-68DC-4534-9776-6B0886125705}">
+        <p14:section name="Делегати" id="{73955F80-32F0-4E89-A18B-0E1E45DAB0DE}">
           <p14:sldIdLst>
             <p14:sldId id="309"/>
             <p14:sldId id="310"/>
@@ -159,14 +159,14 @@
             <p14:sldId id="323"/>
           </p14:sldIdLst>
         </p14:section>
-        <p14:section name="Предикати" id="{46699B20-3702-41C8-B57D-928A698F6726}">
+        <p14:section name="Предикати" id="{8C9D69EC-9B3D-449B-AD55-1412D2FF1E34}">
           <p14:sldIdLst>
             <p14:sldId id="727"/>
             <p14:sldId id="728"/>
             <p14:sldId id="729"/>
           </p14:sldIdLst>
         </p14:section>
-        <p14:section name="Събития" id="{5BC4849D-F844-4F37-8492-90BD92BABD47}">
+        <p14:section name="Събития" id="{0F8B0D28-9E0F-471E-9A5F-9E91C325E6CA}">
           <p14:sldIdLst>
             <p14:sldId id="730"/>
             <p14:sldId id="731"/>
@@ -177,11 +177,11 @@
             <p14:sldId id="739"/>
           </p14:sldIdLst>
         </p14:section>
-        <p14:section name="Обобщение" id="{B09F75D5-85A3-486A-8BE9-F1C621FF36A3}">
+        <p14:section name="Обобщение" id="{BA0A0413-688B-435F-9960-B87EAA89A1FB}">
           <p14:sldIdLst>
             <p14:sldId id="324"/>
-            <p14:sldId id="401"/>
-            <p14:sldId id="493"/>
+            <p14:sldId id="504"/>
+            <p14:sldId id="505"/>
           </p14:sldIdLst>
         </p14:section>
       </p14:sectionLst>
@@ -301,7 +301,7 @@
           <a:p>
             <a:fld id="{4E087215-0C8F-4762-A664-737A353EC9A4}" type="datetimeFigureOut">
               <a:rPr lang="bg-BG" smtClean="0"/>
-              <a:t>15.8.2023 г.</a:t>
+              <a:t>13.10.23 г.</a:t>
             </a:fld>
             <a:endParaRPr lang="bg-BG"/>
           </a:p>
@@ -325,8 +325,8 @@
         </p:nvSpPr>
         <p:spPr>
           <a:xfrm>
-            <a:off x="-1" y="8847000"/>
-            <a:ext cx="6443999" cy="297000"/>
+            <a:off x="-1" y="8892000"/>
+            <a:ext cx="6443999" cy="252000"/>
           </a:xfrm>
           <a:prstGeom prst="rect">
             <a:avLst/>
@@ -341,19 +341,24 @@
           </a:lstStyle>
           <a:p>
             <a:r>
-              <a:rPr lang="en-US" sz="1100" dirty="0"/>
-              <a:t>© SoftUni – </a:t>
-            </a:r>
-            <a:r>
-              <a:rPr lang="en-US" sz="1100" u="sng" dirty="0">
+              <a:rPr lang="bg-BG" sz="1100" dirty="0"/>
+              <a:t>Работна група </a:t>
+            </a:r>
+            <a:r>
+              <a:rPr lang="ru-RU" sz="1100" dirty="0"/>
+              <a:t>"Образование по програмиране и ИТ</a:t>
+            </a:r>
+            <a:r>
+              <a:rPr lang="bg-BG" sz="1100" dirty="0"/>
+              <a:t>", с подкрепата на </a:t>
+            </a:r>
+            <a:r>
+              <a:rPr lang="en-US" sz="1100" dirty="0">
                 <a:hlinkClick r:id="rId2"/>
               </a:rPr>
-              <a:t>https://softuni.org</a:t>
-            </a:r>
-            <a:r>
-              <a:rPr lang="en-US" sz="1100" dirty="0"/>
-              <a:t>. Copyrighted document. Unauthorized copy or reproduction is not permitted.</a:t>
-            </a:r>
+              <a:t>SoftUni</a:t>
+            </a:r>
+            <a:endParaRPr lang="en-US" sz="1100" dirty="0"/>
           </a:p>
         </p:txBody>
       </p:sp>
@@ -375,8 +380,8 @@
         </p:nvSpPr>
         <p:spPr>
           <a:xfrm>
-            <a:off x="6443999" y="8847000"/>
-            <a:ext cx="412413" cy="297000"/>
+            <a:off x="6443999" y="8892000"/>
+            <a:ext cx="412413" cy="252000"/>
           </a:xfrm>
           <a:prstGeom prst="rect">
             <a:avLst/>
@@ -492,7 +497,7 @@
           <a:p>
             <a:fld id="{72D84649-876A-46C9-8472-14CB09C070D8}" type="datetimeFigureOut">
               <a:rPr lang="en-US" smtClean="0"/>
-              <a:t>15-Aug-23</a:t>
+              <a:t>10/13/23</a:t>
             </a:fld>
             <a:endParaRPr lang="en-US"/>
           </a:p>
@@ -602,8 +607,8 @@
         </p:nvSpPr>
         <p:spPr>
           <a:xfrm>
-            <a:off x="6488999" y="8847000"/>
-            <a:ext cx="367414" cy="297000"/>
+            <a:off x="6488999" y="8892000"/>
+            <a:ext cx="367414" cy="252000"/>
           </a:xfrm>
           <a:prstGeom prst="rect">
             <a:avLst/>
@@ -643,8 +648,8 @@
         </p:nvSpPr>
         <p:spPr>
           <a:xfrm>
-            <a:off x="-1" y="8847000"/>
-            <a:ext cx="6488999" cy="297000"/>
+            <a:off x="-1" y="8892000"/>
+            <a:ext cx="6488999" cy="252000"/>
           </a:xfrm>
           <a:prstGeom prst="rect">
             <a:avLst/>
@@ -659,19 +664,24 @@
           </a:lstStyle>
           <a:p>
             <a:r>
-              <a:rPr lang="en-US" dirty="0"/>
-              <a:t>© SoftUni – </a:t>
-            </a:r>
-            <a:r>
-              <a:rPr lang="en-US" u="sng" dirty="0">
+              <a:rPr lang="bg-BG" sz="1100" dirty="0"/>
+              <a:t>Работна група </a:t>
+            </a:r>
+            <a:r>
+              <a:rPr lang="bg-BG" dirty="0"/>
+              <a:t>"Образование по програмиране и ИТ"</a:t>
+            </a:r>
+            <a:r>
+              <a:rPr lang="bg-BG" sz="1100" dirty="0"/>
+              <a:t>, с подкрепата на </a:t>
+            </a:r>
+            <a:r>
+              <a:rPr lang="en-US" sz="1100" dirty="0">
                 <a:hlinkClick r:id="rId2"/>
               </a:rPr>
-              <a:t>https://softuni.org</a:t>
-            </a:r>
-            <a:r>
-              <a:rPr lang="en-US" dirty="0"/>
-              <a:t>. Copyrighted document. Unauthorized copy or reproduction is not permitted.</a:t>
-            </a:r>
+              <a:t>SoftUni</a:t>
+            </a:r>
+            <a:endParaRPr lang="en-US" sz="1100" dirty="0"/>
           </a:p>
         </p:txBody>
       </p:sp>
@@ -853,10 +863,10 @@
       </p:sp>
       <p:sp>
         <p:nvSpPr>
-          <p:cNvPr id="8" name="Footer Placeholder 7">
+          <p:cNvPr id="4" name="Footer Placeholder 7">
             <a:extLst>
               <a:ext uri="{FF2B5EF4-FFF2-40B4-BE49-F238E27FC236}">
-                <a16:creationId xmlns:a16="http://schemas.microsoft.com/office/drawing/2014/main" id="{552F7193-9F57-4894-B985-A19073450E5E}"/>
+                <a16:creationId xmlns:a16="http://schemas.microsoft.com/office/drawing/2014/main" id="{C2D5B3F4-646B-5DA4-F973-7515905E5005}"/>
               </a:ext>
             </a:extLst>
           </p:cNvPr>
@@ -869,8 +879,8 @@
         </p:nvSpPr>
         <p:spPr>
           <a:xfrm>
-            <a:off x="-1" y="8847000"/>
-            <a:ext cx="6488999" cy="297000"/>
+            <a:off x="-1" y="8892000"/>
+            <a:ext cx="6488999" cy="252000"/>
           </a:xfrm>
           <a:prstGeom prst="rect">
             <a:avLst/>
@@ -885,26 +895,31 @@
           </a:lstStyle>
           <a:p>
             <a:r>
-              <a:rPr lang="en-US" dirty="0"/>
-              <a:t>© SoftUni – </a:t>
-            </a:r>
-            <a:r>
-              <a:rPr lang="en-US" u="sng" dirty="0">
+              <a:rPr lang="bg-BG" sz="1100" dirty="0"/>
+              <a:t>Работна група </a:t>
+            </a:r>
+            <a:r>
+              <a:rPr lang="bg-BG" dirty="0"/>
+              <a:t>"Образование по програмиране и ИТ"</a:t>
+            </a:r>
+            <a:r>
+              <a:rPr lang="bg-BG" sz="1100" dirty="0"/>
+              <a:t>, с подкрепата на </a:t>
+            </a:r>
+            <a:r>
+              <a:rPr lang="en-US" sz="1100" dirty="0">
                 <a:hlinkClick r:id="rId3"/>
               </a:rPr>
-              <a:t>https://softuni.org</a:t>
-            </a:r>
-            <a:r>
-              <a:rPr lang="en-US" dirty="0"/>
-              <a:t>. Copyrighted document. Unauthorized copy or reproduction is not permitted.</a:t>
-            </a:r>
+              <a:t>SoftUni</a:t>
+            </a:r>
+            <a:endParaRPr lang="en-US" sz="1100" dirty="0"/>
           </a:p>
         </p:txBody>
       </p:sp>
     </p:spTree>
     <p:extLst>
       <p:ext uri="{BB962C8B-B14F-4D97-AF65-F5344CB8AC3E}">
-        <p14:creationId xmlns:p14="http://schemas.microsoft.com/office/powerpoint/2010/main" val="2533381833"/>
+        <p14:creationId xmlns:p14="http://schemas.microsoft.com/office/powerpoint/2010/main" val="3855554386"/>
       </p:ext>
     </p:extLst>
   </p:cSld>
@@ -1019,10 +1034,10 @@
       </p:sp>
       <p:sp>
         <p:nvSpPr>
-          <p:cNvPr id="8" name="Footer Placeholder 7">
+          <p:cNvPr id="2" name="Footer Placeholder 7">
             <a:extLst>
               <a:ext uri="{FF2B5EF4-FFF2-40B4-BE49-F238E27FC236}">
-                <a16:creationId xmlns:a16="http://schemas.microsoft.com/office/drawing/2014/main" id="{B08C7891-E4B7-4232-A514-A1467D12B709}"/>
+                <a16:creationId xmlns:a16="http://schemas.microsoft.com/office/drawing/2014/main" id="{0D16624E-5194-BD1C-207F-D07C99CA6EB1}"/>
               </a:ext>
             </a:extLst>
           </p:cNvPr>
@@ -1035,8 +1050,8 @@
         </p:nvSpPr>
         <p:spPr>
           <a:xfrm>
-            <a:off x="-1" y="8847000"/>
-            <a:ext cx="6488999" cy="297000"/>
+            <a:off x="-1" y="8892000"/>
+            <a:ext cx="6488999" cy="252000"/>
           </a:xfrm>
           <a:prstGeom prst="rect">
             <a:avLst/>
@@ -1051,26 +1066,31 @@
           </a:lstStyle>
           <a:p>
             <a:r>
-              <a:rPr lang="en-US" dirty="0"/>
-              <a:t>© SoftUni – </a:t>
-            </a:r>
-            <a:r>
-              <a:rPr lang="en-US" u="sng" dirty="0">
+              <a:rPr lang="bg-BG" sz="1100" dirty="0"/>
+              <a:t>Работна група </a:t>
+            </a:r>
+            <a:r>
+              <a:rPr lang="bg-BG" dirty="0"/>
+              <a:t>"Образование по програмиране и ИТ"</a:t>
+            </a:r>
+            <a:r>
+              <a:rPr lang="bg-BG" sz="1100" dirty="0"/>
+              <a:t>, с подкрепата на </a:t>
+            </a:r>
+            <a:r>
+              <a:rPr lang="en-US" sz="1100" dirty="0">
                 <a:hlinkClick r:id="rId3"/>
               </a:rPr>
-              <a:t>https://softuni.org</a:t>
-            </a:r>
-            <a:r>
-              <a:rPr lang="en-US" dirty="0"/>
-              <a:t>. Copyrighted document. Unauthorized copy or reproduction is not permitted.</a:t>
-            </a:r>
+              <a:t>SoftUni</a:t>
+            </a:r>
+            <a:endParaRPr lang="en-US" sz="1100" dirty="0"/>
           </a:p>
         </p:txBody>
       </p:sp>
     </p:spTree>
     <p:extLst>
       <p:ext uri="{BB962C8B-B14F-4D97-AF65-F5344CB8AC3E}">
-        <p14:creationId xmlns:p14="http://schemas.microsoft.com/office/powerpoint/2010/main" val="3732120687"/>
+        <p14:creationId xmlns:p14="http://schemas.microsoft.com/office/powerpoint/2010/main" val="2183840887"/>
       </p:ext>
     </p:extLst>
   </p:cSld>
@@ -1170,10 +1190,10 @@
       </p:sp>
       <p:sp>
         <p:nvSpPr>
-          <p:cNvPr id="7" name="Footer Placeholder 7">
+          <p:cNvPr id="5" name="Footer Placeholder 7">
             <a:extLst>
               <a:ext uri="{FF2B5EF4-FFF2-40B4-BE49-F238E27FC236}">
-                <a16:creationId xmlns:a16="http://schemas.microsoft.com/office/drawing/2014/main" id="{DCE08A1B-2E5F-499C-A8EE-5168CF2C85A4}"/>
+                <a16:creationId xmlns:a16="http://schemas.microsoft.com/office/drawing/2014/main" id="{9F13CFBC-1000-FC7A-994D-E9088551D5A8}"/>
               </a:ext>
             </a:extLst>
           </p:cNvPr>
@@ -1186,8 +1206,8 @@
         </p:nvSpPr>
         <p:spPr>
           <a:xfrm>
-            <a:off x="-1" y="8847000"/>
-            <a:ext cx="6488999" cy="297000"/>
+            <a:off x="-1" y="8892000"/>
+            <a:ext cx="6488999" cy="252000"/>
           </a:xfrm>
           <a:prstGeom prst="rect">
             <a:avLst/>
@@ -1202,26 +1222,31 @@
           </a:lstStyle>
           <a:p>
             <a:r>
-              <a:rPr lang="en-US" dirty="0"/>
-              <a:t>© SoftUni – </a:t>
-            </a:r>
-            <a:r>
-              <a:rPr lang="en-US" u="sng" dirty="0">
+              <a:rPr lang="bg-BG" sz="1100" dirty="0"/>
+              <a:t>Работна група </a:t>
+            </a:r>
+            <a:r>
+              <a:rPr lang="bg-BG" dirty="0"/>
+              <a:t>"Образование по програмиране и ИТ"</a:t>
+            </a:r>
+            <a:r>
+              <a:rPr lang="bg-BG" sz="1100" dirty="0"/>
+              <a:t>, с подкрепата на </a:t>
+            </a:r>
+            <a:r>
+              <a:rPr lang="en-US" sz="1100" dirty="0">
                 <a:hlinkClick r:id="rId3"/>
               </a:rPr>
-              <a:t>https://softuni.org</a:t>
-            </a:r>
-            <a:r>
-              <a:rPr lang="en-US" dirty="0"/>
-              <a:t>. Copyrighted document. Unauthorized copy or reproduction is not permitted.</a:t>
-            </a:r>
+              <a:t>SoftUni</a:t>
+            </a:r>
+            <a:endParaRPr lang="en-US" sz="1100" dirty="0"/>
           </a:p>
         </p:txBody>
       </p:sp>
     </p:spTree>
     <p:extLst>
       <p:ext uri="{BB962C8B-B14F-4D97-AF65-F5344CB8AC3E}">
-        <p14:creationId xmlns:p14="http://schemas.microsoft.com/office/powerpoint/2010/main" val="2353137591"/>
+        <p14:creationId xmlns:p14="http://schemas.microsoft.com/office/powerpoint/2010/main" val="1383638333"/>
       </p:ext>
     </p:extLst>
   </p:cSld>
@@ -1304,7 +1329,13 @@
       </p:sp>
       <p:sp>
         <p:nvSpPr>
-          <p:cNvPr id="5" name="Footer Placeholder 4"/>
+          <p:cNvPr id="6" name="Footer Placeholder 7">
+            <a:extLst>
+              <a:ext uri="{FF2B5EF4-FFF2-40B4-BE49-F238E27FC236}">
+                <a16:creationId xmlns:a16="http://schemas.microsoft.com/office/drawing/2014/main" id="{D630F28B-5261-2857-472E-76CDE8482BF6}"/>
+              </a:ext>
+            </a:extLst>
+          </p:cNvPr>
           <p:cNvSpPr>
             <a:spLocks noGrp="1"/>
           </p:cNvSpPr>
@@ -1312,33 +1343,49 @@
             <p:ph type="ftr" sz="quarter" idx="4"/>
           </p:nvPr>
         </p:nvSpPr>
-        <p:spPr/>
+        <p:spPr>
+          <a:xfrm>
+            <a:off x="-1" y="8892000"/>
+            <a:ext cx="6488999" cy="252000"/>
+          </a:xfrm>
+          <a:prstGeom prst="rect">
+            <a:avLst/>
+          </a:prstGeom>
+        </p:spPr>
         <p:txBody>
-          <a:bodyPr/>
-          <a:lstStyle/>
-          <a:p>
-            <a:r>
-              <a:rPr lang="en-US"/>
-              <a:t>© SoftUni – </a:t>
-            </a:r>
-            <a:r>
-              <a:rPr lang="en-US" u="sng">
+          <a:bodyPr vert="horz" lIns="91440" tIns="45720" rIns="91440" bIns="45720" rtlCol="0" anchor="b"/>
+          <a:lstStyle>
+            <a:lvl1pPr algn="l">
+              <a:defRPr sz="1100"/>
+            </a:lvl1pPr>
+          </a:lstStyle>
+          <a:p>
+            <a:r>
+              <a:rPr lang="bg-BG" sz="1100" dirty="0"/>
+              <a:t>Работна група </a:t>
+            </a:r>
+            <a:r>
+              <a:rPr lang="bg-BG" dirty="0"/>
+              <a:t>"Образование по програмиране и ИТ"</a:t>
+            </a:r>
+            <a:r>
+              <a:rPr lang="bg-BG" sz="1100" dirty="0"/>
+              <a:t>, с подкрепата на </a:t>
+            </a:r>
+            <a:r>
+              <a:rPr lang="en-US" sz="1100" dirty="0">
                 <a:hlinkClick r:id="rId3"/>
               </a:rPr>
-              <a:t>https://softuni.org</a:t>
-            </a:r>
-            <a:r>
-              <a:rPr lang="en-US"/>
-              <a:t>. Copyrighted document. Unauthorized copy or reproduction is not permitted.</a:t>
-            </a:r>
-            <a:endParaRPr lang="en-US" dirty="0"/>
+              <a:t>SoftUni</a:t>
+            </a:r>
+            <a:endParaRPr lang="en-US" sz="1100" dirty="0"/>
           </a:p>
         </p:txBody>
       </p:sp>
     </p:spTree>
     <p:extLst>
       <p:ext uri="{BB962C8B-B14F-4D97-AF65-F5344CB8AC3E}">
-        <p14:creationId xmlns:p14="http://schemas.microsoft.com/office/powerpoint/2010/main" val="4058689345"/>
+        <p14:creationId xmlns:p14="http://schemas.microsoft.com/office/powerpoint/2010/main" val="2827898015"/>
       </p:ext>
     </p:extLst>
   </p:cSld>
@@ -1421,7 +1468,13 @@
       </p:sp>
       <p:sp>
         <p:nvSpPr>
-          <p:cNvPr id="5" name="Footer Placeholder 4"/>
+          <p:cNvPr id="6" name="Footer Placeholder 7">
+            <a:extLst>
+              <a:ext uri="{FF2B5EF4-FFF2-40B4-BE49-F238E27FC236}">
+                <a16:creationId xmlns:a16="http://schemas.microsoft.com/office/drawing/2014/main" id="{973714B6-4921-C985-EEB8-DD61781E334B}"/>
+              </a:ext>
+            </a:extLst>
+          </p:cNvPr>
           <p:cNvSpPr>
             <a:spLocks noGrp="1"/>
           </p:cNvSpPr>
@@ -1429,33 +1482,49 @@
             <p:ph type="ftr" sz="quarter" idx="4"/>
           </p:nvPr>
         </p:nvSpPr>
-        <p:spPr/>
+        <p:spPr>
+          <a:xfrm>
+            <a:off x="-1" y="8892000"/>
+            <a:ext cx="6488999" cy="252000"/>
+          </a:xfrm>
+          <a:prstGeom prst="rect">
+            <a:avLst/>
+          </a:prstGeom>
+        </p:spPr>
         <p:txBody>
-          <a:bodyPr/>
-          <a:lstStyle/>
-          <a:p>
-            <a:r>
-              <a:rPr lang="en-US"/>
-              <a:t>© SoftUni – </a:t>
-            </a:r>
-            <a:r>
-              <a:rPr lang="en-US" u="sng">
+          <a:bodyPr vert="horz" lIns="91440" tIns="45720" rIns="91440" bIns="45720" rtlCol="0" anchor="b"/>
+          <a:lstStyle>
+            <a:lvl1pPr algn="l">
+              <a:defRPr sz="1100"/>
+            </a:lvl1pPr>
+          </a:lstStyle>
+          <a:p>
+            <a:r>
+              <a:rPr lang="bg-BG" sz="1100" dirty="0"/>
+              <a:t>Работна група </a:t>
+            </a:r>
+            <a:r>
+              <a:rPr lang="bg-BG" dirty="0"/>
+              <a:t>"Образование по програмиране и ИТ"</a:t>
+            </a:r>
+            <a:r>
+              <a:rPr lang="bg-BG" sz="1100" dirty="0"/>
+              <a:t>, с подкрепата на </a:t>
+            </a:r>
+            <a:r>
+              <a:rPr lang="en-US" sz="1100" dirty="0">
                 <a:hlinkClick r:id="rId3"/>
               </a:rPr>
-              <a:t>https://softuni.org</a:t>
-            </a:r>
-            <a:r>
-              <a:rPr lang="en-US"/>
-              <a:t>. Copyrighted document. Unauthorized copy or reproduction is not permitted.</a:t>
-            </a:r>
-            <a:endParaRPr lang="en-US" dirty="0"/>
+              <a:t>SoftUni</a:t>
+            </a:r>
+            <a:endParaRPr lang="en-US" sz="1100" dirty="0"/>
           </a:p>
         </p:txBody>
       </p:sp>
     </p:spTree>
     <p:extLst>
       <p:ext uri="{BB962C8B-B14F-4D97-AF65-F5344CB8AC3E}">
-        <p14:creationId xmlns:p14="http://schemas.microsoft.com/office/powerpoint/2010/main" val="1459717994"/>
+        <p14:creationId xmlns:p14="http://schemas.microsoft.com/office/powerpoint/2010/main" val="2838120600"/>
       </p:ext>
     </p:extLst>
   </p:cSld>
@@ -1539,10 +1608,10 @@
       </p:sp>
       <p:sp>
         <p:nvSpPr>
-          <p:cNvPr id="7" name="Footer Placeholder 7">
+          <p:cNvPr id="4" name="Footer Placeholder 7">
             <a:extLst>
               <a:ext uri="{FF2B5EF4-FFF2-40B4-BE49-F238E27FC236}">
-                <a16:creationId xmlns:a16="http://schemas.microsoft.com/office/drawing/2014/main" id="{472EA18C-4C17-4B25-8D51-42217A2C277E}"/>
+                <a16:creationId xmlns:a16="http://schemas.microsoft.com/office/drawing/2014/main" id="{403EB027-B144-B525-A29B-6722610F5AD5}"/>
               </a:ext>
             </a:extLst>
           </p:cNvPr>
@@ -1555,8 +1624,8 @@
         </p:nvSpPr>
         <p:spPr>
           <a:xfrm>
-            <a:off x="-1" y="8847000"/>
-            <a:ext cx="6488999" cy="297000"/>
+            <a:off x="-1" y="8892000"/>
+            <a:ext cx="6488999" cy="252000"/>
           </a:xfrm>
           <a:prstGeom prst="rect">
             <a:avLst/>
@@ -1571,26 +1640,31 @@
           </a:lstStyle>
           <a:p>
             <a:r>
-              <a:rPr lang="en-US" dirty="0"/>
-              <a:t>© SoftUni – </a:t>
-            </a:r>
-            <a:r>
-              <a:rPr lang="en-US" u="sng" dirty="0">
+              <a:rPr lang="bg-BG" sz="1100" dirty="0"/>
+              <a:t>Работна група </a:t>
+            </a:r>
+            <a:r>
+              <a:rPr lang="bg-BG" dirty="0"/>
+              <a:t>"Образование по програмиране и ИТ"</a:t>
+            </a:r>
+            <a:r>
+              <a:rPr lang="bg-BG" sz="1100" dirty="0"/>
+              <a:t>, с подкрепата на </a:t>
+            </a:r>
+            <a:r>
+              <a:rPr lang="en-US" sz="1100" dirty="0">
                 <a:hlinkClick r:id="rId3"/>
               </a:rPr>
-              <a:t>https://softuni.org</a:t>
-            </a:r>
-            <a:r>
-              <a:rPr lang="en-US" dirty="0"/>
-              <a:t>. Copyrighted document. Unauthorized copy or reproduction is not permitted.</a:t>
-            </a:r>
+              <a:t>SoftUni</a:t>
+            </a:r>
+            <a:endParaRPr lang="en-US" sz="1100" dirty="0"/>
           </a:p>
         </p:txBody>
       </p:sp>
     </p:spTree>
     <p:extLst>
       <p:ext uri="{BB962C8B-B14F-4D97-AF65-F5344CB8AC3E}">
-        <p14:creationId xmlns:p14="http://schemas.microsoft.com/office/powerpoint/2010/main" val="3907191427"/>
+        <p14:creationId xmlns:p14="http://schemas.microsoft.com/office/powerpoint/2010/main" val="51516295"/>
       </p:ext>
     </p:extLst>
   </p:cSld>
@@ -1644,7 +1718,7 @@
           <a:bodyPr/>
           <a:lstStyle/>
           <a:p>
-            <a:endParaRPr lang="en-US"/>
+            <a:endParaRPr lang="en-US" dirty="0"/>
           </a:p>
         </p:txBody>
       </p:sp>
@@ -1780,10 +1854,10 @@
       </p:sp>
       <p:sp>
         <p:nvSpPr>
-          <p:cNvPr id="6" name="Footer Placeholder 7">
+          <p:cNvPr id="5" name="Footer Placeholder 7">
             <a:extLst>
               <a:ext uri="{FF2B5EF4-FFF2-40B4-BE49-F238E27FC236}">
-                <a16:creationId xmlns:a16="http://schemas.microsoft.com/office/drawing/2014/main" id="{3B25238D-30EC-49FB-9FD0-BF03E5499E5E}"/>
+                <a16:creationId xmlns:a16="http://schemas.microsoft.com/office/drawing/2014/main" id="{B3DCADB4-1B8A-B55E-E433-7E5993D3FE53}"/>
               </a:ext>
             </a:extLst>
           </p:cNvPr>
@@ -1796,8 +1870,8 @@
         </p:nvSpPr>
         <p:spPr>
           <a:xfrm>
-            <a:off x="-1" y="8847000"/>
-            <a:ext cx="6488999" cy="297000"/>
+            <a:off x="-1" y="8892000"/>
+            <a:ext cx="6488999" cy="252000"/>
           </a:xfrm>
           <a:prstGeom prst="rect">
             <a:avLst/>
@@ -1812,26 +1886,31 @@
           </a:lstStyle>
           <a:p>
             <a:r>
-              <a:rPr lang="en-US" dirty="0"/>
-              <a:t>© SoftUni – </a:t>
-            </a:r>
-            <a:r>
-              <a:rPr lang="en-US" u="sng" dirty="0">
+              <a:rPr lang="bg-BG" sz="1100" dirty="0"/>
+              <a:t>Работна група </a:t>
+            </a:r>
+            <a:r>
+              <a:rPr lang="bg-BG" dirty="0"/>
+              <a:t>"Образование по програмиране и ИТ"</a:t>
+            </a:r>
+            <a:r>
+              <a:rPr lang="bg-BG" sz="1100" dirty="0"/>
+              <a:t>, с подкрепата на </a:t>
+            </a:r>
+            <a:r>
+              <a:rPr lang="en-US" sz="1100" dirty="0">
                 <a:hlinkClick r:id="rId3"/>
               </a:rPr>
-              <a:t>https://softuni.org</a:t>
-            </a:r>
-            <a:r>
-              <a:rPr lang="en-US" dirty="0"/>
-              <a:t>. Copyrighted document. Unauthorized copy or reproduction is not permitted.</a:t>
-            </a:r>
+              <a:t>SoftUni</a:t>
+            </a:r>
+            <a:endParaRPr lang="en-US" sz="1100" dirty="0"/>
           </a:p>
         </p:txBody>
       </p:sp>
     </p:spTree>
     <p:extLst>
       <p:ext uri="{BB962C8B-B14F-4D97-AF65-F5344CB8AC3E}">
-        <p14:creationId xmlns:p14="http://schemas.microsoft.com/office/powerpoint/2010/main" val="3638511063"/>
+        <p14:creationId xmlns:p14="http://schemas.microsoft.com/office/powerpoint/2010/main" val="615279252"/>
       </p:ext>
     </p:extLst>
   </p:cSld>
@@ -2021,10 +2100,10 @@
       </p:sp>
       <p:sp>
         <p:nvSpPr>
-          <p:cNvPr id="7" name="Footer Placeholder 7">
+          <p:cNvPr id="5" name="Footer Placeholder 7">
             <a:extLst>
               <a:ext uri="{FF2B5EF4-FFF2-40B4-BE49-F238E27FC236}">
-                <a16:creationId xmlns:a16="http://schemas.microsoft.com/office/drawing/2014/main" id="{4E3278B1-3FC3-4FB0-AAB8-C44E4CE52A10}"/>
+                <a16:creationId xmlns:a16="http://schemas.microsoft.com/office/drawing/2014/main" id="{F5ECAC06-BAEA-66CC-A0FE-E354E82D2195}"/>
               </a:ext>
             </a:extLst>
           </p:cNvPr>
@@ -2037,8 +2116,8 @@
         </p:nvSpPr>
         <p:spPr>
           <a:xfrm>
-            <a:off x="-1" y="8847000"/>
-            <a:ext cx="6488999" cy="297000"/>
+            <a:off x="-1" y="8892000"/>
+            <a:ext cx="6488999" cy="252000"/>
           </a:xfrm>
           <a:prstGeom prst="rect">
             <a:avLst/>
@@ -2053,26 +2132,31 @@
           </a:lstStyle>
           <a:p>
             <a:r>
-              <a:rPr lang="en-US" dirty="0"/>
-              <a:t>© SoftUni – </a:t>
-            </a:r>
-            <a:r>
-              <a:rPr lang="en-US" u="sng" dirty="0">
+              <a:rPr lang="bg-BG" sz="1100" dirty="0"/>
+              <a:t>Работна група </a:t>
+            </a:r>
+            <a:r>
+              <a:rPr lang="bg-BG" dirty="0"/>
+              <a:t>"Образование по програмиране и ИТ"</a:t>
+            </a:r>
+            <a:r>
+              <a:rPr lang="bg-BG" sz="1100" dirty="0"/>
+              <a:t>, с подкрепата на </a:t>
+            </a:r>
+            <a:r>
+              <a:rPr lang="en-US" sz="1100" dirty="0">
                 <a:hlinkClick r:id="rId3"/>
               </a:rPr>
-              <a:t>https://softuni.org</a:t>
-            </a:r>
-            <a:r>
-              <a:rPr lang="en-US" dirty="0"/>
-              <a:t>. Copyrighted document. Unauthorized copy or reproduction is not permitted.</a:t>
-            </a:r>
+              <a:t>SoftUni</a:t>
+            </a:r>
+            <a:endParaRPr lang="en-US" sz="1100" dirty="0"/>
           </a:p>
         </p:txBody>
       </p:sp>
     </p:spTree>
     <p:extLst>
       <p:ext uri="{BB962C8B-B14F-4D97-AF65-F5344CB8AC3E}">
-        <p14:creationId xmlns:p14="http://schemas.microsoft.com/office/powerpoint/2010/main" val="1490424457"/>
+        <p14:creationId xmlns:p14="http://schemas.microsoft.com/office/powerpoint/2010/main" val="3168124719"/>
       </p:ext>
     </p:extLst>
   </p:cSld>
@@ -2083,7 +2167,7 @@
 </file>
 
 <file path=ppt/slideLayouts/slideLayout1.xml><?xml version="1.0" encoding="utf-8"?>
-<p:sldLayout xmlns:a="http://schemas.openxmlformats.org/drawingml/2006/main" xmlns:r="http://schemas.openxmlformats.org/officeDocument/2006/relationships" xmlns:p="http://schemas.openxmlformats.org/presentationml/2006/main" preserve="1">
+<p:sldLayout xmlns:a="http://schemas.openxmlformats.org/drawingml/2006/main" xmlns:r="http://schemas.openxmlformats.org/officeDocument/2006/relationships" xmlns:p="http://schemas.openxmlformats.org/presentationml/2006/main" preserve="1" userDrawn="1">
   <p:cSld name="Presentation Title Slide">
     <p:spTree>
       <p:nvGrpSpPr>
@@ -2109,7 +2193,7 @@
             </a:extLst>
           </p:cNvPr>
           <p:cNvSpPr/>
-          <p:nvPr/>
+          <p:nvPr userDrawn="1"/>
         </p:nvSpPr>
         <p:spPr>
           <a:xfrm>
@@ -2180,55 +2264,139 @@
           </a:p>
         </p:txBody>
       </p:sp>
-      <p:pic>
-        <p:nvPicPr>
-          <p:cNvPr id="14" name="Picture Logo SoftUni" descr="SoftUni logo">
+      <p:sp>
+        <p:nvSpPr>
+          <p:cNvPr id="33" name="Picture Placeholder Title Image">
             <a:extLst>
               <a:ext uri="{FF2B5EF4-FFF2-40B4-BE49-F238E27FC236}">
-                <a16:creationId xmlns:a16="http://schemas.microsoft.com/office/drawing/2014/main" id="{C4D6B2A2-DFF0-4712-BFEC-6676BEC99FEC}"/>
+                <a16:creationId xmlns:a16="http://schemas.microsoft.com/office/drawing/2014/main" id="{A04D819A-89E2-4714-8C56-1838BF467EF7}"/>
               </a:ext>
             </a:extLst>
           </p:cNvPr>
-          <p:cNvPicPr>
-            <a:picLocks noChangeAspect="1"/>
-          </p:cNvPicPr>
-          <p:nvPr userDrawn="1"/>
-        </p:nvPicPr>
-        <p:blipFill>
-          <a:blip r:embed="rId2">
-            <a:clrChange>
-              <a:clrFrom>
-                <a:srgbClr val="FFFFFF"/>
-              </a:clrFrom>
-              <a:clrTo>
-                <a:srgbClr val="FFFFFF">
-                  <a:alpha val="0"/>
-                </a:srgbClr>
-              </a:clrTo>
-            </a:clrChange>
+          <p:cNvSpPr>
+            <a:spLocks noGrp="1"/>
+          </p:cNvSpPr>
+          <p:nvPr>
+            <p:ph type="pic" sz="quarter" idx="10"/>
+          </p:nvPr>
+        </p:nvSpPr>
+        <p:spPr>
+          <a:xfrm>
+            <a:off x="6390123" y="3400017"/>
+            <a:ext cx="5248260" cy="2188983"/>
+          </a:xfrm>
+        </p:spPr>
+        <p:txBody>
+          <a:bodyPr/>
+          <a:lstStyle>
+            <a:lvl1pPr marL="0" indent="0" algn="ctr" latinLnBrk="0">
+              <a:buNone/>
+              <a:defRPr>
+                <a:solidFill>
+                  <a:schemeClr val="bg1"/>
+                </a:solidFill>
+              </a:defRPr>
+            </a:lvl1pPr>
+          </a:lstStyle>
+          <a:p>
+            <a:r>
+              <a:rPr lang="en-US" noProof="0" dirty="0"/>
+              <a:t>Click icon to add picture</a:t>
+            </a:r>
+          </a:p>
+        </p:txBody>
+      </p:sp>
+      <p:sp>
+        <p:nvSpPr>
+          <p:cNvPr id="10" name="Company Web Site">
             <a:extLst>
-              <a:ext uri="{28A0092B-C50C-407E-A947-70E740481C1C}">
-                <a14:useLocalDpi xmlns:a14="http://schemas.microsoft.com/office/drawing/2010/main" val="0"/>
+              <a:ext uri="{FF2B5EF4-FFF2-40B4-BE49-F238E27FC236}">
+                <a16:creationId xmlns:a16="http://schemas.microsoft.com/office/drawing/2014/main" id="{0B99B1EE-62FA-4AA4-920C-D444D6C0B778}"/>
               </a:ext>
             </a:extLst>
-          </a:blip>
-          <a:stretch>
-            <a:fillRect/>
-          </a:stretch>
-        </p:blipFill>
+          </p:cNvPr>
+          <p:cNvSpPr>
+            <a:spLocks noGrp="1"/>
+          </p:cNvSpPr>
+          <p:nvPr>
+            <p:ph type="body" sz="quarter" idx="22" hasCustomPrompt="1"/>
+          </p:nvPr>
+        </p:nvSpPr>
         <p:spPr>
           <a:xfrm>
-            <a:off x="4324460" y="5184000"/>
-            <a:ext cx="3751540" cy="1297655"/>
+            <a:off x="6390120" y="6086106"/>
+            <a:ext cx="5248260" cy="341313"/>
           </a:xfrm>
-          <a:prstGeom prst="rect">
-            <a:avLst/>
-          </a:prstGeom>
         </p:spPr>
-      </p:pic>
+        <p:txBody>
+          <a:bodyPr lIns="36000" rIns="36000" anchor="ctr" anchorCtr="0">
+            <a:noAutofit/>
+          </a:bodyPr>
+          <a:lstStyle>
+            <a:lvl1pPr marL="0" indent="0" algn="r">
+              <a:buNone/>
+              <a:defRPr sz="1800"/>
+            </a:lvl1pPr>
+          </a:lstStyle>
+          <a:p>
+            <a:pPr lvl="0"/>
+            <a:r>
+              <a:rPr lang="en-US" dirty="0"/>
+              <a:t>https://softuni.foundation  </a:t>
+            </a:r>
+          </a:p>
+        </p:txBody>
+      </p:sp>
       <p:sp>
         <p:nvSpPr>
-          <p:cNvPr id="31" name="Text Placeholder Company Site">
+          <p:cNvPr id="6" name="Company Name">
+            <a:extLst>
+              <a:ext uri="{FF2B5EF4-FFF2-40B4-BE49-F238E27FC236}">
+                <a16:creationId xmlns:a16="http://schemas.microsoft.com/office/drawing/2014/main" id="{2A76510A-0BAE-A827-E77C-BE88E38F52AA}"/>
+              </a:ext>
+            </a:extLst>
+          </p:cNvPr>
+          <p:cNvSpPr>
+            <a:spLocks noGrp="1"/>
+          </p:cNvSpPr>
+          <p:nvPr>
+            <p:ph type="body" sz="quarter" idx="21" hasCustomPrompt="1"/>
+          </p:nvPr>
+        </p:nvSpPr>
+        <p:spPr>
+          <a:xfrm>
+            <a:off x="6390122" y="5698189"/>
+            <a:ext cx="5248260" cy="374236"/>
+          </a:xfrm>
+        </p:spPr>
+        <p:txBody>
+          <a:bodyPr lIns="36000" rIns="36000" anchor="ctr" anchorCtr="0">
+            <a:normAutofit/>
+          </a:bodyPr>
+          <a:lstStyle>
+            <a:lvl1pPr marL="0" indent="0" algn="r">
+              <a:buNone/>
+              <a:defRPr sz="2000" b="1">
+                <a:solidFill>
+                  <a:schemeClr val="tx1">
+                    <a:lumMod val="75000"/>
+                  </a:schemeClr>
+                </a:solidFill>
+              </a:defRPr>
+            </a:lvl1pPr>
+          </a:lstStyle>
+          <a:p>
+            <a:pPr lvl="0"/>
+            <a:r>
+              <a:rPr lang="en-US" dirty="0"/>
+              <a:t>SoftUni Foundation</a:t>
+            </a:r>
+          </a:p>
+        </p:txBody>
+      </p:sp>
+      <p:sp>
+        <p:nvSpPr>
+          <p:cNvPr id="31" name="Author Position">
             <a:extLst>
               <a:ext uri="{FF2B5EF4-FFF2-40B4-BE49-F238E27FC236}">
                 <a16:creationId xmlns:a16="http://schemas.microsoft.com/office/drawing/2014/main" id="{3E6B87B7-9D33-4EBB-BD4F-C0436BA3FD72}"/>
@@ -2244,274 +2412,8 @@
         </p:nvSpPr>
         <p:spPr bwMode="auto">
           <a:xfrm>
-            <a:off x="8708505" y="6130863"/>
-            <a:ext cx="2951518" cy="341556"/>
-          </a:xfrm>
-          <a:prstGeom prst="rect">
-            <a:avLst/>
-          </a:prstGeom>
-          <a:noFill/>
-          <a:effectLst/>
-        </p:spPr>
-        <p:txBody>
-          <a:bodyPr wrap="square" lIns="36000" tIns="36000" rIns="36000" bIns="36000" rtlCol="0" anchor="ctr" anchorCtr="0">
-            <a:noAutofit/>
-          </a:bodyPr>
-          <a:lstStyle>
-            <a:lvl1pPr marL="0" indent="0" algn="r" rtl="0" fontAlgn="base" latinLnBrk="0">
-              <a:spcBef>
-                <a:spcPct val="0"/>
-              </a:spcBef>
-              <a:spcAft>
-                <a:spcPct val="0"/>
-              </a:spcAft>
-              <a:buNone/>
-              <a:defRPr lang="en-US" sz="1798" b="1" kern="1200" dirty="0" smtClean="0">
-                <a:solidFill>
-                  <a:schemeClr val="tx1">
-                    <a:lumMod val="75000"/>
-                  </a:schemeClr>
-                </a:solidFill>
-                <a:effectLst/>
-                <a:latin typeface="+mn-lt"/>
-                <a:ea typeface="+mn-ea"/>
-                <a:cs typeface="+mn-cs"/>
-              </a:defRPr>
-            </a:lvl1pPr>
-          </a:lstStyle>
-          <a:p>
-            <a:pPr lvl="0"/>
-            <a:r>
-              <a:rPr lang="en-US" noProof="0" dirty="0"/>
-              <a:t>Company Web Site</a:t>
-            </a:r>
-          </a:p>
-        </p:txBody>
-      </p:sp>
-      <p:sp>
-        <p:nvSpPr>
-          <p:cNvPr id="30" name="Text Placeholder Company Name">
-            <a:extLst>
-              <a:ext uri="{FF2B5EF4-FFF2-40B4-BE49-F238E27FC236}">
-                <a16:creationId xmlns:a16="http://schemas.microsoft.com/office/drawing/2014/main" id="{2EA92DCA-4DB5-4D03-ACD3-A6A296592D0C}"/>
-              </a:ext>
-            </a:extLst>
-          </p:cNvPr>
-          <p:cNvSpPr>
-            <a:spLocks noGrp="1"/>
-          </p:cNvSpPr>
-          <p:nvPr>
-            <p:ph type="body" sz="quarter" idx="17" hasCustomPrompt="1"/>
-          </p:nvPr>
-        </p:nvSpPr>
-        <p:spPr bwMode="auto">
-          <a:xfrm>
-            <a:off x="8708505" y="5756628"/>
-            <a:ext cx="2951518" cy="367080"/>
-          </a:xfrm>
-          <a:prstGeom prst="rect">
-            <a:avLst/>
-          </a:prstGeom>
-          <a:noFill/>
-          <a:effectLst/>
-        </p:spPr>
-        <p:txBody>
-          <a:bodyPr wrap="square" lIns="36000" tIns="36000" rIns="36000" bIns="36000" rtlCol="0" anchor="ctr" anchorCtr="0">
-            <a:noAutofit/>
-          </a:bodyPr>
-          <a:lstStyle>
-            <a:lvl1pPr marL="0" indent="0" algn="r" rtl="0" fontAlgn="base" latinLnBrk="0">
-              <a:spcBef>
-                <a:spcPct val="0"/>
-              </a:spcBef>
-              <a:spcAft>
-                <a:spcPct val="0"/>
-              </a:spcAft>
-              <a:buNone/>
-              <a:defRPr lang="en-US" sz="1998" b="1" kern="1200" dirty="0" smtClean="0">
-                <a:solidFill>
-                  <a:schemeClr val="tx1">
-                    <a:lumMod val="75000"/>
-                  </a:schemeClr>
-                </a:solidFill>
-                <a:effectLst/>
-                <a:latin typeface="+mn-lt"/>
-                <a:ea typeface="+mn-ea"/>
-                <a:cs typeface="+mn-cs"/>
-              </a:defRPr>
-            </a:lvl1pPr>
-          </a:lstStyle>
-          <a:p>
-            <a:pPr lvl="0"/>
-            <a:r>
-              <a:rPr lang="en-US" noProof="0" dirty="0"/>
-              <a:t>Company Name</a:t>
-            </a:r>
-          </a:p>
-        </p:txBody>
-      </p:sp>
-      <p:pic>
-        <p:nvPicPr>
-          <p:cNvPr id="35" name="Picture SoftUni Mascot" descr="SoftUni mascot">
-            <a:extLst>
-              <a:ext uri="{FF2B5EF4-FFF2-40B4-BE49-F238E27FC236}">
-                <a16:creationId xmlns:a16="http://schemas.microsoft.com/office/drawing/2014/main" id="{951E7DA9-C5F0-43D9-B013-3BDF9EEF029D}"/>
-              </a:ext>
-            </a:extLst>
-          </p:cNvPr>
-          <p:cNvPicPr>
-            <a:picLocks noChangeAspect="1"/>
-          </p:cNvPicPr>
-          <p:nvPr/>
-        </p:nvPicPr>
-        <p:blipFill rotWithShape="1">
-          <a:blip r:embed="rId3" cstate="print">
-            <a:extLst>
-              <a:ext uri="{28A0092B-C50C-407E-A947-70E740481C1C}">
-                <a14:useLocalDpi xmlns:a14="http://schemas.microsoft.com/office/drawing/2010/main" val="0"/>
-              </a:ext>
-            </a:extLst>
-          </a:blip>
-          <a:srcRect/>
-          <a:stretch/>
-        </p:blipFill>
-        <p:spPr>
-          <a:xfrm flipH="1">
-            <a:off x="8848924" y="2609644"/>
-            <a:ext cx="2788893" cy="3018284"/>
-          </a:xfrm>
-          <a:prstGeom prst="rect">
-            <a:avLst/>
-          </a:prstGeom>
-        </p:spPr>
-      </p:pic>
-      <p:pic>
-        <p:nvPicPr>
-          <p:cNvPr id="22" name="Picture Logo Software University" descr="Software University logo">
-            <a:hlinkClick r:id="rId4"/>
-            <a:extLst>
-              <a:ext uri="{FF2B5EF4-FFF2-40B4-BE49-F238E27FC236}">
-                <a16:creationId xmlns:a16="http://schemas.microsoft.com/office/drawing/2014/main" id="{F2315EB3-3FE4-4D3B-921E-5F209CEC13CB}"/>
-              </a:ext>
-            </a:extLst>
-          </p:cNvPr>
-          <p:cNvPicPr>
-            <a:picLocks noChangeAspect="1"/>
-          </p:cNvPicPr>
-          <p:nvPr userDrawn="1"/>
-        </p:nvPicPr>
-        <p:blipFill>
-          <a:blip r:embed="rId5">
-            <a:clrChange>
-              <a:clrFrom>
-                <a:srgbClr val="FFFFFF"/>
-              </a:clrFrom>
-              <a:clrTo>
-                <a:srgbClr val="FFFFFF">
-                  <a:alpha val="0"/>
-                </a:srgbClr>
-              </a:clrTo>
-            </a:clrChange>
-            <a:extLst>
-              <a:ext uri="{28A0092B-C50C-407E-A947-70E740481C1C}">
-                <a14:useLocalDpi xmlns:a14="http://schemas.microsoft.com/office/drawing/2010/main" val="0"/>
-              </a:ext>
-            </a:extLst>
-          </a:blip>
-          <a:stretch>
-            <a:fillRect/>
-          </a:stretch>
-        </p:blipFill>
-        <p:spPr>
-          <a:xfrm>
-            <a:off x="507944" y="5918567"/>
-            <a:ext cx="1830305" cy="628159"/>
-          </a:xfrm>
-          <a:prstGeom prst="rect">
-            <a:avLst/>
-          </a:prstGeom>
-        </p:spPr>
-      </p:pic>
-      <p:sp>
-        <p:nvSpPr>
-          <p:cNvPr id="40" name="Text Placeholder Author Position">
-            <a:extLst>
-              <a:ext uri="{FF2B5EF4-FFF2-40B4-BE49-F238E27FC236}">
-                <a16:creationId xmlns:a16="http://schemas.microsoft.com/office/drawing/2014/main" id="{CD940256-851E-46C8-8BFB-A5ECA6C7DA07}"/>
-              </a:ext>
-            </a:extLst>
-          </p:cNvPr>
-          <p:cNvSpPr>
-            <a:spLocks noGrp="1"/>
-          </p:cNvSpPr>
-          <p:nvPr>
-            <p:ph type="body" sz="quarter" idx="20" hasCustomPrompt="1"/>
-          </p:nvPr>
-        </p:nvSpPr>
-        <p:spPr bwMode="auto">
-          <a:xfrm>
-            <a:off x="553082" y="5344180"/>
-            <a:ext cx="2980696" cy="444793"/>
-          </a:xfrm>
-          <a:prstGeom prst="rect">
-            <a:avLst/>
-          </a:prstGeom>
-          <a:noFill/>
-          <a:effectLst/>
-        </p:spPr>
-        <p:txBody>
-          <a:bodyPr wrap="square" lIns="36000" tIns="36000" rIns="36000" bIns="36000" rtlCol="0" anchor="ctr" anchorCtr="0">
-            <a:spAutoFit/>
-          </a:bodyPr>
-          <a:lstStyle>
-            <a:lvl1pPr marL="0" indent="0" algn="l" rtl="0" fontAlgn="base" latinLnBrk="0">
-              <a:spcBef>
-                <a:spcPct val="0"/>
-              </a:spcBef>
-              <a:spcAft>
-                <a:spcPct val="0"/>
-              </a:spcAft>
-              <a:buNone/>
-              <a:defRPr lang="en-US" sz="2398" b="1" kern="1200" dirty="0" smtClean="0">
-                <a:solidFill>
-                  <a:schemeClr val="tx1"/>
-                </a:solidFill>
-                <a:effectLst/>
-                <a:latin typeface="+mn-lt"/>
-                <a:ea typeface="+mn-ea"/>
-                <a:cs typeface="+mn-cs"/>
-              </a:defRPr>
-            </a:lvl1pPr>
-          </a:lstStyle>
-          <a:p>
-            <a:pPr lvl="0"/>
-            <a:r>
-              <a:rPr lang="en-US" noProof="0" dirty="0"/>
-              <a:t>Position</a:t>
-            </a:r>
-          </a:p>
-        </p:txBody>
-      </p:sp>
-      <p:sp>
-        <p:nvSpPr>
-          <p:cNvPr id="36" name="Text Placeholder Author Name">
-            <a:extLst>
-              <a:ext uri="{FF2B5EF4-FFF2-40B4-BE49-F238E27FC236}">
-                <a16:creationId xmlns:a16="http://schemas.microsoft.com/office/drawing/2014/main" id="{3B21F47B-DE1F-442D-A2B7-6866F8786704}"/>
-              </a:ext>
-            </a:extLst>
-          </p:cNvPr>
-          <p:cNvSpPr>
-            <a:spLocks noGrp="1"/>
-          </p:cNvSpPr>
-          <p:nvPr>
-            <p:ph type="body" sz="quarter" idx="19" hasCustomPrompt="1"/>
-          </p:nvPr>
-        </p:nvSpPr>
-        <p:spPr bwMode="auto">
-          <a:xfrm>
-            <a:off x="553082" y="4851838"/>
-            <a:ext cx="2980696" cy="454398"/>
+            <a:off x="534045" y="6085863"/>
+            <a:ext cx="4751953" cy="341556"/>
           </a:xfrm>
           <a:prstGeom prst="rect">
             <a:avLst/>
@@ -2532,9 +2434,11 @@
                 <a:spcPct val="0"/>
               </a:spcAft>
               <a:buNone/>
-              <a:defRPr lang="en-US" sz="2798" b="1" kern="1200" dirty="0" smtClean="0">
-                <a:solidFill>
-                  <a:schemeClr val="tx1"/>
+              <a:defRPr lang="en-US" sz="1800" b="0" kern="1200" dirty="0" smtClean="0">
+                <a:solidFill>
+                  <a:schemeClr val="tx1">
+                    <a:lumMod val="75000"/>
+                  </a:schemeClr>
                 </a:solidFill>
                 <a:effectLst/>
                 <a:latin typeface="+mn-lt"/>
@@ -2547,17 +2451,17 @@
             <a:pPr lvl="0"/>
             <a:r>
               <a:rPr lang="en-US" noProof="0" dirty="0"/>
-              <a:t>Author Name</a:t>
+              <a:t>URL</a:t>
             </a:r>
           </a:p>
         </p:txBody>
       </p:sp>
       <p:sp>
         <p:nvSpPr>
-          <p:cNvPr id="33" name="Picture Placeholder Title Image">
+          <p:cNvPr id="30" name="Author Name">
             <a:extLst>
               <a:ext uri="{FF2B5EF4-FFF2-40B4-BE49-F238E27FC236}">
-                <a16:creationId xmlns:a16="http://schemas.microsoft.com/office/drawing/2014/main" id="{A04D819A-89E2-4714-8C56-1838BF467EF7}"/>
+                <a16:creationId xmlns:a16="http://schemas.microsoft.com/office/drawing/2014/main" id="{2EA92DCA-4DB5-4D03-ACD3-A6A296592D0C}"/>
               </a:ext>
             </a:extLst>
           </p:cNvPr>
@@ -2565,31 +2469,51 @@
             <a:spLocks noGrp="1"/>
           </p:cNvSpPr>
           <p:nvPr>
-            <p:ph type="pic" sz="quarter" idx="10"/>
+            <p:ph type="body" sz="quarter" idx="17" hasCustomPrompt="1"/>
           </p:nvPr>
         </p:nvSpPr>
-        <p:spPr>
+        <p:spPr bwMode="auto">
           <a:xfrm>
-            <a:off x="553082" y="2740913"/>
-            <a:ext cx="4642919" cy="1936503"/>
+            <a:off x="534046" y="5251106"/>
+            <a:ext cx="4751954" cy="724904"/>
           </a:xfrm>
+          <a:prstGeom prst="rect">
+            <a:avLst/>
+          </a:prstGeom>
+          <a:noFill/>
+          <a:effectLst/>
         </p:spPr>
         <p:txBody>
-          <a:bodyPr/>
+          <a:bodyPr wrap="square" lIns="36000" tIns="36000" rIns="36000" bIns="36000" rtlCol="0" anchor="ctr" anchorCtr="0">
+            <a:noAutofit/>
+          </a:bodyPr>
           <a:lstStyle>
-            <a:lvl1pPr marL="0" indent="0" algn="ctr" latinLnBrk="0">
+            <a:lvl1pPr marL="0" indent="0" algn="l" rtl="0" fontAlgn="base" latinLnBrk="0">
+              <a:spcBef>
+                <a:spcPct val="0"/>
+              </a:spcBef>
+              <a:spcAft>
+                <a:spcPct val="0"/>
+              </a:spcAft>
               <a:buNone/>
-              <a:defRPr>
-                <a:solidFill>
-                  <a:schemeClr val="bg1"/>
-                </a:solidFill>
+              <a:defRPr lang="en-US" sz="2000" b="1" kern="1200" dirty="0" smtClean="0">
+                <a:solidFill>
+                  <a:schemeClr val="tx1">
+                    <a:lumMod val="75000"/>
+                  </a:schemeClr>
+                </a:solidFill>
+                <a:effectLst/>
+                <a:latin typeface="+mn-lt"/>
+                <a:ea typeface="+mn-ea"/>
+                <a:cs typeface="+mn-cs"/>
               </a:defRPr>
             </a:lvl1pPr>
           </a:lstStyle>
           <a:p>
+            <a:pPr lvl="0"/>
             <a:r>
               <a:rPr lang="en-US" noProof="0" dirty="0"/>
-              <a:t>Click icon to add picture</a:t>
+              <a:t>Authors</a:t>
             </a:r>
           </a:p>
         </p:txBody>
@@ -2612,8 +2536,8 @@
         </p:nvSpPr>
         <p:spPr>
           <a:xfrm>
-            <a:off x="554182" y="1258272"/>
-            <a:ext cx="11083636" cy="1315728"/>
+            <a:off x="554746" y="1402942"/>
+            <a:ext cx="11083636" cy="1306057"/>
           </a:xfrm>
         </p:spPr>
         <p:txBody>
@@ -2623,7 +2547,7 @@
           <a:lstStyle>
             <a:lvl1pPr marL="0" indent="0" algn="ctr" latinLnBrk="0">
               <a:buNone/>
-              <a:defRPr sz="3598">
+              <a:defRPr sz="3600">
                 <a:solidFill>
                   <a:schemeClr val="tx1"/>
                 </a:solidFill>
@@ -2656,15 +2580,17 @@
         </p:nvSpPr>
         <p:spPr>
           <a:xfrm>
-            <a:off x="554182" y="321502"/>
-            <a:ext cx="11083636" cy="882654"/>
+            <a:off x="554746" y="321501"/>
+            <a:ext cx="11083636" cy="971589"/>
           </a:xfrm>
         </p:spPr>
         <p:txBody>
-          <a:bodyPr/>
+          <a:bodyPr>
+            <a:normAutofit/>
+          </a:bodyPr>
           <a:lstStyle>
             <a:lvl1pPr algn="ctr" latinLnBrk="0">
-              <a:defRPr sz="4798"/>
+              <a:defRPr sz="5400"/>
             </a:lvl1pPr>
           </a:lstStyle>
           <a:p>
@@ -2675,10 +2601,94 @@
           </a:p>
         </p:txBody>
       </p:sp>
+      <p:pic>
+        <p:nvPicPr>
+          <p:cNvPr id="4" name="Picture 3">
+            <a:extLst>
+              <a:ext uri="{FF2B5EF4-FFF2-40B4-BE49-F238E27FC236}">
+                <a16:creationId xmlns:a16="http://schemas.microsoft.com/office/drawing/2014/main" id="{324D0DB3-F60A-469B-7831-209CB666CCE4}"/>
+              </a:ext>
+            </a:extLst>
+          </p:cNvPr>
+          <p:cNvPicPr>
+            <a:picLocks noChangeAspect="1"/>
+          </p:cNvPicPr>
+          <p:nvPr userDrawn="1"/>
+        </p:nvPicPr>
+        <p:blipFill>
+          <a:blip r:embed="rId2" cstate="print">
+            <a:extLst>
+              <a:ext uri="{28A0092B-C50C-407E-A947-70E740481C1C}">
+                <a14:useLocalDpi xmlns:a14="http://schemas.microsoft.com/office/drawing/2010/main" val="0"/>
+              </a:ext>
+            </a:extLst>
+          </a:blip>
+          <a:stretch>
+            <a:fillRect/>
+          </a:stretch>
+        </p:blipFill>
+        <p:spPr>
+          <a:xfrm>
+            <a:off x="536549" y="4325954"/>
+            <a:ext cx="2538082" cy="633046"/>
+          </a:xfrm>
+          <a:prstGeom prst="rect">
+            <a:avLst/>
+          </a:prstGeom>
+        </p:spPr>
+      </p:pic>
+      <p:pic>
+        <p:nvPicPr>
+          <p:cNvPr id="5" name="Picture 4" title="CC-BY-NC-SA License">
+            <a:hlinkClick r:id="rId3" tooltip="This work is licensed under the &quot;Creative Commons Attribution-NonCommercial-ShareAlike 4.0 International&quot; license"/>
+            <a:extLst>
+              <a:ext uri="{FF2B5EF4-FFF2-40B4-BE49-F238E27FC236}">
+                <a16:creationId xmlns:a16="http://schemas.microsoft.com/office/drawing/2014/main" id="{2D40731C-0303-A69D-63FD-E048A73CA59F}"/>
+              </a:ext>
+            </a:extLst>
+          </p:cNvPr>
+          <p:cNvPicPr>
+            <a:picLocks noChangeAspect="1" noChangeArrowheads="1"/>
+          </p:cNvPicPr>
+          <p:nvPr userDrawn="1"/>
+        </p:nvPicPr>
+        <p:blipFill>
+          <a:blip r:embed="rId4">
+            <a:extLst>
+              <a:ext uri="{28A0092B-C50C-407E-A947-70E740481C1C}">
+                <a14:useLocalDpi xmlns:a14="http://schemas.microsoft.com/office/drawing/2010/main"/>
+              </a:ext>
+            </a:extLst>
+          </a:blip>
+          <a:srcRect/>
+          <a:stretch>
+            <a:fillRect/>
+          </a:stretch>
+        </p:blipFill>
+        <p:spPr bwMode="auto">
+          <a:xfrm>
+            <a:off x="3402682" y="4321352"/>
+            <a:ext cx="1809336" cy="633045"/>
+          </a:xfrm>
+          <a:prstGeom prst="roundRect">
+            <a:avLst>
+              <a:gd name="adj" fmla="val 3940"/>
+            </a:avLst>
+          </a:prstGeom>
+          <a:solidFill>
+            <a:srgbClr val="231F20">
+              <a:alpha val="50000"/>
+            </a:srgbClr>
+          </a:solidFill>
+          <a:ln>
+            <a:noFill/>
+          </a:ln>
+        </p:spPr>
+      </p:pic>
     </p:spTree>
     <p:extLst>
       <p:ext uri="{BB962C8B-B14F-4D97-AF65-F5344CB8AC3E}">
-        <p14:creationId xmlns:p14="http://schemas.microsoft.com/office/powerpoint/2010/main" val="970179299"/>
+        <p14:creationId xmlns:p14="http://schemas.microsoft.com/office/powerpoint/2010/main" val="370654144"/>
       </p:ext>
     </p:extLst>
   </p:cSld>
@@ -2932,42 +2942,6 @@
           </a:p>
         </p:txBody>
       </p:sp>
-      <p:pic>
-        <p:nvPicPr>
-          <p:cNvPr id="12" name="Logo Software University Down" descr="Software University logo">
-            <a:extLst>
-              <a:ext uri="{FF2B5EF4-FFF2-40B4-BE49-F238E27FC236}">
-                <a16:creationId xmlns:a16="http://schemas.microsoft.com/office/drawing/2014/main" id="{7028D2F0-1E67-414B-A93D-D3F8F131A132}"/>
-              </a:ext>
-            </a:extLst>
-          </p:cNvPr>
-          <p:cNvPicPr>
-            <a:picLocks noChangeAspect="1"/>
-          </p:cNvPicPr>
-          <p:nvPr/>
-        </p:nvPicPr>
-        <p:blipFill>
-          <a:blip r:embed="rId2" cstate="print">
-            <a:extLst>
-              <a:ext uri="{28A0092B-C50C-407E-A947-70E740481C1C}">
-                <a14:useLocalDpi xmlns:a14="http://schemas.microsoft.com/office/drawing/2010/main" val="0"/>
-              </a:ext>
-            </a:extLst>
-          </a:blip>
-          <a:stretch>
-            <a:fillRect/>
-          </a:stretch>
-        </p:blipFill>
-        <p:spPr>
-          <a:xfrm>
-            <a:off x="5616551" y="5206773"/>
-            <a:ext cx="958900" cy="1184869"/>
-          </a:xfrm>
-          <a:prstGeom prst="rect">
-            <a:avLst/>
-          </a:prstGeom>
-        </p:spPr>
-      </p:pic>
       <p:sp>
         <p:nvSpPr>
           <p:cNvPr id="10" name="Text Placeholder Right">
@@ -3205,42 +3179,6 @@
           </a:p>
         </p:txBody>
       </p:sp>
-      <p:pic>
-        <p:nvPicPr>
-          <p:cNvPr id="14" name="Logo Software University" descr="Software University logo">
-            <a:extLst>
-              <a:ext uri="{FF2B5EF4-FFF2-40B4-BE49-F238E27FC236}">
-                <a16:creationId xmlns:a16="http://schemas.microsoft.com/office/drawing/2014/main" id="{19A67BB9-D880-4EAD-B90E-89C4219BFC0B}"/>
-              </a:ext>
-            </a:extLst>
-          </p:cNvPr>
-          <p:cNvPicPr>
-            <a:picLocks noChangeAspect="1"/>
-          </p:cNvPicPr>
-          <p:nvPr userDrawn="1"/>
-        </p:nvPicPr>
-        <p:blipFill>
-          <a:blip r:embed="rId3">
-            <a:extLst>
-              <a:ext uri="{28A0092B-C50C-407E-A947-70E740481C1C}">
-                <a14:useLocalDpi xmlns:a14="http://schemas.microsoft.com/office/drawing/2010/main" val="0"/>
-              </a:ext>
-            </a:extLst>
-          </a:blip>
-          <a:stretch>
-            <a:fillRect/>
-          </a:stretch>
-        </p:blipFill>
-        <p:spPr>
-          <a:xfrm>
-            <a:off x="10067957" y="253936"/>
-            <a:ext cx="1915704" cy="559235"/>
-          </a:xfrm>
-          <a:prstGeom prst="rect">
-            <a:avLst/>
-          </a:prstGeom>
-        </p:spPr>
-      </p:pic>
       <p:sp>
         <p:nvSpPr>
           <p:cNvPr id="15" name="Slide Title">
@@ -3259,8 +3197,8 @@
         </p:nvSpPr>
         <p:spPr>
           <a:xfrm>
-            <a:off x="190406" y="100750"/>
-            <a:ext cx="9715594" cy="882654"/>
+            <a:off x="190405" y="100750"/>
+            <a:ext cx="10270595" cy="882654"/>
           </a:xfrm>
         </p:spPr>
         <p:txBody>
@@ -3282,6 +3220,72 @@
           </a:p>
         </p:txBody>
       </p:sp>
+      <p:pic>
+        <p:nvPicPr>
+          <p:cNvPr id="8" name="Picture 7">
+            <a:extLst>
+              <a:ext uri="{FF2B5EF4-FFF2-40B4-BE49-F238E27FC236}">
+                <a16:creationId xmlns:a16="http://schemas.microsoft.com/office/drawing/2014/main" id="{2C9792D8-D354-4699-B7D6-B8CB7F77594F}"/>
+              </a:ext>
+            </a:extLst>
+          </p:cNvPr>
+          <p:cNvPicPr>
+            <a:picLocks noChangeAspect="1"/>
+          </p:cNvPicPr>
+          <p:nvPr userDrawn="1"/>
+        </p:nvPicPr>
+        <p:blipFill>
+          <a:blip r:embed="rId2"/>
+          <a:stretch>
+            <a:fillRect/>
+          </a:stretch>
+        </p:blipFill>
+        <p:spPr>
+          <a:xfrm>
+            <a:off x="5398753" y="5340443"/>
+            <a:ext cx="1334859" cy="982867"/>
+          </a:xfrm>
+          <a:prstGeom prst="rect">
+            <a:avLst/>
+          </a:prstGeom>
+        </p:spPr>
+      </p:pic>
+      <p:pic>
+        <p:nvPicPr>
+          <p:cNvPr id="3" name="Picture 2">
+            <a:extLst>
+              <a:ext uri="{FF2B5EF4-FFF2-40B4-BE49-F238E27FC236}">
+                <a16:creationId xmlns:a16="http://schemas.microsoft.com/office/drawing/2014/main" id="{B6351E19-25DA-EAD2-9FBE-358B6135D728}"/>
+              </a:ext>
+            </a:extLst>
+          </p:cNvPr>
+          <p:cNvPicPr>
+            <a:picLocks noChangeAspect="1"/>
+          </p:cNvPicPr>
+          <p:nvPr userDrawn="1"/>
+        </p:nvPicPr>
+        <p:blipFill>
+          <a:blip r:embed="rId3" cstate="print">
+            <a:extLst>
+              <a:ext uri="{28A0092B-C50C-407E-A947-70E740481C1C}">
+                <a14:useLocalDpi xmlns:a14="http://schemas.microsoft.com/office/drawing/2010/main" val="0"/>
+              </a:ext>
+            </a:extLst>
+          </a:blip>
+          <a:stretch>
+            <a:fillRect/>
+          </a:stretch>
+        </p:blipFill>
+        <p:spPr>
+          <a:xfrm>
+            <a:off x="10553573" y="368999"/>
+            <a:ext cx="1443361" cy="360001"/>
+          </a:xfrm>
+          <a:prstGeom prst="rect">
+            <a:avLst/>
+          </a:prstGeom>
+        </p:spPr>
+      </p:pic>
     </p:spTree>
     <p:extLst>
       <p:ext uri="{BB962C8B-B14F-4D97-AF65-F5344CB8AC3E}">
@@ -3846,42 +3850,6 @@
           </a:p>
         </p:txBody>
       </p:sp>
-      <p:pic>
-        <p:nvPicPr>
-          <p:cNvPr id="12" name="Logo Software University" descr="Software University logo">
-            <a:extLst>
-              <a:ext uri="{FF2B5EF4-FFF2-40B4-BE49-F238E27FC236}">
-                <a16:creationId xmlns:a16="http://schemas.microsoft.com/office/drawing/2014/main" id="{233CBB95-791E-4630-B3D9-FADFCE7BCF52}"/>
-              </a:ext>
-            </a:extLst>
-          </p:cNvPr>
-          <p:cNvPicPr>
-            <a:picLocks noChangeAspect="1"/>
-          </p:cNvPicPr>
-          <p:nvPr userDrawn="1"/>
-        </p:nvPicPr>
-        <p:blipFill>
-          <a:blip r:embed="rId2">
-            <a:extLst>
-              <a:ext uri="{28A0092B-C50C-407E-A947-70E740481C1C}">
-                <a14:useLocalDpi xmlns:a14="http://schemas.microsoft.com/office/drawing/2010/main" val="0"/>
-              </a:ext>
-            </a:extLst>
-          </a:blip>
-          <a:stretch>
-            <a:fillRect/>
-          </a:stretch>
-        </p:blipFill>
-        <p:spPr>
-          <a:xfrm>
-            <a:off x="10067957" y="253936"/>
-            <a:ext cx="1915704" cy="559235"/>
-          </a:xfrm>
-          <a:prstGeom prst="rect">
-            <a:avLst/>
-          </a:prstGeom>
-        </p:spPr>
-      </p:pic>
       <p:sp>
         <p:nvSpPr>
           <p:cNvPr id="13" name="Slide Title">
@@ -3901,7 +3869,7 @@
         <p:spPr>
           <a:xfrm>
             <a:off x="190406" y="100750"/>
-            <a:ext cx="9715594" cy="882654"/>
+            <a:ext cx="10270594" cy="882654"/>
           </a:xfrm>
         </p:spPr>
         <p:txBody>
@@ -3923,6 +3891,42 @@
           </a:p>
         </p:txBody>
       </p:sp>
+      <p:pic>
+        <p:nvPicPr>
+          <p:cNvPr id="4" name="Picture 3">
+            <a:extLst>
+              <a:ext uri="{FF2B5EF4-FFF2-40B4-BE49-F238E27FC236}">
+                <a16:creationId xmlns:a16="http://schemas.microsoft.com/office/drawing/2014/main" id="{42F3DB3E-BDAA-8201-9A01-2F52640A84CA}"/>
+              </a:ext>
+            </a:extLst>
+          </p:cNvPr>
+          <p:cNvPicPr>
+            <a:picLocks noChangeAspect="1"/>
+          </p:cNvPicPr>
+          <p:nvPr userDrawn="1"/>
+        </p:nvPicPr>
+        <p:blipFill>
+          <a:blip r:embed="rId2" cstate="print">
+            <a:extLst>
+              <a:ext uri="{28A0092B-C50C-407E-A947-70E740481C1C}">
+                <a14:useLocalDpi xmlns:a14="http://schemas.microsoft.com/office/drawing/2010/main" val="0"/>
+              </a:ext>
+            </a:extLst>
+          </a:blip>
+          <a:stretch>
+            <a:fillRect/>
+          </a:stretch>
+        </p:blipFill>
+        <p:spPr>
+          <a:xfrm>
+            <a:off x="10553573" y="368999"/>
+            <a:ext cx="1443361" cy="360001"/>
+          </a:xfrm>
+          <a:prstGeom prst="rect">
+            <a:avLst/>
+          </a:prstGeom>
+        </p:spPr>
+      </p:pic>
     </p:spTree>
     <p:extLst>
       <p:ext uri="{BB962C8B-B14F-4D97-AF65-F5344CB8AC3E}">
@@ -4052,714 +4056,10 @@
       </p:sp>
       <p:sp>
         <p:nvSpPr>
-          <p:cNvPr id="53" name="Rectangle Bottom Copyright">
+          <p:cNvPr id="3" name="Title 2">
             <a:extLst>
               <a:ext uri="{FF2B5EF4-FFF2-40B4-BE49-F238E27FC236}">
-                <a16:creationId xmlns:a16="http://schemas.microsoft.com/office/drawing/2014/main" id="{B07FB7FB-DA6C-4F5D-B068-357F0FCE27D8}"/>
-              </a:ext>
-            </a:extLst>
-          </p:cNvPr>
-          <p:cNvSpPr/>
-          <p:nvPr userDrawn="1"/>
-        </p:nvSpPr>
-        <p:spPr>
-          <a:xfrm>
-            <a:off x="111000" y="6454758"/>
-            <a:ext cx="11970000" cy="258449"/>
-          </a:xfrm>
-          <a:prstGeom prst="rect">
-            <a:avLst/>
-          </a:prstGeom>
-        </p:spPr>
-        <p:txBody>
-          <a:bodyPr wrap="square">
-            <a:noAutofit/>
-          </a:bodyPr>
-          <a:lstStyle/>
-          <a:p>
-            <a:pPr algn="ctr">
-              <a:lnSpc>
-                <a:spcPct val="100000"/>
-              </a:lnSpc>
-              <a:spcBef>
-                <a:spcPts val="0"/>
-              </a:spcBef>
-              <a:spcAft>
-                <a:spcPts val="0"/>
-              </a:spcAft>
-            </a:pPr>
-            <a:r>
-              <a:rPr lang="en-US" sz="1600" noProof="0" dirty="0">
-                <a:solidFill>
-                  <a:schemeClr val="bg2"/>
-                </a:solidFill>
-                <a:effectLst/>
-                <a:latin typeface="Calibri" panose="020F0502020204030204" pitchFamily="34" charset="0"/>
-                <a:ea typeface="Calibri" panose="020F0502020204030204" pitchFamily="34" charset="0"/>
-                <a:cs typeface="Arial" panose="020B0604020202020204" pitchFamily="34" charset="0"/>
-              </a:rPr>
-              <a:t>© SoftUni – </a:t>
-            </a:r>
-            <a:r>
-              <a:rPr lang="en-US" sz="1600" u="sng" noProof="0" dirty="0">
-                <a:solidFill>
-                  <a:schemeClr val="bg2"/>
-                </a:solidFill>
-                <a:effectLst/>
-                <a:latin typeface="Calibri" panose="020F0502020204030204" pitchFamily="34" charset="0"/>
-                <a:ea typeface="Calibri" panose="020F0502020204030204" pitchFamily="34" charset="0"/>
-                <a:cs typeface="Arial" panose="020B0604020202020204" pitchFamily="34" charset="0"/>
-                <a:hlinkClick r:id="rId2">
-                  <a:extLst>
-                    <a:ext uri="{A12FA001-AC4F-418D-AE19-62706E023703}">
-                      <ahyp:hlinkClr xmlns:ahyp="http://schemas.microsoft.com/office/drawing/2018/hyperlinkcolor" val="tx"/>
-                    </a:ext>
-                  </a:extLst>
-                </a:hlinkClick>
-              </a:rPr>
-              <a:t>https://softuni.org</a:t>
-            </a:r>
-            <a:r>
-              <a:rPr lang="en-US" sz="1600" noProof="0" dirty="0">
-                <a:solidFill>
-                  <a:schemeClr val="bg2"/>
-                </a:solidFill>
-                <a:effectLst/>
-                <a:latin typeface="Calibri" panose="020F0502020204030204" pitchFamily="34" charset="0"/>
-                <a:ea typeface="Calibri" panose="020F0502020204030204" pitchFamily="34" charset="0"/>
-                <a:cs typeface="Arial" panose="020B0604020202020204" pitchFamily="34" charset="0"/>
-              </a:rPr>
-              <a:t>. Copyrighted document. Unauthorized copy, reproduction or use is not permitted.</a:t>
-            </a:r>
-            <a:endParaRPr lang="en-US" sz="2400" noProof="0" dirty="0">
-              <a:solidFill>
-                <a:schemeClr val="bg2"/>
-              </a:solidFill>
-              <a:effectLst/>
-              <a:latin typeface="Calibri" panose="020F0502020204030204" pitchFamily="34" charset="0"/>
-              <a:ea typeface="Calibri" panose="020F0502020204030204" pitchFamily="34" charset="0"/>
-              <a:cs typeface="Arial" panose="020B0604020202020204" pitchFamily="34" charset="0"/>
-            </a:endParaRPr>
-          </a:p>
-        </p:txBody>
-      </p:sp>
-      <p:pic>
-        <p:nvPicPr>
-          <p:cNvPr id="26" name="Picture SoftUni Mascot" descr="SoftUni mascot with open hand">
-            <a:extLst>
-              <a:ext uri="{FF2B5EF4-FFF2-40B4-BE49-F238E27FC236}">
-                <a16:creationId xmlns:a16="http://schemas.microsoft.com/office/drawing/2014/main" id="{247CFF3C-C4FA-493D-8505-DF469F4D36A4}"/>
-              </a:ext>
-            </a:extLst>
-          </p:cNvPr>
-          <p:cNvPicPr>
-            <a:picLocks noChangeAspect="1"/>
-          </p:cNvPicPr>
-          <p:nvPr/>
-        </p:nvPicPr>
-        <p:blipFill>
-          <a:blip r:embed="rId3" cstate="print">
-            <a:extLst>
-              <a:ext uri="{28A0092B-C50C-407E-A947-70E740481C1C}">
-                <a14:useLocalDpi xmlns:a14="http://schemas.microsoft.com/office/drawing/2010/main" val="0"/>
-              </a:ext>
-            </a:extLst>
-          </a:blip>
-          <a:stretch>
-            <a:fillRect/>
-          </a:stretch>
-        </p:blipFill>
-        <p:spPr>
-          <a:xfrm>
-            <a:off x="642586" y="2898830"/>
-            <a:ext cx="2451608" cy="2959741"/>
-          </a:xfrm>
-          <a:prstGeom prst="rect">
-            <a:avLst/>
-          </a:prstGeom>
-        </p:spPr>
-      </p:pic>
-      <p:grpSp>
-        <p:nvGrpSpPr>
-          <p:cNvPr id="2" name="Group SoftUni Brands">
-            <a:extLst>
-              <a:ext uri="{FF2B5EF4-FFF2-40B4-BE49-F238E27FC236}">
-                <a16:creationId xmlns:a16="http://schemas.microsoft.com/office/drawing/2014/main" id="{418FAE34-C1F8-46C7-A4AE-F270D1E70F25}"/>
-              </a:ext>
-            </a:extLst>
-          </p:cNvPr>
-          <p:cNvGrpSpPr/>
-          <p:nvPr userDrawn="1"/>
-        </p:nvGrpSpPr>
-        <p:grpSpPr>
-          <a:xfrm>
-            <a:off x="3332216" y="1702473"/>
-            <a:ext cx="8314909" cy="3543782"/>
-            <a:chOff x="3332216" y="1702473"/>
-            <a:chExt cx="8314909" cy="3543782"/>
-          </a:xfrm>
-        </p:grpSpPr>
-        <p:pic>
-          <p:nvPicPr>
-            <p:cNvPr id="24" name="Picture SoftUni Kids Logo" descr="SoftUni Kids logo">
-              <a:extLst>
-                <a:ext uri="{FF2B5EF4-FFF2-40B4-BE49-F238E27FC236}">
-                  <a16:creationId xmlns:a16="http://schemas.microsoft.com/office/drawing/2014/main" id="{B0812936-74B6-4265-8C08-AEDC8C798702}"/>
-                </a:ext>
-              </a:extLst>
-            </p:cNvPr>
-            <p:cNvPicPr>
-              <a:picLocks noChangeAspect="1"/>
-            </p:cNvPicPr>
-            <p:nvPr/>
-          </p:nvPicPr>
-          <p:blipFill>
-            <a:blip r:embed="rId4" cstate="print">
-              <a:extLst>
-                <a:ext uri="{28A0092B-C50C-407E-A947-70E740481C1C}">
-                  <a14:useLocalDpi xmlns:a14="http://schemas.microsoft.com/office/drawing/2010/main" val="0"/>
-                </a:ext>
-              </a:extLst>
-            </a:blip>
-            <a:stretch>
-              <a:fillRect/>
-            </a:stretch>
-          </p:blipFill>
-          <p:spPr>
-            <a:xfrm>
-              <a:off x="10516883" y="3776294"/>
-              <a:ext cx="1130242" cy="1389256"/>
-            </a:xfrm>
-            <a:prstGeom prst="rect">
-              <a:avLst/>
-            </a:prstGeom>
-          </p:spPr>
-        </p:pic>
-        <p:pic>
-          <p:nvPicPr>
-            <p:cNvPr id="23" name="Picture SoftUni Foundation Logo" descr="SoftUni Foundation logo">
-              <a:extLst>
-                <a:ext uri="{FF2B5EF4-FFF2-40B4-BE49-F238E27FC236}">
-                  <a16:creationId xmlns:a16="http://schemas.microsoft.com/office/drawing/2014/main" id="{6643F71A-2013-433A-8322-FBAAED3162D8}"/>
-                </a:ext>
-              </a:extLst>
-            </p:cNvPr>
-            <p:cNvPicPr>
-              <a:picLocks noChangeAspect="1"/>
-            </p:cNvPicPr>
-            <p:nvPr userDrawn="1"/>
-          </p:nvPicPr>
-          <p:blipFill>
-            <a:blip r:embed="rId5" cstate="print">
-              <a:extLst>
-                <a:ext uri="{28A0092B-C50C-407E-A947-70E740481C1C}">
-                  <a14:useLocalDpi xmlns:a14="http://schemas.microsoft.com/office/drawing/2010/main" val="0"/>
-                </a:ext>
-              </a:extLst>
-            </a:blip>
-            <a:stretch>
-              <a:fillRect/>
-            </a:stretch>
-          </p:blipFill>
-          <p:spPr>
-            <a:xfrm>
-              <a:off x="9053913" y="3788231"/>
-              <a:ext cx="1166400" cy="1350756"/>
-            </a:xfrm>
-            <a:prstGeom prst="rect">
-              <a:avLst/>
-            </a:prstGeom>
-          </p:spPr>
-        </p:pic>
-        <p:pic>
-          <p:nvPicPr>
-            <p:cNvPr id="22" name="Picture SoftUni Digital Logo" descr="SoftUni Digital logo">
-              <a:extLst>
-                <a:ext uri="{FF2B5EF4-FFF2-40B4-BE49-F238E27FC236}">
-                  <a16:creationId xmlns:a16="http://schemas.microsoft.com/office/drawing/2014/main" id="{0A83D66F-855B-463B-920B-BF239B01A206}"/>
-                </a:ext>
-              </a:extLst>
-            </p:cNvPr>
-            <p:cNvPicPr>
-              <a:picLocks noChangeAspect="1"/>
-            </p:cNvPicPr>
-            <p:nvPr userDrawn="1"/>
-          </p:nvPicPr>
-          <p:blipFill>
-            <a:blip r:embed="rId6" cstate="print">
-              <a:extLst>
-                <a:ext uri="{28A0092B-C50C-407E-A947-70E740481C1C}">
-                  <a14:useLocalDpi xmlns:a14="http://schemas.microsoft.com/office/drawing/2010/main" val="0"/>
-                </a:ext>
-              </a:extLst>
-            </a:blip>
-            <a:stretch>
-              <a:fillRect/>
-            </a:stretch>
-          </p:blipFill>
-          <p:spPr>
-            <a:xfrm>
-              <a:off x="7657695" y="3789000"/>
-              <a:ext cx="1084614" cy="1457255"/>
-            </a:xfrm>
-            <a:prstGeom prst="rect">
-              <a:avLst/>
-            </a:prstGeom>
-          </p:spPr>
-        </p:pic>
-        <p:pic>
-          <p:nvPicPr>
-            <p:cNvPr id="21" name="Picture SoftUni Creative Logo" descr="SoftUni Creative logo">
-              <a:extLst>
-                <a:ext uri="{FF2B5EF4-FFF2-40B4-BE49-F238E27FC236}">
-                  <a16:creationId xmlns:a16="http://schemas.microsoft.com/office/drawing/2014/main" id="{EA755AAE-BA08-481C-9224-0061170EE4B8}"/>
-                </a:ext>
-              </a:extLst>
-            </p:cNvPr>
-            <p:cNvPicPr>
-              <a:picLocks noChangeAspect="1"/>
-            </p:cNvPicPr>
-            <p:nvPr/>
-          </p:nvPicPr>
-          <p:blipFill>
-            <a:blip r:embed="rId7" cstate="print">
-              <a:extLst>
-                <a:ext uri="{28A0092B-C50C-407E-A947-70E740481C1C}">
-                  <a14:useLocalDpi xmlns:a14="http://schemas.microsoft.com/office/drawing/2010/main" val="0"/>
-                </a:ext>
-              </a:extLst>
-            </a:blip>
-            <a:stretch>
-              <a:fillRect/>
-            </a:stretch>
-          </p:blipFill>
-          <p:spPr>
-            <a:xfrm>
-              <a:off x="6173913" y="3776293"/>
-              <a:ext cx="1166400" cy="1389257"/>
-            </a:xfrm>
-            <a:prstGeom prst="rect">
-              <a:avLst/>
-            </a:prstGeom>
-          </p:spPr>
-        </p:pic>
-        <p:pic>
-          <p:nvPicPr>
-            <p:cNvPr id="20" name="Picture SoftUni Svetlina Logo" descr="SoftUni Svetlina logo">
-              <a:extLst>
-                <a:ext uri="{FF2B5EF4-FFF2-40B4-BE49-F238E27FC236}">
-                  <a16:creationId xmlns:a16="http://schemas.microsoft.com/office/drawing/2014/main" id="{827D15FD-4C66-4B85-98E6-7826AA8F61C6}"/>
-                </a:ext>
-              </a:extLst>
-            </p:cNvPr>
-            <p:cNvPicPr>
-              <a:picLocks noChangeAspect="1"/>
-            </p:cNvPicPr>
-            <p:nvPr/>
-          </p:nvPicPr>
-          <p:blipFill>
-            <a:blip r:embed="rId8">
-              <a:extLst>
-                <a:ext uri="{28A0092B-C50C-407E-A947-70E740481C1C}">
-                  <a14:useLocalDpi xmlns:a14="http://schemas.microsoft.com/office/drawing/2010/main" val="0"/>
-                </a:ext>
-              </a:extLst>
-            </a:blip>
-            <a:stretch>
-              <a:fillRect/>
-            </a:stretch>
-          </p:blipFill>
-          <p:spPr>
-            <a:xfrm>
-              <a:off x="4735029" y="3776293"/>
-              <a:ext cx="1166400" cy="1402229"/>
-            </a:xfrm>
-            <a:prstGeom prst="rect">
-              <a:avLst/>
-            </a:prstGeom>
-          </p:spPr>
-        </p:pic>
-        <p:pic>
-          <p:nvPicPr>
-            <p:cNvPr id="25" name="Picture Software University Logo" descr="Software University logo">
-              <a:extLst>
-                <a:ext uri="{FF2B5EF4-FFF2-40B4-BE49-F238E27FC236}">
-                  <a16:creationId xmlns:a16="http://schemas.microsoft.com/office/drawing/2014/main" id="{C74C190C-5856-41B9-8819-AE8DE0E10980}"/>
-                </a:ext>
-              </a:extLst>
-            </p:cNvPr>
-            <p:cNvPicPr>
-              <a:picLocks noChangeAspect="1"/>
-            </p:cNvPicPr>
-            <p:nvPr/>
-          </p:nvPicPr>
-          <p:blipFill>
-            <a:blip r:embed="rId9" cstate="print">
-              <a:extLst>
-                <a:ext uri="{28A0092B-C50C-407E-A947-70E740481C1C}">
-                  <a14:useLocalDpi xmlns:a14="http://schemas.microsoft.com/office/drawing/2010/main" val="0"/>
-                </a:ext>
-              </a:extLst>
-            </a:blip>
-            <a:stretch>
-              <a:fillRect/>
-            </a:stretch>
-          </p:blipFill>
-          <p:spPr>
-            <a:xfrm>
-              <a:off x="3332216" y="3776295"/>
-              <a:ext cx="1164654" cy="1440000"/>
-            </a:xfrm>
-            <a:prstGeom prst="rect">
-              <a:avLst/>
-            </a:prstGeom>
-          </p:spPr>
-        </p:pic>
-        <p:cxnSp>
-          <p:nvCxnSpPr>
-            <p:cNvPr id="33" name="Straight Connector 6">
-              <a:extLst>
-                <a:ext uri="{FF2B5EF4-FFF2-40B4-BE49-F238E27FC236}">
-                  <a16:creationId xmlns:a16="http://schemas.microsoft.com/office/drawing/2014/main" id="{5C63D1E8-4A92-4691-8A24-A2FC7E8008E5}"/>
-                </a:ext>
-              </a:extLst>
-            </p:cNvPr>
-            <p:cNvCxnSpPr>
-              <a:cxnSpLocks/>
-            </p:cNvCxnSpPr>
-            <p:nvPr userDrawn="1"/>
-          </p:nvCxnSpPr>
-          <p:spPr>
-            <a:xfrm>
-              <a:off x="11077113" y="3335565"/>
-              <a:ext cx="0" cy="236220"/>
-            </a:xfrm>
-            <a:prstGeom prst="line">
-              <a:avLst/>
-            </a:prstGeom>
-            <a:ln w="25400"/>
-          </p:spPr>
-          <p:style>
-            <a:lnRef idx="1">
-              <a:schemeClr val="accent1"/>
-            </a:lnRef>
-            <a:fillRef idx="0">
-              <a:schemeClr val="accent1"/>
-            </a:fillRef>
-            <a:effectRef idx="0">
-              <a:schemeClr val="accent1"/>
-            </a:effectRef>
-            <a:fontRef idx="minor">
-              <a:schemeClr val="tx1"/>
-            </a:fontRef>
-          </p:style>
-        </p:cxnSp>
-        <p:cxnSp>
-          <p:nvCxnSpPr>
-            <p:cNvPr id="32" name="Straight Connector 5">
-              <a:extLst>
-                <a:ext uri="{FF2B5EF4-FFF2-40B4-BE49-F238E27FC236}">
-                  <a16:creationId xmlns:a16="http://schemas.microsoft.com/office/drawing/2014/main" id="{6E91D320-3732-40B8-864D-142D0A277ED1}"/>
-                </a:ext>
-              </a:extLst>
-            </p:cNvPr>
-            <p:cNvCxnSpPr>
-              <a:cxnSpLocks/>
-            </p:cNvCxnSpPr>
-            <p:nvPr userDrawn="1"/>
-          </p:nvCxnSpPr>
-          <p:spPr>
-            <a:xfrm>
-              <a:off x="9637113" y="3329215"/>
-              <a:ext cx="0" cy="236220"/>
-            </a:xfrm>
-            <a:prstGeom prst="line">
-              <a:avLst/>
-            </a:prstGeom>
-            <a:ln w="25400"/>
-          </p:spPr>
-          <p:style>
-            <a:lnRef idx="1">
-              <a:schemeClr val="accent1"/>
-            </a:lnRef>
-            <a:fillRef idx="0">
-              <a:schemeClr val="accent1"/>
-            </a:fillRef>
-            <a:effectRef idx="0">
-              <a:schemeClr val="accent1"/>
-            </a:effectRef>
-            <a:fontRef idx="minor">
-              <a:schemeClr val="tx1"/>
-            </a:fontRef>
-          </p:style>
-        </p:cxnSp>
-        <p:cxnSp>
-          <p:nvCxnSpPr>
-            <p:cNvPr id="31" name="Straight Connector 4">
-              <a:extLst>
-                <a:ext uri="{FF2B5EF4-FFF2-40B4-BE49-F238E27FC236}">
-                  <a16:creationId xmlns:a16="http://schemas.microsoft.com/office/drawing/2014/main" id="{299ABE09-E33C-46B7-A80D-7BF4A6956211}"/>
-                </a:ext>
-              </a:extLst>
-            </p:cNvPr>
-            <p:cNvCxnSpPr/>
-            <p:nvPr userDrawn="1"/>
-          </p:nvCxnSpPr>
-          <p:spPr>
-            <a:xfrm>
-              <a:off x="8197113" y="3329215"/>
-              <a:ext cx="0" cy="236220"/>
-            </a:xfrm>
-            <a:prstGeom prst="line">
-              <a:avLst/>
-            </a:prstGeom>
-            <a:ln w="25400"/>
-          </p:spPr>
-          <p:style>
-            <a:lnRef idx="1">
-              <a:schemeClr val="accent1"/>
-            </a:lnRef>
-            <a:fillRef idx="0">
-              <a:schemeClr val="accent1"/>
-            </a:fillRef>
-            <a:effectRef idx="0">
-              <a:schemeClr val="accent1"/>
-            </a:effectRef>
-            <a:fontRef idx="minor">
-              <a:schemeClr val="tx1"/>
-            </a:fontRef>
-          </p:style>
-        </p:cxnSp>
-        <p:cxnSp>
-          <p:nvCxnSpPr>
-            <p:cNvPr id="30" name="Straight Connector 3">
-              <a:extLst>
-                <a:ext uri="{FF2B5EF4-FFF2-40B4-BE49-F238E27FC236}">
-                  <a16:creationId xmlns:a16="http://schemas.microsoft.com/office/drawing/2014/main" id="{93DDBF37-0764-47AA-94E3-9A44F3ED8FB5}"/>
-                </a:ext>
-              </a:extLst>
-            </p:cNvPr>
-            <p:cNvCxnSpPr/>
-            <p:nvPr userDrawn="1"/>
-          </p:nvCxnSpPr>
-          <p:spPr>
-            <a:xfrm>
-              <a:off x="6757113" y="3329215"/>
-              <a:ext cx="0" cy="236220"/>
-            </a:xfrm>
-            <a:prstGeom prst="line">
-              <a:avLst/>
-            </a:prstGeom>
-            <a:ln w="25400"/>
-          </p:spPr>
-          <p:style>
-            <a:lnRef idx="1">
-              <a:schemeClr val="accent1"/>
-            </a:lnRef>
-            <a:fillRef idx="0">
-              <a:schemeClr val="accent1"/>
-            </a:fillRef>
-            <a:effectRef idx="0">
-              <a:schemeClr val="accent1"/>
-            </a:effectRef>
-            <a:fontRef idx="minor">
-              <a:schemeClr val="tx1"/>
-            </a:fontRef>
-          </p:style>
-        </p:cxnSp>
-        <p:cxnSp>
-          <p:nvCxnSpPr>
-            <p:cNvPr id="29" name="Straight Connector 2">
-              <a:extLst>
-                <a:ext uri="{FF2B5EF4-FFF2-40B4-BE49-F238E27FC236}">
-                  <a16:creationId xmlns:a16="http://schemas.microsoft.com/office/drawing/2014/main" id="{72BFE2F3-0845-4E5B-9375-E9D4027DD675}"/>
-                </a:ext>
-              </a:extLst>
-            </p:cNvPr>
-            <p:cNvCxnSpPr/>
-            <p:nvPr userDrawn="1"/>
-          </p:nvCxnSpPr>
-          <p:spPr>
-            <a:xfrm>
-              <a:off x="5309913" y="3335565"/>
-              <a:ext cx="0" cy="236220"/>
-            </a:xfrm>
-            <a:prstGeom prst="line">
-              <a:avLst/>
-            </a:prstGeom>
-            <a:ln w="25400"/>
-          </p:spPr>
-          <p:style>
-            <a:lnRef idx="1">
-              <a:schemeClr val="accent1"/>
-            </a:lnRef>
-            <a:fillRef idx="0">
-              <a:schemeClr val="accent1"/>
-            </a:fillRef>
-            <a:effectRef idx="0">
-              <a:schemeClr val="accent1"/>
-            </a:effectRef>
-            <a:fontRef idx="minor">
-              <a:schemeClr val="tx1"/>
-            </a:fontRef>
-          </p:style>
-        </p:cxnSp>
-        <p:cxnSp>
-          <p:nvCxnSpPr>
-            <p:cNvPr id="28" name="Straight Connector 1">
-              <a:extLst>
-                <a:ext uri="{FF2B5EF4-FFF2-40B4-BE49-F238E27FC236}">
-                  <a16:creationId xmlns:a16="http://schemas.microsoft.com/office/drawing/2014/main" id="{D4E5982E-3110-47E1-A5BB-91B7BECC3093}"/>
-                </a:ext>
-              </a:extLst>
-            </p:cNvPr>
-            <p:cNvCxnSpPr/>
-            <p:nvPr userDrawn="1"/>
-          </p:nvCxnSpPr>
-          <p:spPr>
-            <a:xfrm>
-              <a:off x="3915327" y="3335565"/>
-              <a:ext cx="0" cy="236220"/>
-            </a:xfrm>
-            <a:prstGeom prst="line">
-              <a:avLst/>
-            </a:prstGeom>
-            <a:ln w="25400"/>
-          </p:spPr>
-          <p:style>
-            <a:lnRef idx="1">
-              <a:schemeClr val="accent1"/>
-            </a:lnRef>
-            <a:fillRef idx="0">
-              <a:schemeClr val="accent1"/>
-            </a:fillRef>
-            <a:effectRef idx="0">
-              <a:schemeClr val="accent1"/>
-            </a:effectRef>
-            <a:fontRef idx="minor">
-              <a:schemeClr val="tx1"/>
-            </a:fontRef>
-          </p:style>
-        </p:cxnSp>
-        <p:cxnSp>
-          <p:nvCxnSpPr>
-            <p:cNvPr id="27" name="Straight Connector Horizontal">
-              <a:extLst>
-                <a:ext uri="{FF2B5EF4-FFF2-40B4-BE49-F238E27FC236}">
-                  <a16:creationId xmlns:a16="http://schemas.microsoft.com/office/drawing/2014/main" id="{5F62FB7C-BD6E-4383-98C1-2CF30F34CAFD}"/>
-                </a:ext>
-              </a:extLst>
-            </p:cNvPr>
-            <p:cNvCxnSpPr>
-              <a:cxnSpLocks/>
-            </p:cNvCxnSpPr>
-            <p:nvPr userDrawn="1"/>
-          </p:nvCxnSpPr>
-          <p:spPr>
-            <a:xfrm>
-              <a:off x="3915327" y="3335565"/>
-              <a:ext cx="7161786" cy="0"/>
-            </a:xfrm>
-            <a:prstGeom prst="line">
-              <a:avLst/>
-            </a:prstGeom>
-            <a:ln w="25400"/>
-          </p:spPr>
-          <p:style>
-            <a:lnRef idx="1">
-              <a:schemeClr val="accent1"/>
-            </a:lnRef>
-            <a:fillRef idx="0">
-              <a:schemeClr val="accent1"/>
-            </a:fillRef>
-            <a:effectRef idx="0">
-              <a:schemeClr val="accent1"/>
-            </a:effectRef>
-            <a:fontRef idx="minor">
-              <a:schemeClr val="tx1"/>
-            </a:fontRef>
-          </p:style>
-        </p:cxnSp>
-        <p:cxnSp>
-          <p:nvCxnSpPr>
-            <p:cNvPr id="34" name="Straight Connector 0">
-              <a:extLst>
-                <a:ext uri="{FF2B5EF4-FFF2-40B4-BE49-F238E27FC236}">
-                  <a16:creationId xmlns:a16="http://schemas.microsoft.com/office/drawing/2014/main" id="{C84A0FE1-723D-4682-8682-77BAD950EE15}"/>
-                </a:ext>
-              </a:extLst>
-            </p:cNvPr>
-            <p:cNvCxnSpPr/>
-            <p:nvPr userDrawn="1"/>
-          </p:nvCxnSpPr>
-          <p:spPr>
-            <a:xfrm>
-              <a:off x="7496220" y="3092995"/>
-              <a:ext cx="0" cy="236220"/>
-            </a:xfrm>
-            <a:prstGeom prst="line">
-              <a:avLst/>
-            </a:prstGeom>
-            <a:ln w="25400"/>
-          </p:spPr>
-          <p:style>
-            <a:lnRef idx="1">
-              <a:schemeClr val="accent1"/>
-            </a:lnRef>
-            <a:fillRef idx="0">
-              <a:schemeClr val="accent1"/>
-            </a:fillRef>
-            <a:effectRef idx="0">
-              <a:schemeClr val="accent1"/>
-            </a:effectRef>
-            <a:fontRef idx="minor">
-              <a:schemeClr val="tx1"/>
-            </a:fontRef>
-          </p:style>
-        </p:cxnSp>
-        <p:pic>
-          <p:nvPicPr>
-            <p:cNvPr id="18" name="Picture SoftUni Logo" descr="SoftUni logo">
-              <a:extLst>
-                <a:ext uri="{FF2B5EF4-FFF2-40B4-BE49-F238E27FC236}">
-                  <a16:creationId xmlns:a16="http://schemas.microsoft.com/office/drawing/2014/main" id="{A0675455-B7FA-4569-A5FD-A3B0F20B2A26}"/>
-                </a:ext>
-              </a:extLst>
-            </p:cNvPr>
-            <p:cNvPicPr>
-              <a:picLocks noChangeAspect="1"/>
-            </p:cNvPicPr>
-            <p:nvPr/>
-          </p:nvPicPr>
-          <p:blipFill>
-            <a:blip r:embed="rId10" cstate="print">
-              <a:extLst>
-                <a:ext uri="{28A0092B-C50C-407E-A947-70E740481C1C}">
-                  <a14:useLocalDpi xmlns:a14="http://schemas.microsoft.com/office/drawing/2010/main" val="0"/>
-                </a:ext>
-              </a:extLst>
-            </a:blip>
-            <a:stretch>
-              <a:fillRect/>
-            </a:stretch>
-          </p:blipFill>
-          <p:spPr>
-            <a:xfrm>
-              <a:off x="6896770" y="1702473"/>
-              <a:ext cx="1198901" cy="1198901"/>
-            </a:xfrm>
-            <a:prstGeom prst="rect">
-              <a:avLst/>
-            </a:prstGeom>
-          </p:spPr>
-        </p:pic>
-      </p:grpSp>
-      <p:sp>
-        <p:nvSpPr>
-          <p:cNvPr id="19" name="Slide Title">
-            <a:extLst>
-              <a:ext uri="{FF2B5EF4-FFF2-40B4-BE49-F238E27FC236}">
-                <a16:creationId xmlns:a16="http://schemas.microsoft.com/office/drawing/2014/main" id="{7CFDBB16-985C-4CC7-B6DB-B81B36037922}"/>
+                <a16:creationId xmlns:a16="http://schemas.microsoft.com/office/drawing/2014/main" id="{3107753B-8639-4399-B782-EE5377184D2E}"/>
               </a:ext>
             </a:extLst>
           </p:cNvPr>
@@ -4767,142 +4067,33 @@
             <a:spLocks noGrp="1"/>
           </p:cNvSpPr>
           <p:nvPr>
-            <p:ph type="title"/>
+            <p:ph type="title" hasCustomPrompt="1"/>
           </p:nvPr>
         </p:nvSpPr>
         <p:spPr>
           <a:xfrm>
-            <a:off x="809628" y="703244"/>
-            <a:ext cx="5916372" cy="1033303"/>
+            <a:off x="726988" y="1461842"/>
+            <a:ext cx="10731663" cy="3047158"/>
           </a:xfrm>
-          <a:prstGeom prst="rect">
-            <a:avLst/>
-          </a:prstGeom>
         </p:spPr>
         <p:txBody>
-          <a:bodyPr wrap="none" lIns="0" tIns="0" rIns="0" bIns="0" anchor="ctr" anchorCtr="0">
-            <a:noAutofit/>
-            <a:scene3d>
-              <a:camera prst="orthographicFront"/>
-              <a:lightRig rig="soft" dir="t">
-                <a:rot lat="0" lon="0" rev="10800000"/>
-              </a:lightRig>
-            </a:scene3d>
-            <a:sp3d>
-              <a:bevelT w="27940" h="12700"/>
-              <a:contourClr>
-                <a:srgbClr val="DDDDDD"/>
-              </a:contourClr>
-            </a:sp3d>
+          <a:bodyPr>
+            <a:normAutofit/>
           </a:bodyPr>
-          <a:lstStyle/>
-          <a:p>
-            <a:pPr marL="0" marR="0" lvl="0" indent="0" algn="l" defTabSz="913852" rtl="0" eaLnBrk="0" fontAlgn="auto" latinLnBrk="0" hangingPunct="0">
-              <a:lnSpc>
-                <a:spcPct val="100000"/>
-              </a:lnSpc>
-              <a:spcBef>
-                <a:spcPts val="0"/>
-              </a:spcBef>
-              <a:spcAft>
-                <a:spcPts val="0"/>
-              </a:spcAft>
-              <a:buClr>
-                <a:srgbClr val="67748E">
-                  <a:lumMod val="40000"/>
-                  <a:lumOff val="60000"/>
-                </a:srgbClr>
-              </a:buClr>
-              <a:buSzPct val="70000"/>
-              <a:buFont typeface="Wingdings 2" pitchFamily="18" charset="2"/>
-              <a:buNone/>
-              <a:tabLst/>
-              <a:defRPr/>
-            </a:pPr>
-            <a:r>
-              <a:rPr kumimoji="0" lang="en-US" sz="8797" b="1" i="0" u="none" strike="noStrike" kern="1200" cap="none" spc="0" normalizeH="0" baseline="0" noProof="0" dirty="0">
-                <a:ln>
-                  <a:noFill/>
-                </a:ln>
-                <a:solidFill>
-                  <a:srgbClr val="234465"/>
-                </a:solidFill>
-                <a:effectLst/>
-                <a:uLnTx/>
-                <a:uFillTx/>
-                <a:latin typeface="Calibri" panose="020F0502020204030204"/>
-                <a:ea typeface="+mn-ea"/>
-                <a:cs typeface="+mn-cs"/>
-              </a:rPr>
-              <a:t>Questions?</a:t>
-            </a:r>
-            <a:endParaRPr kumimoji="0" lang="en-US" sz="8797" b="1" i="0" u="none" strike="noStrike" kern="1200" cap="none" spc="150" normalizeH="0" baseline="0" noProof="0" dirty="0">
-              <a:ln w="11430"/>
-              <a:solidFill>
-                <a:srgbClr val="234465"/>
-              </a:solidFill>
-              <a:effectLst>
-                <a:outerShdw blurRad="25400" algn="tl" rotWithShape="0">
-                  <a:srgbClr val="000000">
-                    <a:alpha val="43000"/>
-                  </a:srgbClr>
-                </a:outerShdw>
-              </a:effectLst>
-              <a:uLnTx/>
-              <a:uFillTx/>
-              <a:latin typeface="Calibri" panose="020F0502020204030204"/>
-              <a:ea typeface="+mn-ea"/>
-              <a:cs typeface="+mn-cs"/>
-            </a:endParaRPr>
+          <a:lstStyle>
+            <a:lvl1pPr algn="ctr">
+              <a:defRPr sz="13800"/>
+            </a:lvl1pPr>
+          </a:lstStyle>
+          <a:p>
+            <a:r>
+              <a:rPr lang="bg-BG" dirty="0"/>
+              <a:t>Въпроси?</a:t>
+            </a:r>
+            <a:endParaRPr lang="en-US" dirty="0"/>
           </a:p>
         </p:txBody>
       </p:sp>
-      <p:pic>
-        <p:nvPicPr>
-          <p:cNvPr id="36" name="Logo Software University" descr="Software University logo">
-            <a:extLst>
-              <a:ext uri="{FF2B5EF4-FFF2-40B4-BE49-F238E27FC236}">
-                <a16:creationId xmlns:a16="http://schemas.microsoft.com/office/drawing/2014/main" id="{67FC4D2E-913D-432A-B658-F0D82839FA5E}"/>
-              </a:ext>
-            </a:extLst>
-          </p:cNvPr>
-          <p:cNvPicPr>
-            <a:picLocks noChangeAspect="1"/>
-          </p:cNvPicPr>
-          <p:nvPr userDrawn="1"/>
-        </p:nvPicPr>
-        <p:blipFill>
-          <a:blip r:embed="rId11">
-            <a:clrChange>
-              <a:clrFrom>
-                <a:srgbClr val="FFFFFF"/>
-              </a:clrFrom>
-              <a:clrTo>
-                <a:srgbClr val="FFFFFF">
-                  <a:alpha val="0"/>
-                </a:srgbClr>
-              </a:clrTo>
-            </a:clrChange>
-            <a:extLst>
-              <a:ext uri="{28A0092B-C50C-407E-A947-70E740481C1C}">
-                <a14:useLocalDpi xmlns:a14="http://schemas.microsoft.com/office/drawing/2010/main" val="0"/>
-              </a:ext>
-            </a:extLst>
-          </a:blip>
-          <a:stretch>
-            <a:fillRect/>
-          </a:stretch>
-        </p:blipFill>
-        <p:spPr>
-          <a:xfrm>
-            <a:off x="10008761" y="190267"/>
-            <a:ext cx="2013336" cy="690975"/>
-          </a:xfrm>
-          <a:prstGeom prst="rect">
-            <a:avLst/>
-          </a:prstGeom>
-        </p:spPr>
-      </p:pic>
     </p:spTree>
     <p:extLst>
       <p:ext uri="{BB962C8B-B14F-4D97-AF65-F5344CB8AC3E}">
@@ -4937,528 +4128,6 @@
       </p15:sldGuideLst>
     </p:ext>
   </p:extLst>
-</p:sldLayout>
-</file>
-
-<file path=ppt/slideLayouts/slideLayout13.xml><?xml version="1.0" encoding="utf-8"?>
-<p:sldLayout xmlns:a="http://schemas.openxmlformats.org/drawingml/2006/main" xmlns:r="http://schemas.openxmlformats.org/officeDocument/2006/relationships" xmlns:p="http://schemas.openxmlformats.org/presentationml/2006/main" preserve="1" userDrawn="1">
-  <p:cSld name="About Slide">
-    <p:spTree>
-      <p:nvGrpSpPr>
-        <p:cNvPr id="1" name=""/>
-        <p:cNvGrpSpPr/>
-        <p:nvPr/>
-      </p:nvGrpSpPr>
-      <p:grpSpPr>
-        <a:xfrm>
-          <a:off x="0" y="0"/>
-          <a:ext cx="0" cy="0"/>
-          <a:chOff x="0" y="0"/>
-          <a:chExt cx="0" cy="0"/>
-        </a:xfrm>
-      </p:grpSpPr>
-      <p:sp>
-        <p:nvSpPr>
-          <p:cNvPr id="13" name="Slide Number">
-            <a:extLst>
-              <a:ext uri="{FF2B5EF4-FFF2-40B4-BE49-F238E27FC236}">
-                <a16:creationId xmlns:a16="http://schemas.microsoft.com/office/drawing/2014/main" id="{5B8761D8-B42F-4A70-A0CE-682CEB2AE31B}"/>
-              </a:ext>
-            </a:extLst>
-          </p:cNvPr>
-          <p:cNvSpPr>
-            <a:spLocks noGrp="1"/>
-          </p:cNvSpPr>
-          <p:nvPr>
-            <p:ph type="sldNum" sz="quarter" idx="4"/>
-          </p:nvPr>
-        </p:nvSpPr>
-        <p:spPr>
-          <a:xfrm>
-            <a:off x="11753030" y="6507000"/>
-            <a:ext cx="367414" cy="297000"/>
-          </a:xfrm>
-          <a:prstGeom prst="rect">
-            <a:avLst/>
-          </a:prstGeom>
-        </p:spPr>
-        <p:txBody>
-          <a:bodyPr vert="horz" lIns="91440" tIns="45720" rIns="91440" bIns="45720" rtlCol="0" anchor="b"/>
-          <a:lstStyle>
-            <a:lvl1pPr algn="r">
-              <a:defRPr sz="1000"/>
-            </a:lvl1pPr>
-          </a:lstStyle>
-          <a:p>
-            <a:fld id="{2BF067CD-8E6B-4360-9AA8-C5DF2A48A6D1}" type="slidenum">
-              <a:rPr lang="en-US" noProof="0" smtClean="0"/>
-              <a:pPr/>
-              <a:t>‹#›</a:t>
-            </a:fld>
-            <a:endParaRPr lang="en-US" noProof="0" dirty="0"/>
-          </a:p>
-        </p:txBody>
-      </p:sp>
-      <p:pic>
-        <p:nvPicPr>
-          <p:cNvPr id="19" name="Picture Forum" descr="Forum icon">
-            <a:hlinkClick r:id="rId2" tooltip="Software University Discussion Forum"/>
-            <a:extLst>
-              <a:ext uri="{FF2B5EF4-FFF2-40B4-BE49-F238E27FC236}">
-                <a16:creationId xmlns:a16="http://schemas.microsoft.com/office/drawing/2014/main" id="{98C579AD-FAF5-4B28-9B52-5457F1E90061}"/>
-              </a:ext>
-            </a:extLst>
-          </p:cNvPr>
-          <p:cNvPicPr>
-            <a:picLocks noChangeAspect="1"/>
-          </p:cNvPicPr>
-          <p:nvPr userDrawn="1"/>
-        </p:nvPicPr>
-        <p:blipFill>
-          <a:blip r:embed="rId3" cstate="print">
-            <a:extLst>
-              <a:ext uri="{28A0092B-C50C-407E-A947-70E740481C1C}">
-                <a14:useLocalDpi xmlns:a14="http://schemas.microsoft.com/office/drawing/2010/main"/>
-              </a:ext>
-            </a:extLst>
-          </a:blip>
-          <a:stretch>
-            <a:fillRect/>
-          </a:stretch>
-        </p:blipFill>
-        <p:spPr>
-          <a:xfrm>
-            <a:off x="10524350" y="5249556"/>
-            <a:ext cx="970156" cy="965726"/>
-          </a:xfrm>
-          <a:prstGeom prst="rect">
-            <a:avLst/>
-          </a:prstGeom>
-        </p:spPr>
-      </p:pic>
-      <p:pic>
-        <p:nvPicPr>
-          <p:cNvPr id="17" name="Picture Logo FB" descr="Facebook logo">
-            <a:hlinkClick r:id="rId4" tooltip="Software University @ Facebook"/>
-            <a:extLst>
-              <a:ext uri="{FF2B5EF4-FFF2-40B4-BE49-F238E27FC236}">
-                <a16:creationId xmlns:a16="http://schemas.microsoft.com/office/drawing/2014/main" id="{6B2C510E-5EF2-49F6-B926-2BD74CD3C7F8}"/>
-              </a:ext>
-            </a:extLst>
-          </p:cNvPr>
-          <p:cNvPicPr>
-            <a:picLocks noChangeAspect="1" noChangeArrowheads="1"/>
-          </p:cNvPicPr>
-          <p:nvPr userDrawn="1"/>
-        </p:nvPicPr>
-        <p:blipFill rotWithShape="1">
-          <a:blip r:embed="rId5" cstate="print">
-            <a:extLst>
-              <a:ext uri="{28A0092B-C50C-407E-A947-70E740481C1C}">
-                <a14:useLocalDpi xmlns:a14="http://schemas.microsoft.com/office/drawing/2010/main"/>
-              </a:ext>
-            </a:extLst>
-          </a:blip>
-          <a:srcRect/>
-          <a:stretch/>
-        </p:blipFill>
-        <p:spPr bwMode="auto">
-          <a:xfrm>
-            <a:off x="10507451" y="3689937"/>
-            <a:ext cx="1003954" cy="1017562"/>
-          </a:xfrm>
-          <a:prstGeom prst="rect">
-            <a:avLst/>
-          </a:prstGeom>
-          <a:noFill/>
-          <a:extLst>
-            <a:ext uri="{909E8E84-426E-40DD-AFC4-6F175D3DCCD1}">
-              <a14:hiddenFill xmlns:a14="http://schemas.microsoft.com/office/drawing/2010/main">
-                <a:solidFill>
-                  <a:srgbClr val="FFFFFF"/>
-                </a:solidFill>
-              </a14:hiddenFill>
-            </a:ext>
-          </a:extLst>
-        </p:spPr>
-      </p:pic>
-      <p:pic>
-        <p:nvPicPr>
-          <p:cNvPr id="20" name="Picture Logo SoftUni Right" descr="Software University logo">
-            <a:hlinkClick r:id="rId6"/>
-            <a:extLst>
-              <a:ext uri="{FF2B5EF4-FFF2-40B4-BE49-F238E27FC236}">
-                <a16:creationId xmlns:a16="http://schemas.microsoft.com/office/drawing/2014/main" id="{F4604840-E810-44B7-9FF1-3B28CD68B758}"/>
-              </a:ext>
-            </a:extLst>
-          </p:cNvPr>
-          <p:cNvPicPr>
-            <a:picLocks noChangeAspect="1"/>
-          </p:cNvPicPr>
-          <p:nvPr userDrawn="1"/>
-        </p:nvPicPr>
-        <p:blipFill>
-          <a:blip r:embed="rId7">
-            <a:extLst>
-              <a:ext uri="{28A0092B-C50C-407E-A947-70E740481C1C}">
-                <a14:useLocalDpi xmlns:a14="http://schemas.microsoft.com/office/drawing/2010/main" val="0"/>
-              </a:ext>
-            </a:extLst>
-          </a:blip>
-          <a:stretch>
-            <a:fillRect/>
-          </a:stretch>
-        </p:blipFill>
-        <p:spPr>
-          <a:xfrm>
-            <a:off x="10413401" y="1674000"/>
-            <a:ext cx="1192055" cy="1473880"/>
-          </a:xfrm>
-          <a:prstGeom prst="rect">
-            <a:avLst/>
-          </a:prstGeom>
-        </p:spPr>
-      </p:pic>
-      <p:pic>
-        <p:nvPicPr>
-          <p:cNvPr id="16" name="Picture SoftUni Mascot" descr="SoftUni mascot">
-            <a:hlinkClick r:id="rId8"/>
-            <a:extLst>
-              <a:ext uri="{FF2B5EF4-FFF2-40B4-BE49-F238E27FC236}">
-                <a16:creationId xmlns:a16="http://schemas.microsoft.com/office/drawing/2014/main" id="{07C965FA-A87E-4824-AFA8-C67AF548A76A}"/>
-              </a:ext>
-            </a:extLst>
-          </p:cNvPr>
-          <p:cNvPicPr>
-            <a:picLocks noChangeAspect="1"/>
-          </p:cNvPicPr>
-          <p:nvPr/>
-        </p:nvPicPr>
-        <p:blipFill>
-          <a:blip r:embed="rId9">
-            <a:extLst>
-              <a:ext uri="{28A0092B-C50C-407E-A947-70E740481C1C}">
-                <a14:useLocalDpi xmlns:a14="http://schemas.microsoft.com/office/drawing/2010/main" val="0"/>
-              </a:ext>
-            </a:extLst>
-          </a:blip>
-          <a:srcRect/>
-          <a:stretch/>
-        </p:blipFill>
-        <p:spPr>
-          <a:xfrm>
-            <a:off x="7181957" y="2584289"/>
-            <a:ext cx="2732955" cy="3630993"/>
-          </a:xfrm>
-          <a:prstGeom prst="rect">
-            <a:avLst/>
-          </a:prstGeom>
-        </p:spPr>
-      </p:pic>
-      <p:sp>
-        <p:nvSpPr>
-          <p:cNvPr id="12" name="Slide Body Text">
-            <a:extLst>
-              <a:ext uri="{FF2B5EF4-FFF2-40B4-BE49-F238E27FC236}">
-                <a16:creationId xmlns:a16="http://schemas.microsoft.com/office/drawing/2014/main" id="{0C1F9416-8B6E-46DE-973C-777785E27A26}"/>
-              </a:ext>
-            </a:extLst>
-          </p:cNvPr>
-          <p:cNvSpPr>
-            <a:spLocks noGrp="1"/>
-          </p:cNvSpPr>
-          <p:nvPr>
-            <p:ph idx="4294967295" hasCustomPrompt="1"/>
-          </p:nvPr>
-        </p:nvSpPr>
-        <p:spPr>
-          <a:xfrm>
-            <a:off x="152410" y="1186307"/>
-            <a:ext cx="8688590" cy="5496127"/>
-          </a:xfrm>
-        </p:spPr>
-        <p:txBody>
-          <a:bodyPr wrap="square">
-            <a:noAutofit/>
-          </a:bodyPr>
-          <a:lstStyle>
-            <a:lvl1pPr latinLnBrk="0">
-              <a:buClr>
-                <a:schemeClr val="tx1"/>
-              </a:buClr>
-              <a:defRPr sz="2798"/>
-            </a:lvl1pPr>
-            <a:lvl2pPr marL="989981" marR="0" indent="-380762" algn="l" defTabSz="1218438" rtl="0" eaLnBrk="1" fontAlgn="auto" latinLnBrk="1" hangingPunct="1">
-              <a:lnSpc>
-                <a:spcPct val="100000"/>
-              </a:lnSpc>
-              <a:spcBef>
-                <a:spcPts val="600"/>
-              </a:spcBef>
-              <a:spcAft>
-                <a:spcPts val="600"/>
-              </a:spcAft>
-              <a:buClrTx/>
-              <a:buSzTx/>
-              <a:buFont typeface="Wingdings" panose="05000000000000000000" pitchFamily="2" charset="2"/>
-              <a:buChar char="§"/>
-              <a:tabLst>
-                <a:tab pos="282405" algn="l"/>
-              </a:tabLst>
-              <a:defRPr sz="2800"/>
-            </a:lvl2pPr>
-            <a:lvl3pPr>
-              <a:buClr>
-                <a:schemeClr val="tx1"/>
-              </a:buClr>
-              <a:defRPr/>
-            </a:lvl3pPr>
-          </a:lstStyle>
-          <a:p>
-            <a:r>
-              <a:rPr lang="en-US" sz="3000" noProof="0" dirty="0"/>
-              <a:t>Software University – High-Quality Education, Profession and Job for Software Developers</a:t>
-            </a:r>
-          </a:p>
-          <a:p>
-            <a:pPr lvl="1"/>
-            <a:r>
-              <a:rPr lang="en-US" noProof="1">
-                <a:hlinkClick r:id="rId8"/>
-              </a:rPr>
-              <a:t>softuni.bg</a:t>
-            </a:r>
-            <a:r>
-              <a:rPr lang="en-US" noProof="1"/>
-              <a:t> </a:t>
-            </a:r>
-          </a:p>
-          <a:p>
-            <a:r>
-              <a:rPr lang="en-US" sz="3000" noProof="0" dirty="0"/>
-              <a:t>Software University Foundation</a:t>
-            </a:r>
-          </a:p>
-          <a:p>
-            <a:pPr lvl="1"/>
-            <a:r>
-              <a:rPr lang="en-US" noProof="1">
-                <a:hlinkClick r:id="rId10"/>
-              </a:rPr>
-              <a:t>softuni.foundation</a:t>
-            </a:r>
-            <a:endParaRPr lang="en-US" noProof="1"/>
-          </a:p>
-          <a:p>
-            <a:r>
-              <a:rPr lang="en-US" sz="3000" noProof="0" dirty="0"/>
-              <a:t>Software University @ Facebook</a:t>
-            </a:r>
-          </a:p>
-          <a:p>
-            <a:pPr lvl="1"/>
-            <a:r>
-              <a:rPr lang="en-US" noProof="1">
-                <a:hlinkClick r:id="rId4"/>
-              </a:rPr>
-              <a:t>facebook.com/SoftwareUniversity</a:t>
-            </a:r>
-            <a:endParaRPr lang="en-US" noProof="1"/>
-          </a:p>
-          <a:p>
-            <a:r>
-              <a:rPr lang="en-US" sz="3000" noProof="0" dirty="0"/>
-              <a:t>Software University Forums</a:t>
-            </a:r>
-          </a:p>
-          <a:p>
-            <a:pPr lvl="1"/>
-            <a:r>
-              <a:rPr lang="en-US" noProof="1">
-                <a:hlinkClick r:id="rId2"/>
-              </a:rPr>
-              <a:t>forum.softuni.bg</a:t>
-            </a:r>
-            <a:endParaRPr lang="en-US" noProof="1"/>
-          </a:p>
-        </p:txBody>
-      </p:sp>
-      <p:sp>
-        <p:nvSpPr>
-          <p:cNvPr id="10" name="Rectangle Top">
-            <a:extLst>
-              <a:ext uri="{FF2B5EF4-FFF2-40B4-BE49-F238E27FC236}">
-                <a16:creationId xmlns:a16="http://schemas.microsoft.com/office/drawing/2014/main" id="{86646B95-5E3B-4DE8-9118-031C2C296D8C}"/>
-              </a:ext>
-            </a:extLst>
-          </p:cNvPr>
-          <p:cNvSpPr/>
-          <p:nvPr userDrawn="1"/>
-        </p:nvSpPr>
-        <p:spPr>
-          <a:xfrm>
-            <a:off x="0" y="0"/>
-            <a:ext cx="12195176" cy="1095376"/>
-          </a:xfrm>
-          <a:prstGeom prst="rect">
-            <a:avLst/>
-          </a:prstGeom>
-          <a:solidFill>
-            <a:schemeClr val="tx2"/>
-          </a:solidFill>
-          <a:ln>
-            <a:noFill/>
-          </a:ln>
-        </p:spPr>
-        <p:style>
-          <a:lnRef idx="2">
-            <a:schemeClr val="accent1">
-              <a:shade val="50000"/>
-            </a:schemeClr>
-          </a:lnRef>
-          <a:fillRef idx="1">
-            <a:schemeClr val="accent1"/>
-          </a:fillRef>
-          <a:effectRef idx="0">
-            <a:schemeClr val="accent1"/>
-          </a:effectRef>
-          <a:fontRef idx="minor">
-            <a:schemeClr val="lt1"/>
-          </a:fontRef>
-        </p:style>
-        <p:txBody>
-          <a:bodyPr rtlCol="0" anchor="ctr"/>
-          <a:lstStyle/>
-          <a:p>
-            <a:pPr marL="0" marR="0" lvl="0" indent="0" algn="ctr" defTabSz="913852" rtl="0" eaLnBrk="1" fontAlgn="auto" latinLnBrk="0" hangingPunct="1">
-              <a:lnSpc>
-                <a:spcPct val="100000"/>
-              </a:lnSpc>
-              <a:spcBef>
-                <a:spcPts val="0"/>
-              </a:spcBef>
-              <a:spcAft>
-                <a:spcPts val="0"/>
-              </a:spcAft>
-              <a:buClrTx/>
-              <a:buSzTx/>
-              <a:buFontTx/>
-              <a:buNone/>
-              <a:tabLst/>
-              <a:defRPr/>
-            </a:pPr>
-            <a:endParaRPr kumimoji="0" lang="en-US" altLang="ko-KR" sz="2398" b="0" i="0" u="none" strike="noStrike" kern="1200" cap="none" spc="0" normalizeH="0" baseline="0" noProof="0" dirty="0">
-              <a:ln>
-                <a:noFill/>
-              </a:ln>
-              <a:solidFill>
-                <a:srgbClr val="F7C86D"/>
-              </a:solidFill>
-              <a:effectLst/>
-              <a:uLnTx/>
-              <a:uFillTx/>
-              <a:latin typeface="Calibri" panose="020F0502020204030204"/>
-              <a:ea typeface="맑은 고딕" panose="020B0503020000020004" pitchFamily="34" charset="-127"/>
-              <a:cs typeface="+mn-cs"/>
-            </a:endParaRPr>
-          </a:p>
-        </p:txBody>
-      </p:sp>
-      <p:pic>
-        <p:nvPicPr>
-          <p:cNvPr id="11" name="Logo Software University" descr="Software University logo">
-            <a:extLst>
-              <a:ext uri="{FF2B5EF4-FFF2-40B4-BE49-F238E27FC236}">
-                <a16:creationId xmlns:a16="http://schemas.microsoft.com/office/drawing/2014/main" id="{58AB1944-B146-4E89-B2D9-426EB610F319}"/>
-              </a:ext>
-            </a:extLst>
-          </p:cNvPr>
-          <p:cNvPicPr>
-            <a:picLocks noChangeAspect="1"/>
-          </p:cNvPicPr>
-          <p:nvPr userDrawn="1"/>
-        </p:nvPicPr>
-        <p:blipFill>
-          <a:blip r:embed="rId11">
-            <a:extLst>
-              <a:ext uri="{28A0092B-C50C-407E-A947-70E740481C1C}">
-                <a14:useLocalDpi xmlns:a14="http://schemas.microsoft.com/office/drawing/2010/main" val="0"/>
-              </a:ext>
-            </a:extLst>
-          </a:blip>
-          <a:stretch>
-            <a:fillRect/>
-          </a:stretch>
-        </p:blipFill>
-        <p:spPr>
-          <a:xfrm>
-            <a:off x="10067957" y="253936"/>
-            <a:ext cx="1915704" cy="559235"/>
-          </a:xfrm>
-          <a:prstGeom prst="rect">
-            <a:avLst/>
-          </a:prstGeom>
-        </p:spPr>
-      </p:pic>
-      <p:sp>
-        <p:nvSpPr>
-          <p:cNvPr id="18" name="Slide Title">
-            <a:extLst>
-              <a:ext uri="{FF2B5EF4-FFF2-40B4-BE49-F238E27FC236}">
-                <a16:creationId xmlns:a16="http://schemas.microsoft.com/office/drawing/2014/main" id="{AE87ED9C-76E1-4D85-9B06-3AF44AABB668}"/>
-              </a:ext>
-            </a:extLst>
-          </p:cNvPr>
-          <p:cNvSpPr>
-            <a:spLocks noGrp="1"/>
-          </p:cNvSpPr>
-          <p:nvPr>
-            <p:ph type="title" hasCustomPrompt="1"/>
-          </p:nvPr>
-        </p:nvSpPr>
-        <p:spPr>
-          <a:xfrm>
-            <a:off x="172286" y="108873"/>
-            <a:ext cx="9742626" cy="882654"/>
-          </a:xfrm>
-        </p:spPr>
-        <p:txBody>
-          <a:bodyPr/>
-          <a:lstStyle>
-            <a:lvl1pPr latinLnBrk="0">
-              <a:defRPr>
-                <a:solidFill>
-                  <a:schemeClr val="bg2"/>
-                </a:solidFill>
-              </a:defRPr>
-            </a:lvl1pPr>
-          </a:lstStyle>
-          <a:p>
-            <a:r>
-              <a:rPr lang="en-US" noProof="0" dirty="0"/>
-              <a:t>Trainings @ Software University (SoftUni)</a:t>
-            </a:r>
-          </a:p>
-        </p:txBody>
-      </p:sp>
-    </p:spTree>
-    <p:extLst>
-      <p:ext uri="{BB962C8B-B14F-4D97-AF65-F5344CB8AC3E}">
-        <p14:creationId xmlns:p14="http://schemas.microsoft.com/office/powerpoint/2010/main" val="2196466322"/>
-      </p:ext>
-    </p:extLst>
-  </p:cSld>
-  <p:clrMapOvr>
-    <a:masterClrMapping/>
-  </p:clrMapOvr>
-  <mc:AlternateContent xmlns:mc="http://schemas.openxmlformats.org/markup-compatibility/2006" xmlns:p14="http://schemas.microsoft.com/office/powerpoint/2010/main">
-    <mc:Choice Requires="p14">
-      <p:transition spd="slow" p14:dur="2000" advClick="0" advTm="5000"/>
-    </mc:Choice>
-    <mc:Fallback xmlns="">
-      <p:transition spd="slow" advClick="0" advTm="5000"/>
-    </mc:Fallback>
-  </mc:AlternateContent>
 </p:sldLayout>
 </file>
 
@@ -5884,42 +4553,6 @@
           </a:p>
         </p:txBody>
       </p:sp>
-      <p:pic>
-        <p:nvPicPr>
-          <p:cNvPr id="12" name="Logo Software University" descr="Software University logo">
-            <a:extLst>
-              <a:ext uri="{FF2B5EF4-FFF2-40B4-BE49-F238E27FC236}">
-                <a16:creationId xmlns:a16="http://schemas.microsoft.com/office/drawing/2014/main" id="{B1D3B425-B9BF-43ED-9DEC-C05002FBA22F}"/>
-              </a:ext>
-            </a:extLst>
-          </p:cNvPr>
-          <p:cNvPicPr>
-            <a:picLocks noChangeAspect="1"/>
-          </p:cNvPicPr>
-          <p:nvPr userDrawn="1"/>
-        </p:nvPicPr>
-        <p:blipFill>
-          <a:blip r:embed="rId2">
-            <a:extLst>
-              <a:ext uri="{28A0092B-C50C-407E-A947-70E740481C1C}">
-                <a14:useLocalDpi xmlns:a14="http://schemas.microsoft.com/office/drawing/2010/main" val="0"/>
-              </a:ext>
-            </a:extLst>
-          </a:blip>
-          <a:stretch>
-            <a:fillRect/>
-          </a:stretch>
-        </p:blipFill>
-        <p:spPr>
-          <a:xfrm>
-            <a:off x="10067957" y="253936"/>
-            <a:ext cx="1915704" cy="559235"/>
-          </a:xfrm>
-          <a:prstGeom prst="rect">
-            <a:avLst/>
-          </a:prstGeom>
-        </p:spPr>
-      </p:pic>
       <p:sp>
         <p:nvSpPr>
           <p:cNvPr id="6" name="Slide Title">
@@ -5939,7 +4572,7 @@
         <p:spPr>
           <a:xfrm>
             <a:off x="190406" y="100750"/>
-            <a:ext cx="9715594" cy="882654"/>
+            <a:ext cx="10270594" cy="882654"/>
           </a:xfrm>
         </p:spPr>
         <p:txBody>
@@ -5961,6 +4594,42 @@
           </a:p>
         </p:txBody>
       </p:sp>
+      <p:pic>
+        <p:nvPicPr>
+          <p:cNvPr id="4" name="Picture 3">
+            <a:extLst>
+              <a:ext uri="{FF2B5EF4-FFF2-40B4-BE49-F238E27FC236}">
+                <a16:creationId xmlns:a16="http://schemas.microsoft.com/office/drawing/2014/main" id="{4B9A1D0F-F579-6A3C-C698-4E2E7F1AB265}"/>
+              </a:ext>
+            </a:extLst>
+          </p:cNvPr>
+          <p:cNvPicPr>
+            <a:picLocks noChangeAspect="1"/>
+          </p:cNvPicPr>
+          <p:nvPr userDrawn="1"/>
+        </p:nvPicPr>
+        <p:blipFill>
+          <a:blip r:embed="rId2" cstate="print">
+            <a:extLst>
+              <a:ext uri="{28A0092B-C50C-407E-A947-70E740481C1C}">
+                <a14:useLocalDpi xmlns:a14="http://schemas.microsoft.com/office/drawing/2010/main" val="0"/>
+              </a:ext>
+            </a:extLst>
+          </a:blip>
+          <a:stretch>
+            <a:fillRect/>
+          </a:stretch>
+        </p:blipFill>
+        <p:spPr>
+          <a:xfrm>
+            <a:off x="10553573" y="368999"/>
+            <a:ext cx="1443361" cy="360001"/>
+          </a:xfrm>
+          <a:prstGeom prst="rect">
+            <a:avLst/>
+          </a:prstGeom>
+        </p:spPr>
+      </p:pic>
     </p:spTree>
     <p:extLst>
       <p:ext uri="{BB962C8B-B14F-4D97-AF65-F5344CB8AC3E}">
@@ -5983,371 +4652,6 @@
 </file>
 
 <file path=ppt/slideLayouts/slideLayout4.xml><?xml version="1.0" encoding="utf-8"?>
-<p:sldLayout xmlns:a="http://schemas.openxmlformats.org/drawingml/2006/main" xmlns:r="http://schemas.openxmlformats.org/officeDocument/2006/relationships" xmlns:p="http://schemas.openxmlformats.org/presentationml/2006/main" preserve="1" userDrawn="1">
-  <p:cSld name="Table of Contents">
-    <p:spTree>
-      <p:nvGrpSpPr>
-        <p:cNvPr id="1" name=""/>
-        <p:cNvGrpSpPr/>
-        <p:nvPr/>
-      </p:nvGrpSpPr>
-      <p:grpSpPr>
-        <a:xfrm>
-          <a:off x="0" y="0"/>
-          <a:ext cx="0" cy="0"/>
-          <a:chOff x="0" y="0"/>
-          <a:chExt cx="0" cy="0"/>
-        </a:xfrm>
-      </p:grpSpPr>
-      <p:sp>
-        <p:nvSpPr>
-          <p:cNvPr id="10" name="Slide Number">
-            <a:extLst>
-              <a:ext uri="{FF2B5EF4-FFF2-40B4-BE49-F238E27FC236}">
-                <a16:creationId xmlns:a16="http://schemas.microsoft.com/office/drawing/2014/main" id="{39DDE17E-5472-41F3-AF5F-54DFF10DC63C}"/>
-              </a:ext>
-            </a:extLst>
-          </p:cNvPr>
-          <p:cNvSpPr>
-            <a:spLocks noGrp="1"/>
-          </p:cNvSpPr>
-          <p:nvPr>
-            <p:ph type="sldNum" sz="quarter" idx="4"/>
-          </p:nvPr>
-        </p:nvSpPr>
-        <p:spPr>
-          <a:xfrm>
-            <a:off x="11753030" y="6507000"/>
-            <a:ext cx="367414" cy="297000"/>
-          </a:xfrm>
-          <a:prstGeom prst="rect">
-            <a:avLst/>
-          </a:prstGeom>
-        </p:spPr>
-        <p:txBody>
-          <a:bodyPr vert="horz" lIns="91440" tIns="45720" rIns="91440" bIns="45720" rtlCol="0" anchor="b"/>
-          <a:lstStyle>
-            <a:lvl1pPr algn="r">
-              <a:defRPr sz="1000"/>
-            </a:lvl1pPr>
-          </a:lstStyle>
-          <a:p>
-            <a:fld id="{2BF067CD-8E6B-4360-9AA8-C5DF2A48A6D1}" type="slidenum">
-              <a:rPr lang="en-US" noProof="0" smtClean="0"/>
-              <a:pPr/>
-              <a:t>‹#›</a:t>
-            </a:fld>
-            <a:endParaRPr lang="en-US" noProof="0"/>
-          </a:p>
-        </p:txBody>
-      </p:sp>
-      <p:pic>
-        <p:nvPicPr>
-          <p:cNvPr id="9" name="Picture SoftUni Mascot" descr="SoftUni mascot with laptop">
-            <a:extLst>
-              <a:ext uri="{FF2B5EF4-FFF2-40B4-BE49-F238E27FC236}">
-                <a16:creationId xmlns:a16="http://schemas.microsoft.com/office/drawing/2014/main" id="{DC4365F6-D2C1-47B4-8477-38FD2C7711AA}"/>
-              </a:ext>
-            </a:extLst>
-          </p:cNvPr>
-          <p:cNvPicPr>
-            <a:picLocks noChangeAspect="1"/>
-          </p:cNvPicPr>
-          <p:nvPr/>
-        </p:nvPicPr>
-        <p:blipFill>
-          <a:blip r:embed="rId2" cstate="print">
-            <a:extLst>
-              <a:ext uri="{28A0092B-C50C-407E-A947-70E740481C1C}">
-                <a14:useLocalDpi xmlns:a14="http://schemas.microsoft.com/office/drawing/2010/main" val="0"/>
-              </a:ext>
-            </a:extLst>
-          </a:blip>
-          <a:stretch>
-            <a:fillRect/>
-          </a:stretch>
-        </p:blipFill>
-        <p:spPr>
-          <a:xfrm flipH="1">
-            <a:off x="9516000" y="3408496"/>
-            <a:ext cx="2251057" cy="3044431"/>
-          </a:xfrm>
-          <a:prstGeom prst="rect">
-            <a:avLst/>
-          </a:prstGeom>
-        </p:spPr>
-      </p:pic>
-      <p:sp>
-        <p:nvSpPr>
-          <p:cNvPr id="23" name="Slide Body Text">
-            <a:extLst>
-              <a:ext uri="{FF2B5EF4-FFF2-40B4-BE49-F238E27FC236}">
-                <a16:creationId xmlns:a16="http://schemas.microsoft.com/office/drawing/2014/main" id="{889D93F4-ABFA-46BF-8E5D-FE6562ACB20F}"/>
-              </a:ext>
-            </a:extLst>
-          </p:cNvPr>
-          <p:cNvSpPr>
-            <a:spLocks noGrp="1"/>
-          </p:cNvSpPr>
-          <p:nvPr>
-            <p:ph type="body" sz="quarter" idx="13" hasCustomPrompt="1"/>
-          </p:nvPr>
-        </p:nvSpPr>
-        <p:spPr>
-          <a:xfrm>
-            <a:off x="196766" y="1371604"/>
-            <a:ext cx="9049234" cy="5207396"/>
-          </a:xfrm>
-        </p:spPr>
-        <p:txBody>
-          <a:bodyPr>
-            <a:normAutofit/>
-          </a:bodyPr>
-          <a:lstStyle>
-            <a:lvl1pPr marL="514042" indent="-514042" latinLnBrk="0">
-              <a:buFont typeface="+mj-lt"/>
-              <a:buAutoNum type="arabicPeriod"/>
-              <a:defRPr sz="3600">
-                <a:solidFill>
-                  <a:schemeClr val="tx1"/>
-                </a:solidFill>
-              </a:defRPr>
-            </a:lvl1pPr>
-            <a:lvl2pPr>
-              <a:defRPr sz="3400"/>
-            </a:lvl2pPr>
-          </a:lstStyle>
-          <a:p>
-            <a:pPr lvl="0"/>
-            <a:r>
-              <a:rPr lang="en-US" noProof="0"/>
-              <a:t>…</a:t>
-            </a:r>
-          </a:p>
-          <a:p>
-            <a:pPr lvl="1"/>
-            <a:r>
-              <a:rPr lang="en-US" noProof="0"/>
-              <a:t>…</a:t>
-            </a:r>
-          </a:p>
-          <a:p>
-            <a:pPr lvl="1"/>
-            <a:r>
-              <a:rPr lang="en-US" noProof="0"/>
-              <a:t>…</a:t>
-            </a:r>
-          </a:p>
-          <a:p>
-            <a:pPr lvl="0"/>
-            <a:r>
-              <a:rPr lang="en-US" noProof="0"/>
-              <a:t>…</a:t>
-            </a:r>
-          </a:p>
-          <a:p>
-            <a:pPr lvl="1"/>
-            <a:r>
-              <a:rPr lang="en-US" noProof="0"/>
-              <a:t>…</a:t>
-            </a:r>
-          </a:p>
-          <a:p>
-            <a:pPr lvl="1"/>
-            <a:r>
-              <a:rPr lang="en-US" noProof="0"/>
-              <a:t>…</a:t>
-            </a:r>
-          </a:p>
-          <a:p>
-            <a:pPr lvl="0"/>
-            <a:r>
-              <a:rPr lang="en-US" noProof="0"/>
-              <a:t>…</a:t>
-            </a:r>
-          </a:p>
-        </p:txBody>
-      </p:sp>
-      <p:sp>
-        <p:nvSpPr>
-          <p:cNvPr id="8" name="Rectangle Top">
-            <a:extLst>
-              <a:ext uri="{FF2B5EF4-FFF2-40B4-BE49-F238E27FC236}">
-                <a16:creationId xmlns:a16="http://schemas.microsoft.com/office/drawing/2014/main" id="{930E0800-9260-4369-8330-8264DD33C5CE}"/>
-              </a:ext>
-            </a:extLst>
-          </p:cNvPr>
-          <p:cNvSpPr/>
-          <p:nvPr userDrawn="1"/>
-        </p:nvSpPr>
-        <p:spPr>
-          <a:xfrm>
-            <a:off x="0" y="0"/>
-            <a:ext cx="12196800" cy="1095376"/>
-          </a:xfrm>
-          <a:prstGeom prst="rect">
-            <a:avLst/>
-          </a:prstGeom>
-          <a:solidFill>
-            <a:schemeClr val="tx2"/>
-          </a:solidFill>
-          <a:ln>
-            <a:noFill/>
-          </a:ln>
-        </p:spPr>
-        <p:style>
-          <a:lnRef idx="2">
-            <a:schemeClr val="accent1">
-              <a:shade val="50000"/>
-            </a:schemeClr>
-          </a:lnRef>
-          <a:fillRef idx="1">
-            <a:schemeClr val="accent1"/>
-          </a:fillRef>
-          <a:effectRef idx="0">
-            <a:schemeClr val="accent1"/>
-          </a:effectRef>
-          <a:fontRef idx="minor">
-            <a:schemeClr val="lt1"/>
-          </a:fontRef>
-        </p:style>
-        <p:txBody>
-          <a:bodyPr rtlCol="0" anchor="ctr"/>
-          <a:lstStyle/>
-          <a:p>
-            <a:pPr marL="0" marR="0" lvl="0" indent="0" algn="ctr" defTabSz="913852" rtl="0" eaLnBrk="1" fontAlgn="auto" latinLnBrk="0" hangingPunct="1">
-              <a:lnSpc>
-                <a:spcPct val="100000"/>
-              </a:lnSpc>
-              <a:spcBef>
-                <a:spcPts val="0"/>
-              </a:spcBef>
-              <a:spcAft>
-                <a:spcPts val="0"/>
-              </a:spcAft>
-              <a:buClrTx/>
-              <a:buSzTx/>
-              <a:buFontTx/>
-              <a:buNone/>
-              <a:tabLst/>
-              <a:defRPr/>
-            </a:pPr>
-            <a:endParaRPr kumimoji="0" lang="en-US" altLang="ko-KR" sz="2398" b="0" i="0" u="none" strike="noStrike" kern="1200" cap="none" spc="0" normalizeH="0" baseline="0" noProof="0">
-              <a:ln>
-                <a:noFill/>
-              </a:ln>
-              <a:solidFill>
-                <a:srgbClr val="F7C86D"/>
-              </a:solidFill>
-              <a:effectLst/>
-              <a:uLnTx/>
-              <a:uFillTx/>
-              <a:latin typeface="Calibri" panose="020F0502020204030204"/>
-              <a:ea typeface="맑은 고딕" panose="020B0503020000020004" pitchFamily="34" charset="-127"/>
-              <a:cs typeface="+mn-cs"/>
-            </a:endParaRPr>
-          </a:p>
-        </p:txBody>
-      </p:sp>
-      <p:pic>
-        <p:nvPicPr>
-          <p:cNvPr id="11" name="Logo Software University" descr="Software University logo">
-            <a:extLst>
-              <a:ext uri="{FF2B5EF4-FFF2-40B4-BE49-F238E27FC236}">
-                <a16:creationId xmlns:a16="http://schemas.microsoft.com/office/drawing/2014/main" id="{14F779A7-4A91-448B-BEFA-956C70A1C22F}"/>
-              </a:ext>
-            </a:extLst>
-          </p:cNvPr>
-          <p:cNvPicPr>
-            <a:picLocks noChangeAspect="1"/>
-          </p:cNvPicPr>
-          <p:nvPr userDrawn="1"/>
-        </p:nvPicPr>
-        <p:blipFill>
-          <a:blip r:embed="rId3">
-            <a:extLst>
-              <a:ext uri="{28A0092B-C50C-407E-A947-70E740481C1C}">
-                <a14:useLocalDpi xmlns:a14="http://schemas.microsoft.com/office/drawing/2010/main" val="0"/>
-              </a:ext>
-            </a:extLst>
-          </a:blip>
-          <a:stretch>
-            <a:fillRect/>
-          </a:stretch>
-        </p:blipFill>
-        <p:spPr>
-          <a:xfrm>
-            <a:off x="10067957" y="253936"/>
-            <a:ext cx="1915704" cy="559235"/>
-          </a:xfrm>
-          <a:prstGeom prst="rect">
-            <a:avLst/>
-          </a:prstGeom>
-        </p:spPr>
-      </p:pic>
-      <p:sp>
-        <p:nvSpPr>
-          <p:cNvPr id="13" name="Slide Title">
-            <a:extLst>
-              <a:ext uri="{FF2B5EF4-FFF2-40B4-BE49-F238E27FC236}">
-                <a16:creationId xmlns:a16="http://schemas.microsoft.com/office/drawing/2014/main" id="{357D7BE1-6358-42CC-94F3-7BCDD91DCB6D}"/>
-              </a:ext>
-            </a:extLst>
-          </p:cNvPr>
-          <p:cNvSpPr>
-            <a:spLocks noGrp="1"/>
-          </p:cNvSpPr>
-          <p:nvPr>
-            <p:ph type="title" hasCustomPrompt="1"/>
-          </p:nvPr>
-        </p:nvSpPr>
-        <p:spPr>
-          <a:xfrm>
-            <a:off x="190406" y="100750"/>
-            <a:ext cx="9715594" cy="882654"/>
-          </a:xfrm>
-        </p:spPr>
-        <p:txBody>
-          <a:bodyPr/>
-          <a:lstStyle>
-            <a:lvl1pPr latinLnBrk="0">
-              <a:defRPr>
-                <a:solidFill>
-                  <a:schemeClr val="bg2"/>
-                </a:solidFill>
-              </a:defRPr>
-            </a:lvl1pPr>
-          </a:lstStyle>
-          <a:p>
-            <a:r>
-              <a:rPr lang="en-US" noProof="0" dirty="0"/>
-              <a:t>Table of Contents</a:t>
-            </a:r>
-          </a:p>
-        </p:txBody>
-      </p:sp>
-    </p:spTree>
-    <p:extLst>
-      <p:ext uri="{BB962C8B-B14F-4D97-AF65-F5344CB8AC3E}">
-        <p14:creationId xmlns:p14="http://schemas.microsoft.com/office/powerpoint/2010/main" val="1028724482"/>
-      </p:ext>
-    </p:extLst>
-  </p:cSld>
-  <p:clrMapOvr>
-    <a:masterClrMapping/>
-  </p:clrMapOvr>
-  <mc:AlternateContent xmlns:mc="http://schemas.openxmlformats.org/markup-compatibility/2006" xmlns:p14="http://schemas.microsoft.com/office/powerpoint/2010/main">
-    <mc:Choice Requires="p14">
-      <p:transition spd="slow" p14:dur="2000" advClick="0" advTm="5000"/>
-    </mc:Choice>
-    <mc:Fallback xmlns="">
-      <p:transition spd="slow" advClick="0" advTm="5000"/>
-    </mc:Fallback>
-  </mc:AlternateContent>
-</p:sldLayout>
-</file>
-
-<file path=ppt/slideLayouts/slideLayout5.xml><?xml version="1.0" encoding="utf-8"?>
 <p:sldLayout xmlns:a="http://schemas.openxmlformats.org/drawingml/2006/main" xmlns:r="http://schemas.openxmlformats.org/officeDocument/2006/relationships" xmlns:p="http://schemas.openxmlformats.org/presentationml/2006/main" preserve="1" userDrawn="1">
   <p:cSld name="Important Concept">
     <p:spTree>
@@ -6618,52 +4922,6 @@
           </a:p>
         </p:txBody>
       </p:sp>
-      <p:pic>
-        <p:nvPicPr>
-          <p:cNvPr id="3" name="Logo Software University" descr="Software University logo">
-            <a:extLst>
-              <a:ext uri="{FF2B5EF4-FFF2-40B4-BE49-F238E27FC236}">
-                <a16:creationId xmlns:a16="http://schemas.microsoft.com/office/drawing/2014/main" id="{5573C101-930B-47AC-967A-A64513DFFDEE}"/>
-              </a:ext>
-            </a:extLst>
-          </p:cNvPr>
-          <p:cNvPicPr>
-            <a:picLocks noChangeAspect="1"/>
-          </p:cNvPicPr>
-          <p:nvPr userDrawn="1"/>
-        </p:nvPicPr>
-        <p:blipFill>
-          <a:blip r:embed="rId3">
-            <a:clrChange>
-              <a:clrFrom>
-                <a:srgbClr val="FFFFFF"/>
-              </a:clrFrom>
-              <a:clrTo>
-                <a:srgbClr val="FFFFFF">
-                  <a:alpha val="0"/>
-                </a:srgbClr>
-              </a:clrTo>
-            </a:clrChange>
-            <a:extLst>
-              <a:ext uri="{28A0092B-C50C-407E-A947-70E740481C1C}">
-                <a14:useLocalDpi xmlns:a14="http://schemas.microsoft.com/office/drawing/2010/main" val="0"/>
-              </a:ext>
-            </a:extLst>
-          </a:blip>
-          <a:stretch>
-            <a:fillRect/>
-          </a:stretch>
-        </p:blipFill>
-        <p:spPr>
-          <a:xfrm>
-            <a:off x="10008761" y="190267"/>
-            <a:ext cx="2013336" cy="690975"/>
-          </a:xfrm>
-          <a:prstGeom prst="rect">
-            <a:avLst/>
-          </a:prstGeom>
-        </p:spPr>
-      </p:pic>
       <p:sp>
         <p:nvSpPr>
           <p:cNvPr id="8" name="Slide Title">
@@ -6682,8 +4940,8 @@
         </p:nvSpPr>
         <p:spPr>
           <a:xfrm>
-            <a:off x="1296957" y="100750"/>
-            <a:ext cx="8625520" cy="882654"/>
+            <a:off x="1296956" y="100750"/>
+            <a:ext cx="9164044" cy="882654"/>
           </a:xfrm>
         </p:spPr>
         <p:txBody>
@@ -6701,6 +4959,42 @@
           </a:p>
         </p:txBody>
       </p:sp>
+      <p:pic>
+        <p:nvPicPr>
+          <p:cNvPr id="2" name="Picture 1">
+            <a:extLst>
+              <a:ext uri="{FF2B5EF4-FFF2-40B4-BE49-F238E27FC236}">
+                <a16:creationId xmlns:a16="http://schemas.microsoft.com/office/drawing/2014/main" id="{78CA5371-2597-CF8F-1859-226395807433}"/>
+              </a:ext>
+            </a:extLst>
+          </p:cNvPr>
+          <p:cNvPicPr>
+            <a:picLocks noChangeAspect="1"/>
+          </p:cNvPicPr>
+          <p:nvPr userDrawn="1"/>
+        </p:nvPicPr>
+        <p:blipFill>
+          <a:blip r:embed="rId3" cstate="print">
+            <a:extLst>
+              <a:ext uri="{28A0092B-C50C-407E-A947-70E740481C1C}">
+                <a14:useLocalDpi xmlns:a14="http://schemas.microsoft.com/office/drawing/2010/main" val="0"/>
+              </a:ext>
+            </a:extLst>
+          </a:blip>
+          <a:stretch>
+            <a:fillRect/>
+          </a:stretch>
+        </p:blipFill>
+        <p:spPr>
+          <a:xfrm>
+            <a:off x="10551877" y="362077"/>
+            <a:ext cx="1443357" cy="360000"/>
+          </a:xfrm>
+          <a:prstGeom prst="rect">
+            <a:avLst/>
+          </a:prstGeom>
+        </p:spPr>
+      </p:pic>
     </p:spTree>
     <p:extLst>
       <p:ext uri="{BB962C8B-B14F-4D97-AF65-F5344CB8AC3E}">
@@ -6722,7 +5016,7 @@
 </p:sldLayout>
 </file>
 
-<file path=ppt/slideLayouts/slideLayout6.xml><?xml version="1.0" encoding="utf-8"?>
+<file path=ppt/slideLayouts/slideLayout5.xml><?xml version="1.0" encoding="utf-8"?>
 <p:sldLayout xmlns:a="http://schemas.openxmlformats.org/drawingml/2006/main" xmlns:r="http://schemas.openxmlformats.org/officeDocument/2006/relationships" xmlns:p="http://schemas.openxmlformats.org/presentationml/2006/main" preserve="1">
   <p:cSld name="Important Example">
     <p:spTree>
@@ -6999,52 +5293,6 @@
           </a:p>
         </p:txBody>
       </p:sp>
-      <p:pic>
-        <p:nvPicPr>
-          <p:cNvPr id="16" name="Logo Software University" descr="Software University logo">
-            <a:extLst>
-              <a:ext uri="{FF2B5EF4-FFF2-40B4-BE49-F238E27FC236}">
-                <a16:creationId xmlns:a16="http://schemas.microsoft.com/office/drawing/2014/main" id="{EFEBB553-EACE-4B4F-8B4F-7629FDD910A4}"/>
-              </a:ext>
-            </a:extLst>
-          </p:cNvPr>
-          <p:cNvPicPr>
-            <a:picLocks noChangeAspect="1"/>
-          </p:cNvPicPr>
-          <p:nvPr userDrawn="1"/>
-        </p:nvPicPr>
-        <p:blipFill>
-          <a:blip r:embed="rId3">
-            <a:clrChange>
-              <a:clrFrom>
-                <a:srgbClr val="FFFFFF"/>
-              </a:clrFrom>
-              <a:clrTo>
-                <a:srgbClr val="FFFFFF">
-                  <a:alpha val="0"/>
-                </a:srgbClr>
-              </a:clrTo>
-            </a:clrChange>
-            <a:extLst>
-              <a:ext uri="{28A0092B-C50C-407E-A947-70E740481C1C}">
-                <a14:useLocalDpi xmlns:a14="http://schemas.microsoft.com/office/drawing/2010/main" val="0"/>
-              </a:ext>
-            </a:extLst>
-          </a:blip>
-          <a:stretch>
-            <a:fillRect/>
-          </a:stretch>
-        </p:blipFill>
-        <p:spPr>
-          <a:xfrm>
-            <a:off x="10008761" y="190267"/>
-            <a:ext cx="2013336" cy="690975"/>
-          </a:xfrm>
-          <a:prstGeom prst="rect">
-            <a:avLst/>
-          </a:prstGeom>
-        </p:spPr>
-      </p:pic>
       <p:sp>
         <p:nvSpPr>
           <p:cNvPr id="13" name="Slide Title">
@@ -7063,8 +5311,8 @@
         </p:nvSpPr>
         <p:spPr>
           <a:xfrm>
-            <a:off x="1296957" y="100750"/>
-            <a:ext cx="8625520" cy="882654"/>
+            <a:off x="1296956" y="100750"/>
+            <a:ext cx="9164044" cy="882654"/>
           </a:xfrm>
         </p:spPr>
         <p:txBody>
@@ -7082,6 +5330,42 @@
           </a:p>
         </p:txBody>
       </p:sp>
+      <p:pic>
+        <p:nvPicPr>
+          <p:cNvPr id="2" name="Picture 1">
+            <a:extLst>
+              <a:ext uri="{FF2B5EF4-FFF2-40B4-BE49-F238E27FC236}">
+                <a16:creationId xmlns:a16="http://schemas.microsoft.com/office/drawing/2014/main" id="{A37AF1B9-D67A-246A-86B6-E28F19C52390}"/>
+              </a:ext>
+            </a:extLst>
+          </p:cNvPr>
+          <p:cNvPicPr>
+            <a:picLocks noChangeAspect="1"/>
+          </p:cNvPicPr>
+          <p:nvPr userDrawn="1"/>
+        </p:nvPicPr>
+        <p:blipFill>
+          <a:blip r:embed="rId3" cstate="print">
+            <a:extLst>
+              <a:ext uri="{28A0092B-C50C-407E-A947-70E740481C1C}">
+                <a14:useLocalDpi xmlns:a14="http://schemas.microsoft.com/office/drawing/2010/main" val="0"/>
+              </a:ext>
+            </a:extLst>
+          </a:blip>
+          <a:stretch>
+            <a:fillRect/>
+          </a:stretch>
+        </p:blipFill>
+        <p:spPr>
+          <a:xfrm>
+            <a:off x="10551877" y="362077"/>
+            <a:ext cx="1443357" cy="360000"/>
+          </a:xfrm>
+          <a:prstGeom prst="rect">
+            <a:avLst/>
+          </a:prstGeom>
+        </p:spPr>
+      </p:pic>
     </p:spTree>
     <p:extLst>
       <p:ext uri="{BB962C8B-B14F-4D97-AF65-F5344CB8AC3E}">
@@ -7103,7 +5387,7 @@
 </p:sldLayout>
 </file>
 
-<file path=ppt/slideLayouts/slideLayout7.xml><?xml version="1.0" encoding="utf-8"?>
+<file path=ppt/slideLayouts/slideLayout6.xml><?xml version="1.0" encoding="utf-8"?>
 <p:sldLayout xmlns:a="http://schemas.openxmlformats.org/drawingml/2006/main" xmlns:r="http://schemas.openxmlformats.org/officeDocument/2006/relationships" xmlns:p="http://schemas.openxmlformats.org/presentationml/2006/main" preserve="1" userDrawn="1">
   <p:cSld name="Blank Slide">
     <p:spTree>
@@ -7398,8 +5682,8 @@
         </p:nvSpPr>
         <p:spPr>
           <a:xfrm>
-            <a:off x="585176" y="100750"/>
-            <a:ext cx="11410061" cy="882654"/>
+            <a:off x="585177" y="100750"/>
+            <a:ext cx="9875824" cy="882654"/>
           </a:xfrm>
         </p:spPr>
         <p:txBody>
@@ -7417,6 +5701,42 @@
           </a:p>
         </p:txBody>
       </p:sp>
+      <p:pic>
+        <p:nvPicPr>
+          <p:cNvPr id="2" name="Picture 1">
+            <a:extLst>
+              <a:ext uri="{FF2B5EF4-FFF2-40B4-BE49-F238E27FC236}">
+                <a16:creationId xmlns:a16="http://schemas.microsoft.com/office/drawing/2014/main" id="{9C2C375B-43BF-D1DD-F160-1500A111885C}"/>
+              </a:ext>
+            </a:extLst>
+          </p:cNvPr>
+          <p:cNvPicPr>
+            <a:picLocks noChangeAspect="1"/>
+          </p:cNvPicPr>
+          <p:nvPr userDrawn="1"/>
+        </p:nvPicPr>
+        <p:blipFill>
+          <a:blip r:embed="rId3" cstate="print">
+            <a:extLst>
+              <a:ext uri="{28A0092B-C50C-407E-A947-70E740481C1C}">
+                <a14:useLocalDpi xmlns:a14="http://schemas.microsoft.com/office/drawing/2010/main" val="0"/>
+              </a:ext>
+            </a:extLst>
+          </a:blip>
+          <a:stretch>
+            <a:fillRect/>
+          </a:stretch>
+        </p:blipFill>
+        <p:spPr>
+          <a:xfrm>
+            <a:off x="10551877" y="362077"/>
+            <a:ext cx="1443357" cy="360000"/>
+          </a:xfrm>
+          <a:prstGeom prst="rect">
+            <a:avLst/>
+          </a:prstGeom>
+        </p:spPr>
+      </p:pic>
     </p:spTree>
     <p:extLst>
       <p:ext uri="{BB962C8B-B14F-4D97-AF65-F5344CB8AC3E}">
@@ -7438,7 +5758,7 @@
 </p:sldLayout>
 </file>
 
-<file path=ppt/slideLayouts/slideLayout8.xml><?xml version="1.0" encoding="utf-8"?>
+<file path=ppt/slideLayouts/slideLayout7.xml><?xml version="1.0" encoding="utf-8"?>
 <p:sldLayout xmlns:a="http://schemas.openxmlformats.org/drawingml/2006/main" xmlns:r="http://schemas.openxmlformats.org/officeDocument/2006/relationships" xmlns:p="http://schemas.openxmlformats.org/presentationml/2006/main" preserve="1" userDrawn="1">
   <p:cSld name="Source Code Example">
     <p:spTree>
@@ -7511,7 +5831,7 @@
         </p:nvSpPr>
         <p:spPr>
           <a:xfrm>
-            <a:off x="0" y="0"/>
+            <a:off x="0" y="1311"/>
             <a:ext cx="12196800" cy="1095376"/>
           </a:xfrm>
           <a:prstGeom prst="rect">
@@ -7561,7 +5881,7 @@
               <a:tabLst/>
               <a:defRPr/>
             </a:pPr>
-            <a:endParaRPr kumimoji="0" lang="en-US" altLang="ko-KR" sz="2398" b="0" i="0" u="none" strike="noStrike" kern="1200" cap="none" spc="0" normalizeH="0" baseline="0" noProof="0">
+            <a:endParaRPr kumimoji="0" lang="en-US" altLang="ko-KR" sz="2398" b="0" i="0" u="none" strike="noStrike" kern="1200" cap="none" spc="0" normalizeH="0" baseline="0" noProof="0" dirty="0">
               <a:ln>
                 <a:noFill/>
               </a:ln>
@@ -7578,48 +5898,12 @@
           </a:p>
         </p:txBody>
       </p:sp>
-      <p:pic>
-        <p:nvPicPr>
-          <p:cNvPr id="10" name="Logo Software University" descr="Software University logo">
+      <p:sp>
+        <p:nvSpPr>
+          <p:cNvPr id="12" name="Slide Body Text">
             <a:extLst>
               <a:ext uri="{FF2B5EF4-FFF2-40B4-BE49-F238E27FC236}">
-                <a16:creationId xmlns:a16="http://schemas.microsoft.com/office/drawing/2014/main" id="{8C01D7AF-7CBD-46E1-99F3-8EB60E838D91}"/>
-              </a:ext>
-            </a:extLst>
-          </p:cNvPr>
-          <p:cNvPicPr>
-            <a:picLocks noChangeAspect="1"/>
-          </p:cNvPicPr>
-          <p:nvPr userDrawn="1"/>
-        </p:nvPicPr>
-        <p:blipFill>
-          <a:blip r:embed="rId2">
-            <a:extLst>
-              <a:ext uri="{28A0092B-C50C-407E-A947-70E740481C1C}">
-                <a14:useLocalDpi xmlns:a14="http://schemas.microsoft.com/office/drawing/2010/main" val="0"/>
-              </a:ext>
-            </a:extLst>
-          </a:blip>
-          <a:stretch>
-            <a:fillRect/>
-          </a:stretch>
-        </p:blipFill>
-        <p:spPr>
-          <a:xfrm>
-            <a:off x="10067957" y="253936"/>
-            <a:ext cx="1915704" cy="559235"/>
-          </a:xfrm>
-          <a:prstGeom prst="rect">
-            <a:avLst/>
-          </a:prstGeom>
-        </p:spPr>
-      </p:pic>
-      <p:sp>
-        <p:nvSpPr>
-          <p:cNvPr id="17" name="Slide Body Text">
-            <a:extLst>
-              <a:ext uri="{FF2B5EF4-FFF2-40B4-BE49-F238E27FC236}">
-                <a16:creationId xmlns:a16="http://schemas.microsoft.com/office/drawing/2014/main" id="{1E60575F-8475-4C78-97A7-27D7891D2770}"/>
+                <a16:creationId xmlns:a16="http://schemas.microsoft.com/office/drawing/2014/main" id="{B608ED73-CE88-49E4-8BFC-DBD6E9AE6B10}"/>
               </a:ext>
             </a:extLst>
           </p:cNvPr>
@@ -7627,32 +5911,52 @@
             <a:spLocks noGrp="1"/>
           </p:cNvSpPr>
           <p:nvPr>
-            <p:ph type="body" sz="quarter" idx="12" hasCustomPrompt="1"/>
+            <p:ph type="body" sz="quarter" idx="10" hasCustomPrompt="1"/>
           </p:nvPr>
         </p:nvSpPr>
         <p:spPr>
           <a:xfrm>
-            <a:off x="190402" y="1196125"/>
-            <a:ext cx="11818096" cy="5528766"/>
+            <a:off x="190406" y="1206668"/>
+            <a:ext cx="11804831" cy="5550582"/>
           </a:xfrm>
         </p:spPr>
         <p:txBody>
           <a:bodyPr/>
           <a:lstStyle>
             <a:lvl1pPr latinLnBrk="0">
-              <a:defRPr/>
+              <a:defRPr>
+                <a:solidFill>
+                  <a:schemeClr val="tx1"/>
+                </a:solidFill>
+              </a:defRPr>
             </a:lvl1pPr>
             <a:lvl2pPr latinLnBrk="0">
-              <a:defRPr/>
+              <a:defRPr>
+                <a:solidFill>
+                  <a:schemeClr val="tx1"/>
+                </a:solidFill>
+              </a:defRPr>
             </a:lvl2pPr>
             <a:lvl3pPr latinLnBrk="0">
-              <a:defRPr/>
+              <a:defRPr>
+                <a:solidFill>
+                  <a:schemeClr val="tx1"/>
+                </a:solidFill>
+              </a:defRPr>
             </a:lvl3pPr>
             <a:lvl4pPr latinLnBrk="0">
-              <a:defRPr/>
+              <a:defRPr>
+                <a:solidFill>
+                  <a:schemeClr val="tx1"/>
+                </a:solidFill>
+              </a:defRPr>
             </a:lvl4pPr>
             <a:lvl5pPr latinLnBrk="0">
-              <a:defRPr/>
+              <a:defRPr>
+                <a:solidFill>
+                  <a:schemeClr val="tx1"/>
+                </a:solidFill>
+              </a:defRPr>
             </a:lvl5pPr>
           </a:lstStyle>
           <a:p>
@@ -7666,10 +5970,10 @@
       </p:sp>
       <p:sp>
         <p:nvSpPr>
-          <p:cNvPr id="15" name="Code Box">
+          <p:cNvPr id="4" name="Code Box">
             <a:extLst>
               <a:ext uri="{FF2B5EF4-FFF2-40B4-BE49-F238E27FC236}">
-                <a16:creationId xmlns:a16="http://schemas.microsoft.com/office/drawing/2014/main" id="{29C63EC2-5578-406B-8C2A-23FDE6C14C82}"/>
+                <a16:creationId xmlns:a16="http://schemas.microsoft.com/office/drawing/2014/main" id="{F4E021E9-D6DB-4272-8C9F-CEF4940FDC10}"/>
               </a:ext>
             </a:extLst>
           </p:cNvPr>
@@ -7683,7 +5987,7 @@
         <p:spPr>
           <a:xfrm>
             <a:off x="674683" y="2034000"/>
-            <a:ext cx="10836275" cy="2318684"/>
+            <a:ext cx="10836275" cy="2237893"/>
           </a:xfrm>
           <a:solidFill>
             <a:schemeClr val="accent6">
@@ -7705,15 +6009,6 @@
           </a:bodyPr>
           <a:lstStyle>
             <a:lvl1pPr>
-              <a:lnSpc>
-                <a:spcPct val="110000"/>
-              </a:lnSpc>
-              <a:spcBef>
-                <a:spcPts val="0"/>
-              </a:spcBef>
-              <a:spcAft>
-                <a:spcPts val="0"/>
-              </a:spcAft>
               <a:buNone/>
               <a:defRPr lang="en-US" sz="2800" b="1" smtClean="0">
                 <a:latin typeface="Consolas" pitchFamily="49" charset="0"/>
@@ -7808,8 +6103,8 @@
         </p:nvSpPr>
         <p:spPr>
           <a:xfrm>
-            <a:off x="190406" y="100750"/>
-            <a:ext cx="9715594" cy="882654"/>
+            <a:off x="190405" y="100750"/>
+            <a:ext cx="10239658" cy="882654"/>
           </a:xfrm>
         </p:spPr>
         <p:txBody>
@@ -7831,6 +6126,42 @@
           </a:p>
         </p:txBody>
       </p:sp>
+      <p:pic>
+        <p:nvPicPr>
+          <p:cNvPr id="3" name="Picture 2">
+            <a:extLst>
+              <a:ext uri="{FF2B5EF4-FFF2-40B4-BE49-F238E27FC236}">
+                <a16:creationId xmlns:a16="http://schemas.microsoft.com/office/drawing/2014/main" id="{4B69A4E8-9221-8F79-65B4-BF9AA7F87DD7}"/>
+              </a:ext>
+            </a:extLst>
+          </p:cNvPr>
+          <p:cNvPicPr>
+            <a:picLocks noChangeAspect="1"/>
+          </p:cNvPicPr>
+          <p:nvPr userDrawn="1"/>
+        </p:nvPicPr>
+        <p:blipFill>
+          <a:blip r:embed="rId2" cstate="print">
+            <a:extLst>
+              <a:ext uri="{28A0092B-C50C-407E-A947-70E740481C1C}">
+                <a14:useLocalDpi xmlns:a14="http://schemas.microsoft.com/office/drawing/2010/main" val="0"/>
+              </a:ext>
+            </a:extLst>
+          </a:blip>
+          <a:stretch>
+            <a:fillRect/>
+          </a:stretch>
+        </p:blipFill>
+        <p:spPr>
+          <a:xfrm>
+            <a:off x="10553573" y="368999"/>
+            <a:ext cx="1443361" cy="360001"/>
+          </a:xfrm>
+          <a:prstGeom prst="rect">
+            <a:avLst/>
+          </a:prstGeom>
+        </p:spPr>
+      </p:pic>
     </p:spTree>
     <p:extLst>
       <p:ext uri="{BB962C8B-B14F-4D97-AF65-F5344CB8AC3E}">
@@ -7852,7 +6183,7 @@
 </p:sldLayout>
 </file>
 
-<file path=ppt/slideLayouts/slideLayout9.xml><?xml version="1.0" encoding="utf-8"?>
+<file path=ppt/slideLayouts/slideLayout8.xml><?xml version="1.0" encoding="utf-8"?>
 <p:sldLayout xmlns:a="http://schemas.openxmlformats.org/drawingml/2006/main" xmlns:r="http://schemas.openxmlformats.org/officeDocument/2006/relationships" xmlns:p="http://schemas.openxmlformats.org/presentationml/2006/main" preserve="1">
   <p:cSld name="Demo Slide">
     <p:spTree>
@@ -8056,6 +6387,335 @@
 </p:sldLayout>
 </file>
 
+<file path=ppt/slideLayouts/slideLayout9.xml><?xml version="1.0" encoding="utf-8"?>
+<p:sldLayout xmlns:a="http://schemas.openxmlformats.org/drawingml/2006/main" xmlns:r="http://schemas.openxmlformats.org/officeDocument/2006/relationships" xmlns:p="http://schemas.openxmlformats.org/presentationml/2006/main" preserve="1" userDrawn="1">
+  <p:cSld name="Table of Contents">
+    <p:spTree>
+      <p:nvGrpSpPr>
+        <p:cNvPr id="1" name=""/>
+        <p:cNvGrpSpPr/>
+        <p:nvPr/>
+      </p:nvGrpSpPr>
+      <p:grpSpPr>
+        <a:xfrm>
+          <a:off x="0" y="0"/>
+          <a:ext cx="0" cy="0"/>
+          <a:chOff x="0" y="0"/>
+          <a:chExt cx="0" cy="0"/>
+        </a:xfrm>
+      </p:grpSpPr>
+      <p:sp>
+        <p:nvSpPr>
+          <p:cNvPr id="10" name="Slide Number">
+            <a:extLst>
+              <a:ext uri="{FF2B5EF4-FFF2-40B4-BE49-F238E27FC236}">
+                <a16:creationId xmlns:a16="http://schemas.microsoft.com/office/drawing/2014/main" id="{39DDE17E-5472-41F3-AF5F-54DFF10DC63C}"/>
+              </a:ext>
+            </a:extLst>
+          </p:cNvPr>
+          <p:cNvSpPr>
+            <a:spLocks noGrp="1"/>
+          </p:cNvSpPr>
+          <p:nvPr>
+            <p:ph type="sldNum" sz="quarter" idx="4"/>
+          </p:nvPr>
+        </p:nvSpPr>
+        <p:spPr>
+          <a:xfrm>
+            <a:off x="11753030" y="6507000"/>
+            <a:ext cx="367414" cy="297000"/>
+          </a:xfrm>
+          <a:prstGeom prst="rect">
+            <a:avLst/>
+          </a:prstGeom>
+        </p:spPr>
+        <p:txBody>
+          <a:bodyPr vert="horz" lIns="91440" tIns="45720" rIns="91440" bIns="45720" rtlCol="0" anchor="b"/>
+          <a:lstStyle>
+            <a:lvl1pPr algn="r">
+              <a:defRPr sz="1000"/>
+            </a:lvl1pPr>
+          </a:lstStyle>
+          <a:p>
+            <a:fld id="{2BF067CD-8E6B-4360-9AA8-C5DF2A48A6D1}" type="slidenum">
+              <a:rPr lang="en-US" noProof="0" smtClean="0"/>
+              <a:pPr/>
+              <a:t>‹#›</a:t>
+            </a:fld>
+            <a:endParaRPr lang="en-US" noProof="0"/>
+          </a:p>
+        </p:txBody>
+      </p:sp>
+      <p:sp>
+        <p:nvSpPr>
+          <p:cNvPr id="23" name="Slide Body Text">
+            <a:extLst>
+              <a:ext uri="{FF2B5EF4-FFF2-40B4-BE49-F238E27FC236}">
+                <a16:creationId xmlns:a16="http://schemas.microsoft.com/office/drawing/2014/main" id="{889D93F4-ABFA-46BF-8E5D-FE6562ACB20F}"/>
+              </a:ext>
+            </a:extLst>
+          </p:cNvPr>
+          <p:cNvSpPr>
+            <a:spLocks noGrp="1"/>
+          </p:cNvSpPr>
+          <p:nvPr>
+            <p:ph type="body" sz="quarter" idx="13" hasCustomPrompt="1"/>
+          </p:nvPr>
+        </p:nvSpPr>
+        <p:spPr>
+          <a:xfrm>
+            <a:off x="196766" y="1371604"/>
+            <a:ext cx="11781606" cy="5207396"/>
+          </a:xfrm>
+        </p:spPr>
+        <p:txBody>
+          <a:bodyPr>
+            <a:normAutofit/>
+          </a:bodyPr>
+          <a:lstStyle>
+            <a:lvl1pPr marL="514042" indent="-514042" latinLnBrk="0">
+              <a:buFont typeface="+mj-lt"/>
+              <a:buAutoNum type="arabicPeriod"/>
+              <a:defRPr sz="3600">
+                <a:solidFill>
+                  <a:schemeClr val="tx1"/>
+                </a:solidFill>
+              </a:defRPr>
+            </a:lvl1pPr>
+            <a:lvl2pPr>
+              <a:defRPr sz="3400"/>
+            </a:lvl2pPr>
+          </a:lstStyle>
+          <a:p>
+            <a:pPr lvl="0"/>
+            <a:r>
+              <a:rPr lang="en-US" noProof="0" dirty="0"/>
+              <a:t>…</a:t>
+            </a:r>
+          </a:p>
+          <a:p>
+            <a:pPr lvl="1"/>
+            <a:r>
+              <a:rPr lang="en-US" noProof="0" dirty="0"/>
+              <a:t>…</a:t>
+            </a:r>
+          </a:p>
+          <a:p>
+            <a:pPr lvl="1"/>
+            <a:r>
+              <a:rPr lang="en-US" noProof="0" dirty="0"/>
+              <a:t>…</a:t>
+            </a:r>
+          </a:p>
+          <a:p>
+            <a:pPr lvl="0"/>
+            <a:r>
+              <a:rPr lang="en-US" noProof="0" dirty="0"/>
+              <a:t>…</a:t>
+            </a:r>
+          </a:p>
+          <a:p>
+            <a:pPr lvl="1"/>
+            <a:r>
+              <a:rPr lang="en-US" noProof="0" dirty="0"/>
+              <a:t>…</a:t>
+            </a:r>
+          </a:p>
+          <a:p>
+            <a:pPr lvl="1"/>
+            <a:r>
+              <a:rPr lang="en-US" noProof="0" dirty="0"/>
+              <a:t>…</a:t>
+            </a:r>
+          </a:p>
+          <a:p>
+            <a:pPr lvl="0"/>
+            <a:r>
+              <a:rPr lang="en-US" noProof="0" dirty="0"/>
+              <a:t>…</a:t>
+            </a:r>
+          </a:p>
+        </p:txBody>
+      </p:sp>
+      <p:sp>
+        <p:nvSpPr>
+          <p:cNvPr id="8" name="Rectangle Top">
+            <a:extLst>
+              <a:ext uri="{FF2B5EF4-FFF2-40B4-BE49-F238E27FC236}">
+                <a16:creationId xmlns:a16="http://schemas.microsoft.com/office/drawing/2014/main" id="{930E0800-9260-4369-8330-8264DD33C5CE}"/>
+              </a:ext>
+            </a:extLst>
+          </p:cNvPr>
+          <p:cNvSpPr/>
+          <p:nvPr userDrawn="1"/>
+        </p:nvSpPr>
+        <p:spPr>
+          <a:xfrm>
+            <a:off x="0" y="0"/>
+            <a:ext cx="12196800" cy="1095376"/>
+          </a:xfrm>
+          <a:prstGeom prst="rect">
+            <a:avLst/>
+          </a:prstGeom>
+          <a:solidFill>
+            <a:schemeClr val="tx2"/>
+          </a:solidFill>
+          <a:ln>
+            <a:noFill/>
+          </a:ln>
+        </p:spPr>
+        <p:style>
+          <a:lnRef idx="2">
+            <a:schemeClr val="accent1">
+              <a:shade val="50000"/>
+            </a:schemeClr>
+          </a:lnRef>
+          <a:fillRef idx="1">
+            <a:schemeClr val="accent1"/>
+          </a:fillRef>
+          <a:effectRef idx="0">
+            <a:schemeClr val="accent1"/>
+          </a:effectRef>
+          <a:fontRef idx="minor">
+            <a:schemeClr val="lt1"/>
+          </a:fontRef>
+        </p:style>
+        <p:txBody>
+          <a:bodyPr rtlCol="0" anchor="ctr"/>
+          <a:lstStyle/>
+          <a:p>
+            <a:pPr marL="0" marR="0" lvl="0" indent="0" algn="ctr" defTabSz="913852" rtl="0" eaLnBrk="1" fontAlgn="auto" latinLnBrk="0" hangingPunct="1">
+              <a:lnSpc>
+                <a:spcPct val="100000"/>
+              </a:lnSpc>
+              <a:spcBef>
+                <a:spcPts val="0"/>
+              </a:spcBef>
+              <a:spcAft>
+                <a:spcPts val="0"/>
+              </a:spcAft>
+              <a:buClrTx/>
+              <a:buSzTx/>
+              <a:buFontTx/>
+              <a:buNone/>
+              <a:tabLst/>
+              <a:defRPr/>
+            </a:pPr>
+            <a:endParaRPr kumimoji="0" lang="en-US" altLang="ko-KR" sz="2398" b="0" i="0" u="none" strike="noStrike" kern="1200" cap="none" spc="0" normalizeH="0" baseline="0" noProof="0">
+              <a:ln>
+                <a:noFill/>
+              </a:ln>
+              <a:solidFill>
+                <a:srgbClr val="F7C86D"/>
+              </a:solidFill>
+              <a:effectLst/>
+              <a:uLnTx/>
+              <a:uFillTx/>
+              <a:latin typeface="Calibri" panose="020F0502020204030204"/>
+              <a:ea typeface="맑은 고딕" panose="020B0503020000020004" pitchFamily="34" charset="-127"/>
+              <a:cs typeface="+mn-cs"/>
+            </a:endParaRPr>
+          </a:p>
+        </p:txBody>
+      </p:sp>
+      <p:sp>
+        <p:nvSpPr>
+          <p:cNvPr id="13" name="Slide Title">
+            <a:extLst>
+              <a:ext uri="{FF2B5EF4-FFF2-40B4-BE49-F238E27FC236}">
+                <a16:creationId xmlns:a16="http://schemas.microsoft.com/office/drawing/2014/main" id="{357D7BE1-6358-42CC-94F3-7BCDD91DCB6D}"/>
+              </a:ext>
+            </a:extLst>
+          </p:cNvPr>
+          <p:cNvSpPr>
+            <a:spLocks noGrp="1"/>
+          </p:cNvSpPr>
+          <p:nvPr>
+            <p:ph type="title" hasCustomPrompt="1"/>
+          </p:nvPr>
+        </p:nvSpPr>
+        <p:spPr>
+          <a:xfrm>
+            <a:off x="190406" y="100750"/>
+            <a:ext cx="10270594" cy="882654"/>
+          </a:xfrm>
+        </p:spPr>
+        <p:txBody>
+          <a:bodyPr/>
+          <a:lstStyle>
+            <a:lvl1pPr latinLnBrk="0">
+              <a:defRPr>
+                <a:solidFill>
+                  <a:schemeClr val="bg2"/>
+                </a:solidFill>
+              </a:defRPr>
+            </a:lvl1pPr>
+          </a:lstStyle>
+          <a:p>
+            <a:r>
+              <a:rPr lang="en-US" noProof="0" dirty="0"/>
+              <a:t>Table of Contents</a:t>
+            </a:r>
+          </a:p>
+        </p:txBody>
+      </p:sp>
+      <p:pic>
+        <p:nvPicPr>
+          <p:cNvPr id="3" name="Picture 2">
+            <a:extLst>
+              <a:ext uri="{FF2B5EF4-FFF2-40B4-BE49-F238E27FC236}">
+                <a16:creationId xmlns:a16="http://schemas.microsoft.com/office/drawing/2014/main" id="{4FD808AB-EC49-1578-0005-D58D2A365AA1}"/>
+              </a:ext>
+            </a:extLst>
+          </p:cNvPr>
+          <p:cNvPicPr>
+            <a:picLocks noChangeAspect="1"/>
+          </p:cNvPicPr>
+          <p:nvPr userDrawn="1"/>
+        </p:nvPicPr>
+        <p:blipFill>
+          <a:blip r:embed="rId2" cstate="print">
+            <a:extLst>
+              <a:ext uri="{28A0092B-C50C-407E-A947-70E740481C1C}">
+                <a14:useLocalDpi xmlns:a14="http://schemas.microsoft.com/office/drawing/2010/main" val="0"/>
+              </a:ext>
+            </a:extLst>
+          </a:blip>
+          <a:stretch>
+            <a:fillRect/>
+          </a:stretch>
+        </p:blipFill>
+        <p:spPr>
+          <a:xfrm>
+            <a:off x="10553573" y="368999"/>
+            <a:ext cx="1443361" cy="360001"/>
+          </a:xfrm>
+          <a:prstGeom prst="rect">
+            <a:avLst/>
+          </a:prstGeom>
+        </p:spPr>
+      </p:pic>
+    </p:spTree>
+    <p:extLst>
+      <p:ext uri="{BB962C8B-B14F-4D97-AF65-F5344CB8AC3E}">
+        <p14:creationId xmlns:p14="http://schemas.microsoft.com/office/powerpoint/2010/main" val="1028724482"/>
+      </p:ext>
+    </p:extLst>
+  </p:cSld>
+  <p:clrMapOvr>
+    <a:masterClrMapping/>
+  </p:clrMapOvr>
+  <mc:AlternateContent xmlns:mc="http://schemas.openxmlformats.org/markup-compatibility/2006" xmlns:p14="http://schemas.microsoft.com/office/powerpoint/2010/main">
+    <mc:Choice Requires="p14">
+      <p:transition spd="slow" p14:dur="2000" advClick="0" advTm="5000"/>
+    </mc:Choice>
+    <mc:Fallback xmlns="">
+      <p:transition spd="slow" advClick="0" advTm="5000"/>
+    </mc:Fallback>
+  </mc:AlternateContent>
+</p:sldLayout>
+</file>
+
 <file path=ppt/slideMasters/slideMaster1.xml><?xml version="1.0" encoding="utf-8"?>
 <p:sldMaster xmlns:a="http://schemas.openxmlformats.org/drawingml/2006/main" xmlns:r="http://schemas.openxmlformats.org/officeDocument/2006/relationships" xmlns:p="http://schemas.openxmlformats.org/presentationml/2006/main" preserve="1">
   <p:cSld>
@@ -8081,35 +6741,6 @@
           <a:chExt cx="0" cy="0"/>
         </a:xfrm>
       </p:grpSpPr>
-      <p:pic>
-        <p:nvPicPr>
-          <p:cNvPr id="4" name="Picture Background" descr="SoftUni Background">
-            <a:extLst>
-              <a:ext uri="{FF2B5EF4-FFF2-40B4-BE49-F238E27FC236}">
-                <a16:creationId xmlns:a16="http://schemas.microsoft.com/office/drawing/2014/main" id="{5BE90A63-DDD9-4B3B-A234-DF69B9BC812F}"/>
-              </a:ext>
-            </a:extLst>
-          </p:cNvPr>
-          <p:cNvPicPr>
-            <a:picLocks noChangeAspect="1"/>
-          </p:cNvPicPr>
-          <p:nvPr userDrawn="1"/>
-        </p:nvPicPr>
-        <p:blipFill rotWithShape="1">
-          <a:blip r:embed="rId15"/>
-          <a:srcRect b="1672"/>
-          <a:stretch/>
-        </p:blipFill>
-        <p:spPr>
-          <a:xfrm>
-            <a:off x="0" y="1"/>
-            <a:ext cx="12192000" cy="6857999"/>
-          </a:xfrm>
-          <a:prstGeom prst="rect">
-            <a:avLst/>
-          </a:prstGeom>
-        </p:spPr>
-      </p:pic>
       <p:sp>
         <p:nvSpPr>
           <p:cNvPr id="11" name="Slide Body Text">
@@ -8226,19 +6857,18 @@
   </p:cSld>
   <p:clrMap bg1="lt1" tx1="dk1" bg2="lt2" tx2="dk2" accent1="accent1" accent2="accent2" accent3="accent3" accent4="accent4" accent5="accent5" accent6="accent6" hlink="hlink" folHlink="folHlink"/>
   <p:sldLayoutIdLst>
-    <p:sldLayoutId id="2147483676" r:id="rId1"/>
+    <p:sldLayoutId id="2147483691" r:id="rId1"/>
     <p:sldLayoutId id="2147483689" r:id="rId2"/>
     <p:sldLayoutId id="2147483681" r:id="rId3"/>
-    <p:sldLayoutId id="2147483677" r:id="rId4"/>
-    <p:sldLayoutId id="2147483679" r:id="rId5"/>
-    <p:sldLayoutId id="2147483680" r:id="rId6"/>
-    <p:sldLayoutId id="2147483688" r:id="rId7"/>
-    <p:sldLayoutId id="2147483684" r:id="rId8"/>
-    <p:sldLayoutId id="2147483690" r:id="rId9"/>
+    <p:sldLayoutId id="2147483679" r:id="rId4"/>
+    <p:sldLayoutId id="2147483680" r:id="rId5"/>
+    <p:sldLayoutId id="2147483688" r:id="rId6"/>
+    <p:sldLayoutId id="2147483684" r:id="rId7"/>
+    <p:sldLayoutId id="2147483690" r:id="rId8"/>
+    <p:sldLayoutId id="2147483677" r:id="rId9"/>
     <p:sldLayoutId id="2147483683" r:id="rId10"/>
     <p:sldLayoutId id="2147483685" r:id="rId11"/>
     <p:sldLayoutId id="2147483686" r:id="rId12"/>
-    <p:sldLayoutId id="2147483687" r:id="rId13"/>
   </p:sldLayoutIdLst>
   <mc:AlternateContent xmlns:mc="http://schemas.openxmlformats.org/markup-compatibility/2006" xmlns:p14="http://schemas.microsoft.com/office/powerpoint/2010/main">
     <mc:Choice Requires="p14">
@@ -8567,6 +7197,140 @@
       </p:grpSpPr>
       <p:sp>
         <p:nvSpPr>
+          <p:cNvPr id="21" name="Text Placeholder 6">
+            <a:extLst>
+              <a:ext uri="{FF2B5EF4-FFF2-40B4-BE49-F238E27FC236}">
+                <a16:creationId xmlns:a16="http://schemas.microsoft.com/office/drawing/2014/main" id="{76A05CC2-FC4D-4504-ABD3-8A2DED65D274}"/>
+              </a:ext>
+            </a:extLst>
+          </p:cNvPr>
+          <p:cNvSpPr>
+            <a:spLocks noGrp="1"/>
+          </p:cNvSpPr>
+          <p:nvPr>
+            <p:ph type="body" sz="quarter" idx="22"/>
+          </p:nvPr>
+        </p:nvSpPr>
+        <p:spPr>
+          <a:xfrm>
+            <a:off x="6379867" y="5904000"/>
+            <a:ext cx="5248260" cy="341313"/>
+          </a:xfrm>
+        </p:spPr>
+        <p:txBody>
+          <a:bodyPr/>
+          <a:lstStyle/>
+          <a:p>
+            <a:r>
+              <a:rPr lang="bg-BG" noProof="1"/>
+              <a:t>Софтуерни и хардуерни науки</a:t>
+            </a:r>
+            <a:endParaRPr lang="en-US" dirty="0"/>
+          </a:p>
+        </p:txBody>
+      </p:sp>
+      <p:sp>
+        <p:nvSpPr>
+          <p:cNvPr id="18" name="Text Placeholder 11"/>
+          <p:cNvSpPr>
+            <a:spLocks noGrp="1"/>
+          </p:cNvSpPr>
+          <p:nvPr>
+            <p:ph type="body" sz="quarter" idx="21"/>
+          </p:nvPr>
+        </p:nvSpPr>
+        <p:spPr>
+          <a:xfrm>
+            <a:off x="6374856" y="5529764"/>
+            <a:ext cx="5248260" cy="374236"/>
+          </a:xfrm>
+        </p:spPr>
+        <p:txBody>
+          <a:bodyPr>
+            <a:noAutofit/>
+          </a:bodyPr>
+          <a:lstStyle/>
+          <a:p>
+            <a:r>
+              <a:rPr lang="bg-BG" dirty="0">
+                <a:solidFill>
+                  <a:srgbClr val="234465"/>
+                </a:solidFill>
+              </a:rPr>
+              <a:t>Курс "ООП"</a:t>
+            </a:r>
+          </a:p>
+        </p:txBody>
+      </p:sp>
+      <p:sp>
+        <p:nvSpPr>
+          <p:cNvPr id="20" name="Text Placeholder 3">
+            <a:extLst>
+              <a:ext uri="{FF2B5EF4-FFF2-40B4-BE49-F238E27FC236}">
+                <a16:creationId xmlns:a16="http://schemas.microsoft.com/office/drawing/2014/main" id="{941D5C10-8D10-4D4A-BDC4-202C30EAED2F}"/>
+              </a:ext>
+            </a:extLst>
+          </p:cNvPr>
+          <p:cNvSpPr>
+            <a:spLocks noGrp="1"/>
+          </p:cNvSpPr>
+          <p:nvPr>
+            <p:ph type="body" sz="quarter" idx="18"/>
+          </p:nvPr>
+        </p:nvSpPr>
+        <p:spPr>
+          <a:xfrm>
+            <a:off x="534045" y="6039000"/>
+            <a:ext cx="4751953" cy="341556"/>
+          </a:xfrm>
+        </p:spPr>
+        <p:txBody>
+          <a:bodyPr/>
+          <a:lstStyle/>
+          <a:p>
+            <a:r>
+              <a:rPr lang="en-US" dirty="0">
+                <a:hlinkClick r:id="rId3"/>
+              </a:rPr>
+              <a:t>https://github.com/BG-IT-Edu</a:t>
+            </a:r>
+            <a:endParaRPr lang="bg-BG" dirty="0"/>
+          </a:p>
+        </p:txBody>
+      </p:sp>
+      <p:sp>
+        <p:nvSpPr>
+          <p:cNvPr id="19" name="Text Placeholder 9"/>
+          <p:cNvSpPr>
+            <a:spLocks noGrp="1"/>
+          </p:cNvSpPr>
+          <p:nvPr>
+            <p:ph type="body" sz="quarter" idx="17"/>
+          </p:nvPr>
+        </p:nvSpPr>
+        <p:spPr>
+          <a:xfrm>
+            <a:off x="534046" y="5229000"/>
+            <a:ext cx="4751954" cy="724904"/>
+          </a:xfrm>
+        </p:spPr>
+        <p:txBody>
+          <a:bodyPr/>
+          <a:lstStyle/>
+          <a:p>
+            <a:r>
+              <a:rPr lang="bg-BG" dirty="0">
+                <a:solidFill>
+                  <a:schemeClr val="tx1"/>
+                </a:solidFill>
+              </a:rPr>
+              <a:t>Проект "Отворено учебно съдържание по програмиране и ИТ", СофтУни Фондация</a:t>
+            </a:r>
+          </a:p>
+        </p:txBody>
+      </p:sp>
+      <p:sp>
+        <p:nvSpPr>
           <p:cNvPr id="6" name="Subtitle 5"/>
           <p:cNvSpPr>
             <a:spLocks noGrp="1"/>
@@ -8577,8 +7341,8 @@
         </p:nvSpPr>
         <p:spPr>
           <a:xfrm>
-            <a:off x="554182" y="1224000"/>
-            <a:ext cx="11083636" cy="675176"/>
+            <a:off x="554746" y="1402943"/>
+            <a:ext cx="11083636" cy="653164"/>
           </a:xfrm>
         </p:spPr>
         <p:txBody>
@@ -8628,116 +7392,57 @@
           </a:p>
         </p:txBody>
       </p:sp>
-      <p:sp>
-        <p:nvSpPr>
-          <p:cNvPr id="7" name="Text Placeholder 6"/>
-          <p:cNvSpPr>
-            <a:spLocks noGrp="1"/>
-          </p:cNvSpPr>
-          <p:nvPr>
-            <p:ph type="body" sz="quarter" idx="17"/>
-          </p:nvPr>
-        </p:nvSpPr>
-        <p:spPr/>
-        <p:txBody>
-          <a:bodyPr/>
-          <a:lstStyle/>
-          <a:p>
-            <a:r>
-              <a:rPr lang="en-US" dirty="0"/>
-              <a:t>Software University</a:t>
-            </a:r>
-          </a:p>
-        </p:txBody>
-      </p:sp>
-      <p:sp>
-        <p:nvSpPr>
-          <p:cNvPr id="8" name="Text Placeholder 7"/>
-          <p:cNvSpPr>
-            <a:spLocks noGrp="1"/>
-          </p:cNvSpPr>
-          <p:nvPr>
-            <p:ph type="body" sz="quarter" idx="18"/>
-          </p:nvPr>
-        </p:nvSpPr>
-        <p:spPr/>
-        <p:txBody>
-          <a:bodyPr/>
-          <a:lstStyle/>
-          <a:p>
-            <a:r>
-              <a:rPr lang="en-US" dirty="0">
-                <a:hlinkClick r:id="rId3"/>
-              </a:rPr>
-              <a:t>https://about.softuni.bg/</a:t>
-            </a:r>
-            <a:endParaRPr lang="en-US" dirty="0"/>
-          </a:p>
-        </p:txBody>
-      </p:sp>
-      <p:sp>
-        <p:nvSpPr>
-          <p:cNvPr id="11" name="Text Placeholder 10"/>
-          <p:cNvSpPr>
-            <a:spLocks noGrp="1"/>
-          </p:cNvSpPr>
-          <p:nvPr>
-            <p:ph type="body" sz="quarter" idx="19"/>
-          </p:nvPr>
-        </p:nvSpPr>
-        <p:spPr/>
-        <p:txBody>
-          <a:bodyPr/>
-          <a:lstStyle/>
-          <a:p>
-            <a:r>
-              <a:rPr lang="en-US" noProof="1"/>
-              <a:t>SoftUni</a:t>
-            </a:r>
-            <a:r>
-              <a:rPr lang="en-US" dirty="0"/>
-              <a:t> Team</a:t>
-            </a:r>
-          </a:p>
-        </p:txBody>
-      </p:sp>
-      <p:sp>
-        <p:nvSpPr>
-          <p:cNvPr id="12" name="Text Placeholder 11"/>
-          <p:cNvSpPr>
-            <a:spLocks noGrp="1"/>
-          </p:cNvSpPr>
-          <p:nvPr>
-            <p:ph type="body" sz="quarter" idx="20"/>
-          </p:nvPr>
-        </p:nvSpPr>
+      <p:pic>
+        <p:nvPicPr>
+          <p:cNvPr id="8" name="Picture 7">
+            <a:extLst>
+              <a:ext uri="{FF2B5EF4-FFF2-40B4-BE49-F238E27FC236}">
+                <a16:creationId xmlns:a16="http://schemas.microsoft.com/office/drawing/2014/main" id="{75312D09-226E-6C55-27BB-461591B94F24}"/>
+              </a:ext>
+            </a:extLst>
+          </p:cNvPr>
+          <p:cNvPicPr>
+            <a:picLocks noChangeAspect="1"/>
+          </p:cNvPicPr>
+          <p:nvPr/>
+        </p:nvPicPr>
+        <p:blipFill>
+          <a:blip r:embed="rId4">
+            <a:extLst>
+              <a:ext uri="{28A0092B-C50C-407E-A947-70E740481C1C}">
+                <a14:useLocalDpi xmlns:a14="http://schemas.microsoft.com/office/drawing/2010/main" val="0"/>
+              </a:ext>
+            </a:extLst>
+          </a:blip>
+          <a:srcRect/>
+          <a:stretch/>
+        </p:blipFill>
         <p:spPr>
           <a:xfrm>
-            <a:off x="554525" y="5335991"/>
-            <a:ext cx="2979920" cy="460061"/>
+            <a:off x="449311" y="3018487"/>
+            <a:ext cx="1956689" cy="912839"/>
           </a:xfrm>
+          <a:prstGeom prst="rect">
+            <a:avLst/>
+          </a:prstGeom>
         </p:spPr>
-        <p:txBody>
-          <a:bodyPr/>
-          <a:lstStyle/>
-          <a:p>
-            <a:r>
-              <a:rPr lang="en-US" dirty="0"/>
-              <a:t>Technical Trainers</a:t>
-            </a:r>
-          </a:p>
-        </p:txBody>
-      </p:sp>
+      </p:pic>
       <p:pic>
         <p:nvPicPr>
-          <p:cNvPr id="1026" name="Picture 2" descr="https://miro.medium.com/max/1610/1*xy6Cj3xMWUM7_9u5GPrIUg.png"/>
+          <p:cNvPr id="2" name="Picture 2" descr="https://miro.medium.com/max/1610/1*xy6Cj3xMWUM7_9u5GPrIUg.png">
+            <a:extLst>
+              <a:ext uri="{FF2B5EF4-FFF2-40B4-BE49-F238E27FC236}">
+                <a16:creationId xmlns:a16="http://schemas.microsoft.com/office/drawing/2014/main" id="{54CFC440-3D28-4975-34EA-BAA347B81E20}"/>
+              </a:ext>
+            </a:extLst>
+          </p:cNvPr>
           <p:cNvPicPr>
             <a:picLocks noChangeAspect="1" noChangeArrowheads="1"/>
           </p:cNvPicPr>
           <p:nvPr/>
         </p:nvPicPr>
         <p:blipFill>
-          <a:blip r:embed="rId4">
+          <a:blip r:embed="rId5">
             <a:extLst>
               <a:ext uri="{28A0092B-C50C-407E-A947-70E740481C1C}">
                 <a14:useLocalDpi xmlns:a14="http://schemas.microsoft.com/office/drawing/2010/main" val="0"/>
@@ -8751,8 +7456,8 @@
         </p:blipFill>
         <p:spPr bwMode="auto">
           <a:xfrm>
-            <a:off x="3599416" y="1949235"/>
-            <a:ext cx="4993166" cy="3144765"/>
+            <a:off x="7851000" y="2728537"/>
+            <a:ext cx="3787382" cy="2385346"/>
           </a:xfrm>
           <a:prstGeom prst="rect">
             <a:avLst/>
@@ -8772,7 +7477,7 @@
     </p:spTree>
     <p:extLst>
       <p:ext uri="{BB962C8B-B14F-4D97-AF65-F5344CB8AC3E}">
-        <p14:creationId xmlns:p14="http://schemas.microsoft.com/office/powerpoint/2010/main" val="1530245068"/>
+        <p14:creationId xmlns:p14="http://schemas.microsoft.com/office/powerpoint/2010/main" val="2637781195"/>
       </p:ext>
     </p:extLst>
   </p:cSld>
@@ -8781,10 +7486,10 @@
   </p:clrMapOvr>
   <mc:AlternateContent xmlns:mc="http://schemas.openxmlformats.org/markup-compatibility/2006" xmlns:p14="http://schemas.microsoft.com/office/powerpoint/2010/main">
     <mc:Choice Requires="p14">
-      <p:transition spd="slow" p14:dur="2000" advClick="0" advTm="5000"/>
+      <p:transition p14:dur="0" advClick="0" advTm="5000"/>
     </mc:Choice>
     <mc:Fallback xmlns="">
-      <p:transition spd="slow" advClick="0" advTm="5000"/>
+      <p:transition advClick="0" advTm="5000"/>
     </mc:Fallback>
   </mc:AlternateContent>
 </p:sld>
@@ -10028,10 +8733,10 @@
       </p:sp>
       <p:sp>
         <p:nvSpPr>
-          <p:cNvPr id="10" name="Slide Number">
+          <p:cNvPr id="2" name="Slide Number">
             <a:extLst>
               <a:ext uri="{FF2B5EF4-FFF2-40B4-BE49-F238E27FC236}">
-                <a16:creationId xmlns:a16="http://schemas.microsoft.com/office/drawing/2014/main" id="{131A147F-47FA-4E0B-BA36-5EF9397B258A}"/>
+                <a16:creationId xmlns:a16="http://schemas.microsoft.com/office/drawing/2014/main" id="{47C63F79-B962-3BB2-43E1-83C828FFF118}"/>
               </a:ext>
             </a:extLst>
           </p:cNvPr>
@@ -10071,7 +8776,7 @@
     </p:spTree>
     <p:extLst>
       <p:ext uri="{BB962C8B-B14F-4D97-AF65-F5344CB8AC3E}">
-        <p14:creationId xmlns:p14="http://schemas.microsoft.com/office/powerpoint/2010/main" val="2553137951"/>
+        <p14:creationId xmlns:p14="http://schemas.microsoft.com/office/powerpoint/2010/main" val="1098390408"/>
       </p:ext>
     </p:extLst>
   </p:cSld>
@@ -11154,10 +9859,10 @@
       </p:sp>
       <p:sp>
         <p:nvSpPr>
-          <p:cNvPr id="19" name="Slide Number">
+          <p:cNvPr id="2" name="Slide Number">
             <a:extLst>
               <a:ext uri="{FF2B5EF4-FFF2-40B4-BE49-F238E27FC236}">
-                <a16:creationId xmlns:a16="http://schemas.microsoft.com/office/drawing/2014/main" id="{A8B02218-AD89-434A-BFC8-F53101A39324}"/>
+                <a16:creationId xmlns:a16="http://schemas.microsoft.com/office/drawing/2014/main" id="{AA8CFEAD-4412-9254-3055-773CAEFF5CBC}"/>
               </a:ext>
             </a:extLst>
           </p:cNvPr>
@@ -11197,7 +9902,7 @@
     </p:spTree>
     <p:extLst>
       <p:ext uri="{BB962C8B-B14F-4D97-AF65-F5344CB8AC3E}">
-        <p14:creationId xmlns:p14="http://schemas.microsoft.com/office/powerpoint/2010/main" val="2813035546"/>
+        <p14:creationId xmlns:p14="http://schemas.microsoft.com/office/powerpoint/2010/main" val="711289565"/>
       </p:ext>
     </p:extLst>
   </p:cSld>
@@ -12232,10 +10937,10 @@
       </p:sp>
       <p:sp>
         <p:nvSpPr>
-          <p:cNvPr id="8" name="Slide Number">
+          <p:cNvPr id="2" name="Slide Number">
             <a:extLst>
               <a:ext uri="{FF2B5EF4-FFF2-40B4-BE49-F238E27FC236}">
-                <a16:creationId xmlns:a16="http://schemas.microsoft.com/office/drawing/2014/main" id="{77D58A64-9AAA-471A-A987-5BFBADE440CB}"/>
+                <a16:creationId xmlns:a16="http://schemas.microsoft.com/office/drawing/2014/main" id="{AA603B78-C5DB-337B-D62F-A2FED266ECD0}"/>
               </a:ext>
             </a:extLst>
           </p:cNvPr>
@@ -12275,7 +10980,7 @@
     </p:spTree>
     <p:extLst>
       <p:ext uri="{BB962C8B-B14F-4D97-AF65-F5344CB8AC3E}">
-        <p14:creationId xmlns:p14="http://schemas.microsoft.com/office/powerpoint/2010/main" val="4068723086"/>
+        <p14:creationId xmlns:p14="http://schemas.microsoft.com/office/powerpoint/2010/main" val="3171550845"/>
       </p:ext>
     </p:extLst>
   </p:cSld>
@@ -13062,10 +11767,57 @@
       </p:sp>
       <p:sp>
         <p:nvSpPr>
-          <p:cNvPr id="5" name="Slide Number">
+          <p:cNvPr id="7" name="TextBox 6">
             <a:extLst>
               <a:ext uri="{FF2B5EF4-FFF2-40B4-BE49-F238E27FC236}">
-                <a16:creationId xmlns:a16="http://schemas.microsoft.com/office/drawing/2014/main" id="{A204CF3E-6B26-4024-9995-1391C792CDE2}"/>
+                <a16:creationId xmlns:a16="http://schemas.microsoft.com/office/drawing/2014/main" id="{A8D0D2E3-652B-4590-A1B2-3D94CDEA3984}"/>
+              </a:ext>
+            </a:extLst>
+          </p:cNvPr>
+          <p:cNvSpPr txBox="1"/>
+          <p:nvPr/>
+        </p:nvSpPr>
+        <p:spPr>
+          <a:xfrm>
+            <a:off x="3176" y="6323846"/>
+            <a:ext cx="12111057" cy="369332"/>
+          </a:xfrm>
+          <a:prstGeom prst="rect">
+            <a:avLst/>
+          </a:prstGeom>
+          <a:noFill/>
+        </p:spPr>
+        <p:txBody>
+          <a:bodyPr wrap="square" rtlCol="0">
+            <a:spAutoFit/>
+          </a:bodyPr>
+          <a:lstStyle/>
+          <a:p>
+            <a:pPr algn="ctr"/>
+            <a:r>
+              <a:rPr lang="bg-BG" sz="1799" dirty="0"/>
+              <a:t>Проверете решението си тук </a:t>
+            </a:r>
+            <a:r>
+              <a:rPr lang="en-US" sz="1799" dirty="0"/>
+              <a:t>: </a:t>
+            </a:r>
+            <a:r>
+              <a:rPr lang="en-US" u="sng" dirty="0">
+                <a:hlinkClick r:id="rId2"/>
+              </a:rPr>
+              <a:t>https://judge.softuni.bg/Contests/Practice/Index/3168#4</a:t>
+            </a:r>
+            <a:endParaRPr lang="en-US" dirty="0"/>
+          </a:p>
+        </p:txBody>
+      </p:sp>
+      <p:sp>
+        <p:nvSpPr>
+          <p:cNvPr id="2" name="Slide Number">
+            <a:extLst>
+              <a:ext uri="{FF2B5EF4-FFF2-40B4-BE49-F238E27FC236}">
+                <a16:creationId xmlns:a16="http://schemas.microsoft.com/office/drawing/2014/main" id="{C5B0716D-3E3C-B672-5521-F336DD5DF5FA}"/>
               </a:ext>
             </a:extLst>
           </p:cNvPr>
@@ -13102,57 +11854,10 @@
           </a:p>
         </p:txBody>
       </p:sp>
-      <p:sp>
-        <p:nvSpPr>
-          <p:cNvPr id="7" name="TextBox 6">
-            <a:extLst>
-              <a:ext uri="{FF2B5EF4-FFF2-40B4-BE49-F238E27FC236}">
-                <a16:creationId xmlns:a16="http://schemas.microsoft.com/office/drawing/2014/main" id="{A8D0D2E3-652B-4590-A1B2-3D94CDEA3984}"/>
-              </a:ext>
-            </a:extLst>
-          </p:cNvPr>
-          <p:cNvSpPr txBox="1"/>
-          <p:nvPr/>
-        </p:nvSpPr>
-        <p:spPr>
-          <a:xfrm>
-            <a:off x="3176" y="6323846"/>
-            <a:ext cx="12111057" cy="369332"/>
-          </a:xfrm>
-          <a:prstGeom prst="rect">
-            <a:avLst/>
-          </a:prstGeom>
-          <a:noFill/>
-        </p:spPr>
-        <p:txBody>
-          <a:bodyPr wrap="square" rtlCol="0">
-            <a:spAutoFit/>
-          </a:bodyPr>
-          <a:lstStyle/>
-          <a:p>
-            <a:pPr algn="ctr"/>
-            <a:r>
-              <a:rPr lang="bg-BG" sz="1799" dirty="0"/>
-              <a:t>Проверете решението си тук </a:t>
-            </a:r>
-            <a:r>
-              <a:rPr lang="en-US" sz="1799" dirty="0"/>
-              <a:t>: </a:t>
-            </a:r>
-            <a:r>
-              <a:rPr lang="en-US" u="sng" dirty="0">
-                <a:hlinkClick r:id="rId2"/>
-              </a:rPr>
-              <a:t>https://judge.softuni.bg/Contests/Practice/Index/3168#4</a:t>
-            </a:r>
-            <a:endParaRPr lang="en-US" dirty="0"/>
-          </a:p>
-        </p:txBody>
-      </p:sp>
     </p:spTree>
     <p:extLst>
       <p:ext uri="{BB962C8B-B14F-4D97-AF65-F5344CB8AC3E}">
-        <p14:creationId xmlns:p14="http://schemas.microsoft.com/office/powerpoint/2010/main" val="3092615156"/>
+        <p14:creationId xmlns:p14="http://schemas.microsoft.com/office/powerpoint/2010/main" val="1299168724"/>
       </p:ext>
     </p:extLst>
   </p:cSld>
@@ -13444,29 +12149,6 @@
           <a:chExt cx="0" cy="0"/>
         </a:xfrm>
       </p:grpSpPr>
-      <p:sp>
-        <p:nvSpPr>
-          <p:cNvPr id="2" name="Title 1"/>
-          <p:cNvSpPr>
-            <a:spLocks noGrp="1"/>
-          </p:cNvSpPr>
-          <p:nvPr>
-            <p:ph type="title" sz="quarter" idx="10"/>
-          </p:nvPr>
-        </p:nvSpPr>
-        <p:spPr/>
-        <p:txBody>
-          <a:bodyPr/>
-          <a:lstStyle/>
-          <a:p>
-            <a:r>
-              <a:rPr lang="bg-BG" dirty="0"/>
-              <a:t>Предефинирани булеви делегати</a:t>
-            </a:r>
-            <a:endParaRPr lang="en-US" dirty="0"/>
-          </a:p>
-        </p:txBody>
-      </p:sp>
       <p:pic>
         <p:nvPicPr>
           <p:cNvPr id="2052" name="Picture 4" descr="https://i.pinimg.com/originals/43/39/8f/43398f8d695b3e8c72a0ec68a93bcad5.jpg"/>
@@ -13521,10 +12203,38 @@
           </a:extLst>
         </p:spPr>
       </p:pic>
+      <p:sp>
+        <p:nvSpPr>
+          <p:cNvPr id="4" name="Заглавие 3">
+            <a:extLst>
+              <a:ext uri="{FF2B5EF4-FFF2-40B4-BE49-F238E27FC236}">
+                <a16:creationId xmlns:a16="http://schemas.microsoft.com/office/drawing/2014/main" id="{D288484F-5D7A-2140-9BD9-874845CD90C4}"/>
+              </a:ext>
+            </a:extLst>
+          </p:cNvPr>
+          <p:cNvSpPr>
+            <a:spLocks noGrp="1"/>
+          </p:cNvSpPr>
+          <p:nvPr>
+            <p:ph type="title" sz="quarter" idx="10"/>
+          </p:nvPr>
+        </p:nvSpPr>
+        <p:spPr/>
+        <p:txBody>
+          <a:bodyPr/>
+          <a:lstStyle/>
+          <a:p>
+            <a:r>
+              <a:rPr lang="bg-BG"/>
+              <a:t>Предефинирани булеви делегати</a:t>
+            </a:r>
+          </a:p>
+        </p:txBody>
+      </p:sp>
     </p:spTree>
     <p:extLst>
       <p:ext uri="{BB962C8B-B14F-4D97-AF65-F5344CB8AC3E}">
-        <p14:creationId xmlns:p14="http://schemas.microsoft.com/office/powerpoint/2010/main" val="2863261869"/>
+        <p14:creationId xmlns:p14="http://schemas.microsoft.com/office/powerpoint/2010/main" val="3106837401"/>
       </p:ext>
     </p:extLst>
   </p:cSld>
@@ -14029,10 +12739,10 @@
       </p:sp>
       <p:sp>
         <p:nvSpPr>
-          <p:cNvPr id="7" name="Slide Number">
+          <p:cNvPr id="3" name="Slide Number">
             <a:extLst>
               <a:ext uri="{FF2B5EF4-FFF2-40B4-BE49-F238E27FC236}">
-                <a16:creationId xmlns:a16="http://schemas.microsoft.com/office/drawing/2014/main" id="{1093019E-1C0F-4C43-BF04-907FA6639809}"/>
+                <a16:creationId xmlns:a16="http://schemas.microsoft.com/office/drawing/2014/main" id="{2607A3FC-BD74-D9D6-B8BA-068B40835E57}"/>
               </a:ext>
             </a:extLst>
           </p:cNvPr>
@@ -14072,7 +12782,7 @@
     </p:spTree>
     <p:extLst>
       <p:ext uri="{BB962C8B-B14F-4D97-AF65-F5344CB8AC3E}">
-        <p14:creationId xmlns:p14="http://schemas.microsoft.com/office/powerpoint/2010/main" val="2623047068"/>
+        <p14:creationId xmlns:p14="http://schemas.microsoft.com/office/powerpoint/2010/main" val="3381343715"/>
       </p:ext>
     </p:extLst>
   </p:cSld>
@@ -15025,10 +13735,10 @@
       </p:sp>
       <p:sp>
         <p:nvSpPr>
-          <p:cNvPr id="5" name="Slide Number">
+          <p:cNvPr id="3" name="Slide Number">
             <a:extLst>
               <a:ext uri="{FF2B5EF4-FFF2-40B4-BE49-F238E27FC236}">
-                <a16:creationId xmlns:a16="http://schemas.microsoft.com/office/drawing/2014/main" id="{388B2FF8-3209-454E-A9DB-6DAF6CF599F7}"/>
+                <a16:creationId xmlns:a16="http://schemas.microsoft.com/office/drawing/2014/main" id="{54366F3F-2091-5D1E-5A5B-C1EFBA2773D4}"/>
               </a:ext>
             </a:extLst>
           </p:cNvPr>
@@ -15068,7 +13778,7 @@
     </p:spTree>
     <p:extLst>
       <p:ext uri="{BB962C8B-B14F-4D97-AF65-F5344CB8AC3E}">
-        <p14:creationId xmlns:p14="http://schemas.microsoft.com/office/powerpoint/2010/main" val="4152228726"/>
+        <p14:creationId xmlns:p14="http://schemas.microsoft.com/office/powerpoint/2010/main" val="2436045800"/>
       </p:ext>
     </p:extLst>
   </p:cSld>
@@ -15103,76 +13813,6 @@
           <a:chExt cx="0" cy="0"/>
         </a:xfrm>
       </p:grpSpPr>
-      <p:sp>
-        <p:nvSpPr>
-          <p:cNvPr id="3" name="Subtitle 2">
-            <a:extLst>
-              <a:ext uri="{FF2B5EF4-FFF2-40B4-BE49-F238E27FC236}">
-                <a16:creationId xmlns:a16="http://schemas.microsoft.com/office/drawing/2014/main" id="{49EAAF9A-15D2-FCD4-9177-6902536B2D2B}"/>
-              </a:ext>
-            </a:extLst>
-          </p:cNvPr>
-          <p:cNvSpPr>
-            <a:spLocks noGrp="1"/>
-          </p:cNvSpPr>
-          <p:nvPr>
-            <p:ph type="subTitle" sz="quarter" idx="11"/>
-          </p:nvPr>
-        </p:nvSpPr>
-        <p:spPr/>
-        <p:txBody>
-          <a:bodyPr/>
-          <a:lstStyle/>
-          <a:p>
-            <a:r>
-              <a:rPr lang="bg-BG" dirty="0"/>
-              <a:t>Хващане и обработка на събития в </a:t>
-            </a:r>
-            <a:r>
-              <a:rPr lang="en-US" dirty="0"/>
-              <a:t>C#</a:t>
-            </a:r>
-          </a:p>
-        </p:txBody>
-      </p:sp>
-      <p:sp>
-        <p:nvSpPr>
-          <p:cNvPr id="5" name="Title 4"/>
-          <p:cNvSpPr>
-            <a:spLocks noGrp="1"/>
-          </p:cNvSpPr>
-          <p:nvPr>
-            <p:ph type="title" sz="quarter" idx="10"/>
-          </p:nvPr>
-        </p:nvSpPr>
-        <p:spPr/>
-        <p:txBody>
-          <a:bodyPr/>
-          <a:lstStyle/>
-          <a:p>
-            <a:r>
-              <a:rPr lang="bg-BG" dirty="0"/>
-              <a:t>Събития (</a:t>
-            </a:r>
-            <a:r>
-              <a:rPr lang="en-US" dirty="0"/>
-              <a:t>Events)</a:t>
-            </a:r>
-            <a:r>
-              <a:rPr lang="bg-BG" dirty="0"/>
-              <a:t> и </a:t>
-            </a:r>
-            <a:r>
-              <a:rPr lang="en-US" dirty="0" err="1"/>
-              <a:t>EventHandler</a:t>
-            </a:r>
-            <a:r>
-              <a:rPr lang="en-US" dirty="0"/>
-              <a:t> </a:t>
-            </a:r>
-          </a:p>
-        </p:txBody>
-      </p:sp>
       <p:pic>
         <p:nvPicPr>
           <p:cNvPr id="7" name="Picture 2" descr="https://miro.medium.com/max/1610/1*xy6Cj3xMWUM7_9u5GPrIUg.png"/>
@@ -15214,10 +13854,80 @@
           </a:extLst>
         </p:spPr>
       </p:pic>
+      <p:sp>
+        <p:nvSpPr>
+          <p:cNvPr id="4" name="Подзаглавие 3">
+            <a:extLst>
+              <a:ext uri="{FF2B5EF4-FFF2-40B4-BE49-F238E27FC236}">
+                <a16:creationId xmlns:a16="http://schemas.microsoft.com/office/drawing/2014/main" id="{2E70003F-BE97-6AB5-4D20-5A36A752B565}"/>
+              </a:ext>
+            </a:extLst>
+          </p:cNvPr>
+          <p:cNvSpPr>
+            <a:spLocks noGrp="1"/>
+          </p:cNvSpPr>
+          <p:nvPr>
+            <p:ph type="subTitle" sz="quarter" idx="11"/>
+          </p:nvPr>
+        </p:nvSpPr>
+        <p:spPr/>
+        <p:txBody>
+          <a:bodyPr/>
+          <a:lstStyle/>
+          <a:p>
+            <a:r>
+              <a:rPr lang="bg-BG"/>
+              <a:t>Събития (</a:t>
+            </a:r>
+            <a:r>
+              <a:rPr lang="en-US"/>
+              <a:t>Events) </a:t>
+            </a:r>
+            <a:r>
+              <a:rPr lang="bg-BG"/>
+              <a:t>и </a:t>
+            </a:r>
+            <a:r>
+              <a:rPr lang="en-US"/>
+              <a:t>EventHandler </a:t>
+            </a:r>
+            <a:endParaRPr lang="bg-BG"/>
+          </a:p>
+        </p:txBody>
+      </p:sp>
+      <p:sp>
+        <p:nvSpPr>
+          <p:cNvPr id="8" name="Заглавие 7">
+            <a:extLst>
+              <a:ext uri="{FF2B5EF4-FFF2-40B4-BE49-F238E27FC236}">
+                <a16:creationId xmlns:a16="http://schemas.microsoft.com/office/drawing/2014/main" id="{ADA0AABE-E29D-B814-B503-58ACFE1B122A}"/>
+              </a:ext>
+            </a:extLst>
+          </p:cNvPr>
+          <p:cNvSpPr>
+            <a:spLocks noGrp="1"/>
+          </p:cNvSpPr>
+          <p:nvPr>
+            <p:ph type="title" sz="quarter" idx="10"/>
+          </p:nvPr>
+        </p:nvSpPr>
+        <p:spPr/>
+        <p:txBody>
+          <a:bodyPr/>
+          <a:lstStyle/>
+          <a:p>
+            <a:r>
+              <a:rPr lang="ru-RU" sz="5000" dirty="0"/>
+              <a:t>Хващане и обработка на събития в C#</a:t>
+            </a:r>
+            <a:endParaRPr lang="bg-BG" sz="5000" dirty="0"/>
+          </a:p>
+        </p:txBody>
+      </p:sp>
     </p:spTree>
     <p:extLst>
       <p:ext uri="{BB962C8B-B14F-4D97-AF65-F5344CB8AC3E}">
-        <p14:creationId xmlns:p14="http://schemas.microsoft.com/office/powerpoint/2010/main" val="2248014682"/>
+        <p14:creationId xmlns:p14="http://schemas.microsoft.com/office/powerpoint/2010/main" val="2431104722"/>
       </p:ext>
     </p:extLst>
   </p:cSld>
@@ -15691,10 +14401,10 @@
       </p:pic>
       <p:sp>
         <p:nvSpPr>
-          <p:cNvPr id="9" name="Slide Number">
+          <p:cNvPr id="2" name="Slide Number">
             <a:extLst>
               <a:ext uri="{FF2B5EF4-FFF2-40B4-BE49-F238E27FC236}">
-                <a16:creationId xmlns:a16="http://schemas.microsoft.com/office/drawing/2014/main" id="{77B393BD-0098-425E-90C7-CF042E5AB091}"/>
+                <a16:creationId xmlns:a16="http://schemas.microsoft.com/office/drawing/2014/main" id="{60754AEB-B1C3-47C6-5089-C45762C28BF8}"/>
               </a:ext>
             </a:extLst>
           </p:cNvPr>
@@ -15734,7 +14444,7 @@
     </p:spTree>
     <p:extLst>
       <p:ext uri="{BB962C8B-B14F-4D97-AF65-F5344CB8AC3E}">
-        <p14:creationId xmlns:p14="http://schemas.microsoft.com/office/powerpoint/2010/main" val="1411737769"/>
+        <p14:creationId xmlns:p14="http://schemas.microsoft.com/office/powerpoint/2010/main" val="3616356240"/>
       </p:ext>
     </p:extLst>
   </p:cSld>
@@ -16207,48 +14917,6 @@
       </p:sp>
       <p:sp>
         <p:nvSpPr>
-          <p:cNvPr id="5" name="Slide Number">
-            <a:extLst>
-              <a:ext uri="{FF2B5EF4-FFF2-40B4-BE49-F238E27FC236}">
-                <a16:creationId xmlns:a16="http://schemas.microsoft.com/office/drawing/2014/main" id="{0ACFC572-EFDC-4498-97FA-6DF1DA3D5FC0}"/>
-              </a:ext>
-            </a:extLst>
-          </p:cNvPr>
-          <p:cNvSpPr>
-            <a:spLocks noGrp="1"/>
-          </p:cNvSpPr>
-          <p:nvPr>
-            <p:ph type="sldNum" sz="quarter" idx="5"/>
-          </p:nvPr>
-        </p:nvSpPr>
-        <p:spPr>
-          <a:xfrm>
-            <a:off x="11753030" y="6507000"/>
-            <a:ext cx="367414" cy="297000"/>
-          </a:xfrm>
-          <a:prstGeom prst="rect">
-            <a:avLst/>
-          </a:prstGeom>
-        </p:spPr>
-        <p:txBody>
-          <a:bodyPr vert="horz" lIns="91440" tIns="45720" rIns="91440" bIns="45720" rtlCol="0" anchor="b"/>
-          <a:lstStyle>
-            <a:lvl1pPr algn="r">
-              <a:defRPr sz="1000"/>
-            </a:lvl1pPr>
-          </a:lstStyle>
-          <a:p>
-            <a:fld id="{2BF067CD-8E6B-4360-9AA8-C5DF2A48A6D1}" type="slidenum">
-              <a:rPr lang="en-US" noProof="0" smtClean="0"/>
-              <a:pPr/>
-              <a:t>19</a:t>
-            </a:fld>
-            <a:endParaRPr lang="en-US" noProof="0" dirty="0"/>
-          </a:p>
-        </p:txBody>
-      </p:sp>
-      <p:sp>
-        <p:nvSpPr>
           <p:cNvPr id="6" name="TextBox 5">
             <a:extLst>
               <a:ext uri="{FF2B5EF4-FFF2-40B4-BE49-F238E27FC236}">
@@ -16434,10 +15102,52 @@
           </a:p>
         </p:txBody>
       </p:sp>
+      <p:sp>
+        <p:nvSpPr>
+          <p:cNvPr id="2" name="Slide Number">
+            <a:extLst>
+              <a:ext uri="{FF2B5EF4-FFF2-40B4-BE49-F238E27FC236}">
+                <a16:creationId xmlns:a16="http://schemas.microsoft.com/office/drawing/2014/main" id="{D2BF926C-26DB-17A7-5EF7-EA59F604BEB4}"/>
+              </a:ext>
+            </a:extLst>
+          </p:cNvPr>
+          <p:cNvSpPr>
+            <a:spLocks noGrp="1"/>
+          </p:cNvSpPr>
+          <p:nvPr>
+            <p:ph type="sldNum" sz="quarter" idx="5"/>
+          </p:nvPr>
+        </p:nvSpPr>
+        <p:spPr>
+          <a:xfrm>
+            <a:off x="11753030" y="6507000"/>
+            <a:ext cx="367414" cy="297000"/>
+          </a:xfrm>
+          <a:prstGeom prst="rect">
+            <a:avLst/>
+          </a:prstGeom>
+        </p:spPr>
+        <p:txBody>
+          <a:bodyPr vert="horz" lIns="91440" tIns="45720" rIns="91440" bIns="45720" rtlCol="0" anchor="b"/>
+          <a:lstStyle>
+            <a:lvl1pPr algn="r">
+              <a:defRPr sz="1000"/>
+            </a:lvl1pPr>
+          </a:lstStyle>
+          <a:p>
+            <a:fld id="{2BF067CD-8E6B-4360-9AA8-C5DF2A48A6D1}" type="slidenum">
+              <a:rPr lang="en-US" noProof="0" smtClean="0"/>
+              <a:pPr/>
+              <a:t>19</a:t>
+            </a:fld>
+            <a:endParaRPr lang="en-US" noProof="0" dirty="0"/>
+          </a:p>
+        </p:txBody>
+      </p:sp>
     </p:spTree>
     <p:extLst>
       <p:ext uri="{BB962C8B-B14F-4D97-AF65-F5344CB8AC3E}">
-        <p14:creationId xmlns:p14="http://schemas.microsoft.com/office/powerpoint/2010/main" val="978878266"/>
+        <p14:creationId xmlns:p14="http://schemas.microsoft.com/office/powerpoint/2010/main" val="943569671"/>
       </p:ext>
     </p:extLst>
   </p:cSld>
@@ -16625,6 +15335,14 @@
               <a:rPr lang="bg-BG" sz="3400" dirty="0"/>
               <a:t>Делегати</a:t>
             </a:r>
+            <a:r>
+              <a:rPr lang="en-US" sz="3400" dirty="0"/>
+              <a:t> – </a:t>
+            </a:r>
+            <a:r>
+              <a:rPr lang="bg-BG" sz="3400" dirty="0"/>
+              <a:t>преговор и задачи</a:t>
+            </a:r>
             <a:endParaRPr lang="en-US" sz="3400" dirty="0"/>
           </a:p>
           <a:p>
@@ -16670,136 +15388,6 @@
               <a:rPr lang="bg-BG" dirty="0"/>
               <a:t>Съдържание</a:t>
             </a:r>
-          </a:p>
-        </p:txBody>
-      </p:sp>
-      <p:sp>
-        <p:nvSpPr>
-          <p:cNvPr id="6" name="Slide Number">
-            <a:extLst>
-              <a:ext uri="{FF2B5EF4-FFF2-40B4-BE49-F238E27FC236}">
-                <a16:creationId xmlns:a16="http://schemas.microsoft.com/office/drawing/2014/main" id="{779C2492-9BCC-4653-9B46-ECB9572981C5}"/>
-              </a:ext>
-            </a:extLst>
-          </p:cNvPr>
-          <p:cNvSpPr txBox="1">
-            <a:spLocks/>
-          </p:cNvSpPr>
-          <p:nvPr/>
-        </p:nvSpPr>
-        <p:spPr>
-          <a:xfrm>
-            <a:off x="11753030" y="6507000"/>
-            <a:ext cx="367414" cy="297000"/>
-          </a:xfrm>
-          <a:prstGeom prst="rect">
-            <a:avLst/>
-          </a:prstGeom>
-        </p:spPr>
-        <p:txBody>
-          <a:bodyPr vert="horz" lIns="91440" tIns="45720" rIns="91440" bIns="45720" rtlCol="0" anchor="b"/>
-          <a:lstStyle>
-            <a:defPPr>
-              <a:defRPr lang="en-US"/>
-            </a:defPPr>
-            <a:lvl1pPr marL="0" algn="r" defTabSz="914400" rtl="0" eaLnBrk="1" latinLnBrk="0" hangingPunct="1">
-              <a:defRPr sz="1000" kern="1200">
-                <a:solidFill>
-                  <a:schemeClr val="tx1"/>
-                </a:solidFill>
-                <a:latin typeface="+mn-lt"/>
-                <a:ea typeface="+mn-ea"/>
-                <a:cs typeface="+mn-cs"/>
-              </a:defRPr>
-            </a:lvl1pPr>
-            <a:lvl2pPr marL="457200" algn="l" defTabSz="914400" rtl="0" eaLnBrk="1" latinLnBrk="0" hangingPunct="1">
-              <a:defRPr sz="1800" kern="1200">
-                <a:solidFill>
-                  <a:schemeClr val="tx1"/>
-                </a:solidFill>
-                <a:latin typeface="+mn-lt"/>
-                <a:ea typeface="+mn-ea"/>
-                <a:cs typeface="+mn-cs"/>
-              </a:defRPr>
-            </a:lvl2pPr>
-            <a:lvl3pPr marL="914400" algn="l" defTabSz="914400" rtl="0" eaLnBrk="1" latinLnBrk="0" hangingPunct="1">
-              <a:defRPr sz="1800" kern="1200">
-                <a:solidFill>
-                  <a:schemeClr val="tx1"/>
-                </a:solidFill>
-                <a:latin typeface="+mn-lt"/>
-                <a:ea typeface="+mn-ea"/>
-                <a:cs typeface="+mn-cs"/>
-              </a:defRPr>
-            </a:lvl3pPr>
-            <a:lvl4pPr marL="1371600" algn="l" defTabSz="914400" rtl="0" eaLnBrk="1" latinLnBrk="0" hangingPunct="1">
-              <a:defRPr sz="1800" kern="1200">
-                <a:solidFill>
-                  <a:schemeClr val="tx1"/>
-                </a:solidFill>
-                <a:latin typeface="+mn-lt"/>
-                <a:ea typeface="+mn-ea"/>
-                <a:cs typeface="+mn-cs"/>
-              </a:defRPr>
-            </a:lvl4pPr>
-            <a:lvl5pPr marL="1828800" algn="l" defTabSz="914400" rtl="0" eaLnBrk="1" latinLnBrk="0" hangingPunct="1">
-              <a:defRPr sz="1800" kern="1200">
-                <a:solidFill>
-                  <a:schemeClr val="tx1"/>
-                </a:solidFill>
-                <a:latin typeface="+mn-lt"/>
-                <a:ea typeface="+mn-ea"/>
-                <a:cs typeface="+mn-cs"/>
-              </a:defRPr>
-            </a:lvl5pPr>
-            <a:lvl6pPr marL="2286000" algn="l" defTabSz="914400" rtl="0" eaLnBrk="1" latinLnBrk="0" hangingPunct="1">
-              <a:defRPr sz="1800" kern="1200">
-                <a:solidFill>
-                  <a:schemeClr val="tx1"/>
-                </a:solidFill>
-                <a:latin typeface="+mn-lt"/>
-                <a:ea typeface="+mn-ea"/>
-                <a:cs typeface="+mn-cs"/>
-              </a:defRPr>
-            </a:lvl6pPr>
-            <a:lvl7pPr marL="2743200" algn="l" defTabSz="914400" rtl="0" eaLnBrk="1" latinLnBrk="0" hangingPunct="1">
-              <a:defRPr sz="1800" kern="1200">
-                <a:solidFill>
-                  <a:schemeClr val="tx1"/>
-                </a:solidFill>
-                <a:latin typeface="+mn-lt"/>
-                <a:ea typeface="+mn-ea"/>
-                <a:cs typeface="+mn-cs"/>
-              </a:defRPr>
-            </a:lvl7pPr>
-            <a:lvl8pPr marL="3200400" algn="l" defTabSz="914400" rtl="0" eaLnBrk="1" latinLnBrk="0" hangingPunct="1">
-              <a:defRPr sz="1800" kern="1200">
-                <a:solidFill>
-                  <a:schemeClr val="tx1"/>
-                </a:solidFill>
-                <a:latin typeface="+mn-lt"/>
-                <a:ea typeface="+mn-ea"/>
-                <a:cs typeface="+mn-cs"/>
-              </a:defRPr>
-            </a:lvl8pPr>
-            <a:lvl9pPr marL="3657600" algn="l" defTabSz="914400" rtl="0" eaLnBrk="1" latinLnBrk="0" hangingPunct="1">
-              <a:defRPr sz="1800" kern="1200">
-                <a:solidFill>
-                  <a:schemeClr val="tx1"/>
-                </a:solidFill>
-                <a:latin typeface="+mn-lt"/>
-                <a:ea typeface="+mn-ea"/>
-                <a:cs typeface="+mn-cs"/>
-              </a:defRPr>
-            </a:lvl9pPr>
-          </a:lstStyle>
-          <a:p>
-            <a:fld id="{2BF067CD-8E6B-4360-9AA8-C5DF2A48A6D1}" type="slidenum">
-              <a:rPr lang="en-US" smtClean="0"/>
-              <a:pPr/>
-              <a:t>2</a:t>
-            </a:fld>
-            <a:endParaRPr lang="en-US" dirty="0"/>
           </a:p>
         </p:txBody>
       </p:sp>
@@ -16867,10 +15455,140 @@
           </a:p>
         </p:txBody>
       </p:sp>
+      <p:sp>
+        <p:nvSpPr>
+          <p:cNvPr id="3" name="Slide Number">
+            <a:extLst>
+              <a:ext uri="{FF2B5EF4-FFF2-40B4-BE49-F238E27FC236}">
+                <a16:creationId xmlns:a16="http://schemas.microsoft.com/office/drawing/2014/main" id="{7AAEEEAE-DEAC-F0E9-5637-24335DC4F620}"/>
+              </a:ext>
+            </a:extLst>
+          </p:cNvPr>
+          <p:cNvSpPr txBox="1">
+            <a:spLocks/>
+          </p:cNvSpPr>
+          <p:nvPr/>
+        </p:nvSpPr>
+        <p:spPr>
+          <a:xfrm>
+            <a:off x="11753030" y="6507000"/>
+            <a:ext cx="367414" cy="297000"/>
+          </a:xfrm>
+          <a:prstGeom prst="rect">
+            <a:avLst/>
+          </a:prstGeom>
+        </p:spPr>
+        <p:txBody>
+          <a:bodyPr vert="horz" lIns="91440" tIns="45720" rIns="91440" bIns="45720" rtlCol="0" anchor="b"/>
+          <a:lstStyle>
+            <a:defPPr>
+              <a:defRPr lang="en-US"/>
+            </a:defPPr>
+            <a:lvl1pPr marL="0" algn="r" defTabSz="914400" rtl="0" eaLnBrk="1" latinLnBrk="0" hangingPunct="1">
+              <a:defRPr sz="1000" kern="1200">
+                <a:solidFill>
+                  <a:schemeClr val="tx1"/>
+                </a:solidFill>
+                <a:latin typeface="+mn-lt"/>
+                <a:ea typeface="+mn-ea"/>
+                <a:cs typeface="+mn-cs"/>
+              </a:defRPr>
+            </a:lvl1pPr>
+            <a:lvl2pPr marL="457200" algn="l" defTabSz="914400" rtl="0" eaLnBrk="1" latinLnBrk="0" hangingPunct="1">
+              <a:defRPr sz="1800" kern="1200">
+                <a:solidFill>
+                  <a:schemeClr val="tx1"/>
+                </a:solidFill>
+                <a:latin typeface="+mn-lt"/>
+                <a:ea typeface="+mn-ea"/>
+                <a:cs typeface="+mn-cs"/>
+              </a:defRPr>
+            </a:lvl2pPr>
+            <a:lvl3pPr marL="914400" algn="l" defTabSz="914400" rtl="0" eaLnBrk="1" latinLnBrk="0" hangingPunct="1">
+              <a:defRPr sz="1800" kern="1200">
+                <a:solidFill>
+                  <a:schemeClr val="tx1"/>
+                </a:solidFill>
+                <a:latin typeface="+mn-lt"/>
+                <a:ea typeface="+mn-ea"/>
+                <a:cs typeface="+mn-cs"/>
+              </a:defRPr>
+            </a:lvl3pPr>
+            <a:lvl4pPr marL="1371600" algn="l" defTabSz="914400" rtl="0" eaLnBrk="1" latinLnBrk="0" hangingPunct="1">
+              <a:defRPr sz="1800" kern="1200">
+                <a:solidFill>
+                  <a:schemeClr val="tx1"/>
+                </a:solidFill>
+                <a:latin typeface="+mn-lt"/>
+                <a:ea typeface="+mn-ea"/>
+                <a:cs typeface="+mn-cs"/>
+              </a:defRPr>
+            </a:lvl4pPr>
+            <a:lvl5pPr marL="1828800" algn="l" defTabSz="914400" rtl="0" eaLnBrk="1" latinLnBrk="0" hangingPunct="1">
+              <a:defRPr sz="1800" kern="1200">
+                <a:solidFill>
+                  <a:schemeClr val="tx1"/>
+                </a:solidFill>
+                <a:latin typeface="+mn-lt"/>
+                <a:ea typeface="+mn-ea"/>
+                <a:cs typeface="+mn-cs"/>
+              </a:defRPr>
+            </a:lvl5pPr>
+            <a:lvl6pPr marL="2286000" algn="l" defTabSz="914400" rtl="0" eaLnBrk="1" latinLnBrk="0" hangingPunct="1">
+              <a:defRPr sz="1800" kern="1200">
+                <a:solidFill>
+                  <a:schemeClr val="tx1"/>
+                </a:solidFill>
+                <a:latin typeface="+mn-lt"/>
+                <a:ea typeface="+mn-ea"/>
+                <a:cs typeface="+mn-cs"/>
+              </a:defRPr>
+            </a:lvl6pPr>
+            <a:lvl7pPr marL="2743200" algn="l" defTabSz="914400" rtl="0" eaLnBrk="1" latinLnBrk="0" hangingPunct="1">
+              <a:defRPr sz="1800" kern="1200">
+                <a:solidFill>
+                  <a:schemeClr val="tx1"/>
+                </a:solidFill>
+                <a:latin typeface="+mn-lt"/>
+                <a:ea typeface="+mn-ea"/>
+                <a:cs typeface="+mn-cs"/>
+              </a:defRPr>
+            </a:lvl7pPr>
+            <a:lvl8pPr marL="3200400" algn="l" defTabSz="914400" rtl="0" eaLnBrk="1" latinLnBrk="0" hangingPunct="1">
+              <a:defRPr sz="1800" kern="1200">
+                <a:solidFill>
+                  <a:schemeClr val="tx1"/>
+                </a:solidFill>
+                <a:latin typeface="+mn-lt"/>
+                <a:ea typeface="+mn-ea"/>
+                <a:cs typeface="+mn-cs"/>
+              </a:defRPr>
+            </a:lvl8pPr>
+            <a:lvl9pPr marL="3657600" algn="l" defTabSz="914400" rtl="0" eaLnBrk="1" latinLnBrk="0" hangingPunct="1">
+              <a:defRPr sz="1800" kern="1200">
+                <a:solidFill>
+                  <a:schemeClr val="tx1"/>
+                </a:solidFill>
+                <a:latin typeface="+mn-lt"/>
+                <a:ea typeface="+mn-ea"/>
+                <a:cs typeface="+mn-cs"/>
+              </a:defRPr>
+            </a:lvl9pPr>
+          </a:lstStyle>
+          <a:p>
+            <a:fld id="{2BF067CD-8E6B-4360-9AA8-C5DF2A48A6D1}" type="slidenum">
+              <a:rPr lang="en-US" smtClean="0"/>
+              <a:pPr/>
+              <a:t>2</a:t>
+            </a:fld>
+            <a:endParaRPr lang="en-US" dirty="0"/>
+          </a:p>
+        </p:txBody>
+      </p:sp>
     </p:spTree>
     <p:extLst>
       <p:ext uri="{BB962C8B-B14F-4D97-AF65-F5344CB8AC3E}">
-        <p14:creationId xmlns:p14="http://schemas.microsoft.com/office/powerpoint/2010/main" val="2011769803"/>
+        <p14:creationId xmlns:p14="http://schemas.microsoft.com/office/powerpoint/2010/main" val="3075362654"/>
       </p:ext>
     </p:extLst>
   </p:cSld>
@@ -17635,48 +16353,6 @@
       </p:sp>
       <p:sp>
         <p:nvSpPr>
-          <p:cNvPr id="9" name="Slide Number">
-            <a:extLst>
-              <a:ext uri="{FF2B5EF4-FFF2-40B4-BE49-F238E27FC236}">
-                <a16:creationId xmlns:a16="http://schemas.microsoft.com/office/drawing/2014/main" id="{8CDA7756-6A96-424B-9055-FFC87B491B2C}"/>
-              </a:ext>
-            </a:extLst>
-          </p:cNvPr>
-          <p:cNvSpPr>
-            <a:spLocks noGrp="1"/>
-          </p:cNvSpPr>
-          <p:nvPr>
-            <p:ph type="sldNum" sz="quarter" idx="5"/>
-          </p:nvPr>
-        </p:nvSpPr>
-        <p:spPr>
-          <a:xfrm>
-            <a:off x="11753030" y="6507000"/>
-            <a:ext cx="367414" cy="297000"/>
-          </a:xfrm>
-          <a:prstGeom prst="rect">
-            <a:avLst/>
-          </a:prstGeom>
-        </p:spPr>
-        <p:txBody>
-          <a:bodyPr vert="horz" lIns="91440" tIns="45720" rIns="91440" bIns="45720" rtlCol="0" anchor="b"/>
-          <a:lstStyle>
-            <a:lvl1pPr algn="r">
-              <a:defRPr sz="1000"/>
-            </a:lvl1pPr>
-          </a:lstStyle>
-          <a:p>
-            <a:fld id="{2BF067CD-8E6B-4360-9AA8-C5DF2A48A6D1}" type="slidenum">
-              <a:rPr lang="en-US" noProof="0" smtClean="0"/>
-              <a:pPr/>
-              <a:t>20</a:t>
-            </a:fld>
-            <a:endParaRPr lang="en-US" noProof="0" dirty="0"/>
-          </a:p>
-        </p:txBody>
-      </p:sp>
-      <p:sp>
-        <p:nvSpPr>
           <p:cNvPr id="2" name="AutoShape 5">
             <a:extLst>
               <a:ext uri="{FF2B5EF4-FFF2-40B4-BE49-F238E27FC236}">
@@ -17769,10 +16445,52 @@
           </a:p>
         </p:txBody>
       </p:sp>
+      <p:sp>
+        <p:nvSpPr>
+          <p:cNvPr id="3" name="Slide Number">
+            <a:extLst>
+              <a:ext uri="{FF2B5EF4-FFF2-40B4-BE49-F238E27FC236}">
+                <a16:creationId xmlns:a16="http://schemas.microsoft.com/office/drawing/2014/main" id="{4715EF74-7F59-5FA2-F37F-5D68A8013C80}"/>
+              </a:ext>
+            </a:extLst>
+          </p:cNvPr>
+          <p:cNvSpPr>
+            <a:spLocks noGrp="1"/>
+          </p:cNvSpPr>
+          <p:nvPr>
+            <p:ph type="sldNum" sz="quarter" idx="5"/>
+          </p:nvPr>
+        </p:nvSpPr>
+        <p:spPr>
+          <a:xfrm>
+            <a:off x="11753030" y="6507000"/>
+            <a:ext cx="367414" cy="297000"/>
+          </a:xfrm>
+          <a:prstGeom prst="rect">
+            <a:avLst/>
+          </a:prstGeom>
+        </p:spPr>
+        <p:txBody>
+          <a:bodyPr vert="horz" lIns="91440" tIns="45720" rIns="91440" bIns="45720" rtlCol="0" anchor="b"/>
+          <a:lstStyle>
+            <a:lvl1pPr algn="r">
+              <a:defRPr sz="1000"/>
+            </a:lvl1pPr>
+          </a:lstStyle>
+          <a:p>
+            <a:fld id="{2BF067CD-8E6B-4360-9AA8-C5DF2A48A6D1}" type="slidenum">
+              <a:rPr lang="en-US" noProof="0" smtClean="0"/>
+              <a:pPr/>
+              <a:t>20</a:t>
+            </a:fld>
+            <a:endParaRPr lang="en-US" noProof="0" dirty="0"/>
+          </a:p>
+        </p:txBody>
+      </p:sp>
     </p:spTree>
     <p:extLst>
       <p:ext uri="{BB962C8B-B14F-4D97-AF65-F5344CB8AC3E}">
-        <p14:creationId xmlns:p14="http://schemas.microsoft.com/office/powerpoint/2010/main" val="632678531"/>
+        <p14:creationId xmlns:p14="http://schemas.microsoft.com/office/powerpoint/2010/main" val="2243237013"/>
       </p:ext>
     </p:extLst>
   </p:cSld>
@@ -18790,10 +17508,10 @@
       </p:pic>
       <p:sp>
         <p:nvSpPr>
-          <p:cNvPr id="8" name="Slide Number">
+          <p:cNvPr id="3" name="Slide Number">
             <a:extLst>
               <a:ext uri="{FF2B5EF4-FFF2-40B4-BE49-F238E27FC236}">
-                <a16:creationId xmlns:a16="http://schemas.microsoft.com/office/drawing/2014/main" id="{0D6028B5-16C0-4D75-BB16-D244BB113C77}"/>
+                <a16:creationId xmlns:a16="http://schemas.microsoft.com/office/drawing/2014/main" id="{8B14A25A-3D8F-E6F7-273B-FFE19BEDBA21}"/>
               </a:ext>
             </a:extLst>
           </p:cNvPr>
@@ -18833,7 +17551,7 @@
     </p:spTree>
     <p:extLst>
       <p:ext uri="{BB962C8B-B14F-4D97-AF65-F5344CB8AC3E}">
-        <p14:creationId xmlns:p14="http://schemas.microsoft.com/office/powerpoint/2010/main" val="4255195188"/>
+        <p14:creationId xmlns:p14="http://schemas.microsoft.com/office/powerpoint/2010/main" val="2058313629"/>
       </p:ext>
     </p:extLst>
   </p:cSld>
@@ -19359,48 +18077,6 @@
       </p:sp>
       <p:sp>
         <p:nvSpPr>
-          <p:cNvPr id="6" name="Slide Number">
-            <a:extLst>
-              <a:ext uri="{FF2B5EF4-FFF2-40B4-BE49-F238E27FC236}">
-                <a16:creationId xmlns:a16="http://schemas.microsoft.com/office/drawing/2014/main" id="{B3BCB3CA-8AA2-4F69-B73F-FC6EB3E5B624}"/>
-              </a:ext>
-            </a:extLst>
-          </p:cNvPr>
-          <p:cNvSpPr>
-            <a:spLocks noGrp="1"/>
-          </p:cNvSpPr>
-          <p:nvPr>
-            <p:ph type="sldNum" sz="quarter" idx="5"/>
-          </p:nvPr>
-        </p:nvSpPr>
-        <p:spPr>
-          <a:xfrm>
-            <a:off x="11753030" y="6507000"/>
-            <a:ext cx="367414" cy="297000"/>
-          </a:xfrm>
-          <a:prstGeom prst="rect">
-            <a:avLst/>
-          </a:prstGeom>
-        </p:spPr>
-        <p:txBody>
-          <a:bodyPr vert="horz" lIns="91440" tIns="45720" rIns="91440" bIns="45720" rtlCol="0" anchor="b"/>
-          <a:lstStyle>
-            <a:lvl1pPr algn="r">
-              <a:defRPr sz="1000"/>
-            </a:lvl1pPr>
-          </a:lstStyle>
-          <a:p>
-            <a:fld id="{2BF067CD-8E6B-4360-9AA8-C5DF2A48A6D1}" type="slidenum">
-              <a:rPr lang="en-US" noProof="0" smtClean="0"/>
-              <a:pPr/>
-              <a:t>22</a:t>
-            </a:fld>
-            <a:endParaRPr lang="en-US" noProof="0" dirty="0"/>
-          </a:p>
-        </p:txBody>
-      </p:sp>
-      <p:sp>
-        <p:nvSpPr>
           <p:cNvPr id="7" name="Text Placeholder 7">
             <a:extLst>
               <a:ext uri="{FF2B5EF4-FFF2-40B4-BE49-F238E27FC236}">
@@ -19739,10 +18415,52 @@
           </a:p>
         </p:txBody>
       </p:sp>
+      <p:sp>
+        <p:nvSpPr>
+          <p:cNvPr id="2" name="Slide Number">
+            <a:extLst>
+              <a:ext uri="{FF2B5EF4-FFF2-40B4-BE49-F238E27FC236}">
+                <a16:creationId xmlns:a16="http://schemas.microsoft.com/office/drawing/2014/main" id="{3203CC6A-F739-D382-AAD1-5DF4F8DA78E0}"/>
+              </a:ext>
+            </a:extLst>
+          </p:cNvPr>
+          <p:cNvSpPr>
+            <a:spLocks noGrp="1"/>
+          </p:cNvSpPr>
+          <p:nvPr>
+            <p:ph type="sldNum" sz="quarter" idx="5"/>
+          </p:nvPr>
+        </p:nvSpPr>
+        <p:spPr>
+          <a:xfrm>
+            <a:off x="11753030" y="6507000"/>
+            <a:ext cx="367414" cy="297000"/>
+          </a:xfrm>
+          <a:prstGeom prst="rect">
+            <a:avLst/>
+          </a:prstGeom>
+        </p:spPr>
+        <p:txBody>
+          <a:bodyPr vert="horz" lIns="91440" tIns="45720" rIns="91440" bIns="45720" rtlCol="0" anchor="b"/>
+          <a:lstStyle>
+            <a:lvl1pPr algn="r">
+              <a:defRPr sz="1000"/>
+            </a:lvl1pPr>
+          </a:lstStyle>
+          <a:p>
+            <a:fld id="{2BF067CD-8E6B-4360-9AA8-C5DF2A48A6D1}" type="slidenum">
+              <a:rPr lang="en-US" noProof="0" smtClean="0"/>
+              <a:pPr/>
+              <a:t>22</a:t>
+            </a:fld>
+            <a:endParaRPr lang="en-US" noProof="0" dirty="0"/>
+          </a:p>
+        </p:txBody>
+      </p:sp>
     </p:spTree>
     <p:extLst>
       <p:ext uri="{BB962C8B-B14F-4D97-AF65-F5344CB8AC3E}">
-        <p14:creationId xmlns:p14="http://schemas.microsoft.com/office/powerpoint/2010/main" val="2334481966"/>
+        <p14:creationId xmlns:p14="http://schemas.microsoft.com/office/powerpoint/2010/main" val="4074887853"/>
       </p:ext>
     </p:extLst>
   </p:cSld>
@@ -20387,10 +19105,10 @@
       </p:sp>
       <p:sp>
         <p:nvSpPr>
-          <p:cNvPr id="7" name="Slide Number">
+          <p:cNvPr id="2" name="Slide Number">
             <a:extLst>
               <a:ext uri="{FF2B5EF4-FFF2-40B4-BE49-F238E27FC236}">
-                <a16:creationId xmlns:a16="http://schemas.microsoft.com/office/drawing/2014/main" id="{A74554EE-457B-4054-B541-8EB74BA4EE38}"/>
+                <a16:creationId xmlns:a16="http://schemas.microsoft.com/office/drawing/2014/main" id="{00618B0A-A928-55C4-1A1E-989F92C05B27}"/>
               </a:ext>
             </a:extLst>
           </p:cNvPr>
@@ -20430,7 +19148,7 @@
     </p:spTree>
     <p:extLst>
       <p:ext uri="{BB962C8B-B14F-4D97-AF65-F5344CB8AC3E}">
-        <p14:creationId xmlns:p14="http://schemas.microsoft.com/office/powerpoint/2010/main" val="3511568583"/>
+        <p14:creationId xmlns:p14="http://schemas.microsoft.com/office/powerpoint/2010/main" val="1185344567"/>
       </p:ext>
     </p:extLst>
   </p:cSld>
@@ -21886,48 +20604,6 @@
       </p:sp>
       <p:sp>
         <p:nvSpPr>
-          <p:cNvPr id="13" name="Slide Number">
-            <a:extLst>
-              <a:ext uri="{FF2B5EF4-FFF2-40B4-BE49-F238E27FC236}">
-                <a16:creationId xmlns:a16="http://schemas.microsoft.com/office/drawing/2014/main" id="{310E1F5C-7C9B-47AD-B0CD-008D7E9BCB42}"/>
-              </a:ext>
-            </a:extLst>
-          </p:cNvPr>
-          <p:cNvSpPr>
-            <a:spLocks noGrp="1"/>
-          </p:cNvSpPr>
-          <p:nvPr>
-            <p:ph type="sldNum" sz="quarter" idx="5"/>
-          </p:nvPr>
-        </p:nvSpPr>
-        <p:spPr>
-          <a:xfrm>
-            <a:off x="11753030" y="6507000"/>
-            <a:ext cx="367414" cy="297000"/>
-          </a:xfrm>
-          <a:prstGeom prst="rect">
-            <a:avLst/>
-          </a:prstGeom>
-        </p:spPr>
-        <p:txBody>
-          <a:bodyPr vert="horz" lIns="91440" tIns="45720" rIns="91440" bIns="45720" rtlCol="0" anchor="b"/>
-          <a:lstStyle>
-            <a:lvl1pPr algn="r">
-              <a:defRPr sz="1000"/>
-            </a:lvl1pPr>
-          </a:lstStyle>
-          <a:p>
-            <a:fld id="{2BF067CD-8E6B-4360-9AA8-C5DF2A48A6D1}" type="slidenum">
-              <a:rPr lang="en-US" noProof="0" smtClean="0"/>
-              <a:pPr/>
-              <a:t>24</a:t>
-            </a:fld>
-            <a:endParaRPr lang="en-US" noProof="0" dirty="0"/>
-          </a:p>
-        </p:txBody>
-      </p:sp>
-      <p:sp>
-        <p:nvSpPr>
           <p:cNvPr id="2" name="Rectangle: Rounded Corners 1">
             <a:extLst>
               <a:ext uri="{FF2B5EF4-FFF2-40B4-BE49-F238E27FC236}">
@@ -22017,10 +20693,52 @@
           </a:p>
         </p:txBody>
       </p:sp>
+      <p:sp>
+        <p:nvSpPr>
+          <p:cNvPr id="3" name="Slide Number">
+            <a:extLst>
+              <a:ext uri="{FF2B5EF4-FFF2-40B4-BE49-F238E27FC236}">
+                <a16:creationId xmlns:a16="http://schemas.microsoft.com/office/drawing/2014/main" id="{40C16658-8EE6-C23D-3962-E92A0338BBA9}"/>
+              </a:ext>
+            </a:extLst>
+          </p:cNvPr>
+          <p:cNvSpPr>
+            <a:spLocks noGrp="1"/>
+          </p:cNvSpPr>
+          <p:nvPr>
+            <p:ph type="sldNum" sz="quarter" idx="5"/>
+          </p:nvPr>
+        </p:nvSpPr>
+        <p:spPr>
+          <a:xfrm>
+            <a:off x="11753030" y="6507000"/>
+            <a:ext cx="367414" cy="297000"/>
+          </a:xfrm>
+          <a:prstGeom prst="rect">
+            <a:avLst/>
+          </a:prstGeom>
+        </p:spPr>
+        <p:txBody>
+          <a:bodyPr vert="horz" lIns="91440" tIns="45720" rIns="91440" bIns="45720" rtlCol="0" anchor="b"/>
+          <a:lstStyle>
+            <a:lvl1pPr algn="r">
+              <a:defRPr sz="1000"/>
+            </a:lvl1pPr>
+          </a:lstStyle>
+          <a:p>
+            <a:fld id="{2BF067CD-8E6B-4360-9AA8-C5DF2A48A6D1}" type="slidenum">
+              <a:rPr lang="en-US" noProof="0" smtClean="0"/>
+              <a:pPr/>
+              <a:t>24</a:t>
+            </a:fld>
+            <a:endParaRPr lang="en-US" noProof="0" dirty="0"/>
+          </a:p>
+        </p:txBody>
+      </p:sp>
     </p:spTree>
     <p:extLst>
       <p:ext uri="{BB962C8B-B14F-4D97-AF65-F5344CB8AC3E}">
-        <p14:creationId xmlns:p14="http://schemas.microsoft.com/office/powerpoint/2010/main" val="2374619001"/>
+        <p14:creationId xmlns:p14="http://schemas.microsoft.com/office/powerpoint/2010/main" val="3592270472"/>
       </p:ext>
     </p:extLst>
   </p:cSld>
@@ -22303,29 +21021,140 @@
           <a:lstStyle/>
           <a:p>
             <a:r>
-              <a:rPr lang="bg-BG" sz="8800" dirty="0">
-                <a:solidFill>
-                  <a:srgbClr val="234465"/>
-                </a:solidFill>
-              </a:rPr>
+              <a:rPr lang="bg-BG" dirty="0"/>
               <a:t>Въпроси</a:t>
             </a:r>
             <a:r>
-              <a:rPr lang="en-US" sz="8800" dirty="0">
-                <a:solidFill>
-                  <a:srgbClr val="234465"/>
-                </a:solidFill>
-              </a:rPr>
+              <a:rPr lang="en-US" dirty="0"/>
               <a:t>?</a:t>
             </a:r>
-            <a:endParaRPr lang="en-US" sz="8800" dirty="0"/>
+          </a:p>
+        </p:txBody>
+      </p:sp>
+      <p:sp>
+        <p:nvSpPr>
+          <p:cNvPr id="2" name="Rectangle Bottom Copyright">
+            <a:extLst>
+              <a:ext uri="{FF2B5EF4-FFF2-40B4-BE49-F238E27FC236}">
+                <a16:creationId xmlns:a16="http://schemas.microsoft.com/office/drawing/2014/main" id="{664812A4-2991-44D1-BFE9-32E55AADF8A5}"/>
+              </a:ext>
+            </a:extLst>
+          </p:cNvPr>
+          <p:cNvSpPr/>
+          <p:nvPr/>
+        </p:nvSpPr>
+        <p:spPr>
+          <a:xfrm>
+            <a:off x="111000" y="6454758"/>
+            <a:ext cx="11970000" cy="304242"/>
+          </a:xfrm>
+          <a:prstGeom prst="rect">
+            <a:avLst/>
+          </a:prstGeom>
+        </p:spPr>
+        <p:txBody>
+          <a:bodyPr wrap="square">
+            <a:noAutofit/>
+          </a:bodyPr>
+          <a:lstStyle/>
+          <a:p>
+            <a:pPr algn="ctr">
+              <a:lnSpc>
+                <a:spcPct val="100000"/>
+              </a:lnSpc>
+              <a:spcBef>
+                <a:spcPts val="0"/>
+              </a:spcBef>
+              <a:spcAft>
+                <a:spcPts val="0"/>
+              </a:spcAft>
+            </a:pPr>
+            <a:r>
+              <a:rPr lang="bg-BG" sz="1600" dirty="0">
+                <a:solidFill>
+                  <a:schemeClr val="bg2"/>
+                </a:solidFill>
+                <a:effectLst/>
+                <a:latin typeface="Calibri" panose="020F0502020204030204" pitchFamily="34" charset="0"/>
+                <a:ea typeface="Calibri" panose="020F0502020204030204" pitchFamily="34" charset="0"/>
+                <a:cs typeface="Arial" panose="020B0604020202020204" pitchFamily="34" charset="0"/>
+              </a:rPr>
+              <a:t>Проект "</a:t>
+            </a:r>
+            <a:r>
+              <a:rPr lang="bg-BG" sz="1600" dirty="0">
+                <a:solidFill>
+                  <a:schemeClr val="bg1">
+                    <a:lumMod val="20000"/>
+                    <a:lumOff val="80000"/>
+                  </a:schemeClr>
+                </a:solidFill>
+                <a:effectLst/>
+                <a:latin typeface="Calibri" panose="020F0502020204030204" pitchFamily="34" charset="0"/>
+                <a:ea typeface="Calibri" panose="020F0502020204030204" pitchFamily="34" charset="0"/>
+                <a:cs typeface="Arial" panose="020B0604020202020204" pitchFamily="34" charset="0"/>
+                <a:hlinkClick r:id="rId3">
+                  <a:extLst>
+                    <a:ext uri="{A12FA001-AC4F-418D-AE19-62706E023703}">
+                      <ahyp:hlinkClr xmlns:ahyp="http://schemas.microsoft.com/office/drawing/2018/hyperlinkcolor" val="tx"/>
+                    </a:ext>
+                  </a:extLst>
+                </a:hlinkClick>
+              </a:rPr>
+              <a:t>Отворено учебно съдържание по програмиране и ИТ</a:t>
+            </a:r>
+            <a:r>
+              <a:rPr lang="bg-BG" sz="1600" dirty="0">
+                <a:solidFill>
+                  <a:schemeClr val="bg2"/>
+                </a:solidFill>
+                <a:effectLst/>
+                <a:latin typeface="Calibri" panose="020F0502020204030204" pitchFamily="34" charset="0"/>
+                <a:ea typeface="Calibri" panose="020F0502020204030204" pitchFamily="34" charset="0"/>
+                <a:cs typeface="Arial" panose="020B0604020202020204" pitchFamily="34" charset="0"/>
+              </a:rPr>
+              <a:t>", СофтУни Фондация (лиценз </a:t>
+            </a:r>
+            <a:r>
+              <a:rPr lang="en-US" sz="1600" dirty="0">
+                <a:solidFill>
+                  <a:schemeClr val="bg2"/>
+                </a:solidFill>
+                <a:effectLst/>
+                <a:latin typeface="Calibri" panose="020F0502020204030204" pitchFamily="34" charset="0"/>
+                <a:ea typeface="Calibri" panose="020F0502020204030204" pitchFamily="34" charset="0"/>
+                <a:cs typeface="Arial" panose="020B0604020202020204" pitchFamily="34" charset="0"/>
+              </a:rPr>
+              <a:t>CC-BY-NC-SA</a:t>
+            </a:r>
+            <a:r>
+              <a:rPr lang="bg-BG" sz="1600" dirty="0">
+                <a:solidFill>
+                  <a:schemeClr val="bg2"/>
+                </a:solidFill>
+                <a:effectLst/>
+                <a:latin typeface="Calibri" panose="020F0502020204030204" pitchFamily="34" charset="0"/>
+                <a:ea typeface="Calibri" panose="020F0502020204030204" pitchFamily="34" charset="0"/>
+                <a:cs typeface="Arial" panose="020B0604020202020204" pitchFamily="34" charset="0"/>
+              </a:rPr>
+              <a:t>)</a:t>
+            </a:r>
+            <a:endParaRPr lang="bg-BG" sz="2400" dirty="0">
+              <a:solidFill>
+                <a:schemeClr val="bg2"/>
+              </a:solidFill>
+              <a:effectLst/>
+              <a:latin typeface="Calibri" panose="020F0502020204030204" pitchFamily="34" charset="0"/>
+              <a:ea typeface="Calibri" panose="020F0502020204030204" pitchFamily="34" charset="0"/>
+              <a:cs typeface="Arial" panose="020B0604020202020204" pitchFamily="34" charset="0"/>
+            </a:endParaRPr>
           </a:p>
         </p:txBody>
       </p:sp>
     </p:spTree>
     <p:extLst>
       <p:ext uri="{BB962C8B-B14F-4D97-AF65-F5344CB8AC3E}">
-        <p14:creationId xmlns:p14="http://schemas.microsoft.com/office/powerpoint/2010/main" val="2826260861"/>
+        <p14:creationId xmlns:p14="http://schemas.microsoft.com/office/powerpoint/2010/main" val="11831888"/>
       </p:ext>
     </p:extLst>
   </p:cSld>
@@ -22379,11 +21208,13 @@
         <p:spPr>
           <a:xfrm>
             <a:off x="190402" y="1269001"/>
-            <a:ext cx="11818096" cy="5455890"/>
+            <a:ext cx="9865598" cy="2474999"/>
           </a:xfrm>
         </p:spPr>
         <p:txBody>
-          <a:bodyPr/>
+          <a:bodyPr>
+            <a:normAutofit/>
+          </a:bodyPr>
           <a:lstStyle/>
           <a:p>
             <a:pPr>
@@ -22392,113 +21223,42 @@
               </a:lnSpc>
             </a:pPr>
             <a:r>
-              <a:rPr lang="bg-BG" dirty="0"/>
+              <a:rPr lang="bg-BG" sz="3200" dirty="0"/>
               <a:t>Този курс</a:t>
             </a:r>
             <a:r>
-              <a:rPr lang="en-US" dirty="0"/>
+              <a:rPr lang="en-US" sz="3200" dirty="0"/>
               <a:t> (</a:t>
             </a:r>
             <a:r>
-              <a:rPr lang="bg-BG" dirty="0"/>
+              <a:rPr lang="bg-BG" sz="3200" dirty="0"/>
               <a:t>презентации, примери, демонстрационен код, упражнения, домашни, видео и други активи</a:t>
             </a:r>
             <a:r>
-              <a:rPr lang="en-US" dirty="0"/>
+              <a:rPr lang="en-US" sz="3200" dirty="0"/>
               <a:t>) </a:t>
             </a:r>
             <a:r>
-              <a:rPr lang="bg-BG" dirty="0"/>
+              <a:rPr lang="bg-BG" sz="3200" dirty="0"/>
               <a:t>представлява</a:t>
             </a:r>
             <a:r>
-              <a:rPr lang="en-US" dirty="0"/>
+              <a:rPr lang="en-US" sz="3200" dirty="0"/>
               <a:t> </a:t>
             </a:r>
             <a:r>
-              <a:rPr lang="bg-BG" b="1" dirty="0"/>
-              <a:t>защитено авторско съдържание</a:t>
-            </a:r>
-            <a:endParaRPr lang="en-US" dirty="0"/>
-          </a:p>
-          <a:p>
-            <a:pPr>
-              <a:lnSpc>
-                <a:spcPct val="120000"/>
-              </a:lnSpc>
-            </a:pPr>
-            <a:r>
-              <a:rPr lang="bg-BG" dirty="0"/>
-              <a:t>Нерегламентирано копиране</a:t>
-            </a:r>
-            <a:r>
-              <a:rPr lang="en-US" dirty="0"/>
-              <a:t>,</a:t>
-            </a:r>
-            <a:r>
-              <a:rPr lang="bg-BG" dirty="0"/>
-              <a:t> разпространение или използване е незаконно</a:t>
-            </a:r>
-          </a:p>
-          <a:p>
-            <a:pPr>
-              <a:lnSpc>
-                <a:spcPct val="120000"/>
-              </a:lnSpc>
-            </a:pPr>
-            <a:r>
-              <a:rPr lang="en-US" dirty="0"/>
-              <a:t>© </a:t>
-            </a:r>
-            <a:r>
-              <a:rPr lang="bg-BG" dirty="0" err="1"/>
-              <a:t>СофтУни</a:t>
-            </a:r>
-            <a:r>
-              <a:rPr lang="en-US" dirty="0"/>
-              <a:t> – </a:t>
-            </a:r>
-            <a:r>
-              <a:rPr lang="en-US" dirty="0">
-                <a:hlinkClick r:id="rId3"/>
-              </a:rPr>
-              <a:t>https://softuni.org</a:t>
-            </a:r>
-            <a:endParaRPr lang="en-US" dirty="0"/>
-          </a:p>
-          <a:p>
-            <a:pPr>
-              <a:lnSpc>
-                <a:spcPct val="120000"/>
-              </a:lnSpc>
-            </a:pPr>
-            <a:r>
-              <a:rPr lang="en-US" dirty="0"/>
-              <a:t>© </a:t>
-            </a:r>
-            <a:r>
-              <a:rPr lang="bg-BG" dirty="0"/>
-              <a:t>Софтуерен университет</a:t>
-            </a:r>
-            <a:r>
-              <a:rPr lang="en-US" dirty="0"/>
-              <a:t> – </a:t>
-            </a:r>
-            <a:r>
-              <a:rPr lang="en-US" dirty="0">
-                <a:hlinkClick r:id="rId4"/>
-              </a:rPr>
-              <a:t>https://softuni.bg</a:t>
-            </a:r>
-            <a:endParaRPr lang="bg-BG" dirty="0"/>
-          </a:p>
-          <a:p>
-            <a:pPr>
-              <a:lnSpc>
-                <a:spcPct val="120000"/>
-              </a:lnSpc>
-            </a:pPr>
-            <a:endParaRPr lang="bg-BG" dirty="0"/>
+              <a:rPr lang="bg-BG" sz="3200" b="1" dirty="0"/>
+              <a:t>свободно учебно съдържание </a:t>
+            </a:r>
+            <a:r>
+              <a:rPr lang="bg-BG" sz="3200" dirty="0"/>
+              <a:t>и се разпространява под свободен лиценз </a:t>
+            </a:r>
+            <a:r>
+              <a:rPr lang="en-US" sz="3200" b="1" dirty="0"/>
+              <a:t>CC-BY-NC-SA</a:t>
+            </a:r>
+            <a:endParaRPr lang="bg-BG" sz="3200" dirty="0"/>
           </a:p>
         </p:txBody>
       </p:sp>
@@ -22507,7 +21267,7 @@
           <p:cNvPr id="6" name="Picture License" descr="License">
             <a:extLst>
               <a:ext uri="{FF2B5EF4-FFF2-40B4-BE49-F238E27FC236}">
-                <a16:creationId xmlns:a16="http://schemas.microsoft.com/office/drawing/2014/main" id="{A10A2585-858C-4B1E-8846-27CF1C15729E}"/>
+                <a16:creationId xmlns:a16="http://schemas.microsoft.com/office/drawing/2014/main" id="{82BA520F-A037-4E01-AA18-27D9F1E930A6}"/>
               </a:ext>
             </a:extLst>
           </p:cNvPr>
@@ -22517,7 +21277,7 @@
           <p:nvPr/>
         </p:nvPicPr>
         <p:blipFill>
-          <a:blip r:embed="rId5">
+          <a:blip r:embed="rId3">
             <a:clrChange>
               <a:clrFrom>
                 <a:srgbClr val="FFFFFF"/>
@@ -22535,8 +21295,8 @@
         </p:blipFill>
         <p:spPr>
           <a:xfrm>
-            <a:off x="9745023" y="4445455"/>
-            <a:ext cx="1930977" cy="2043545"/>
+            <a:off x="10226175" y="1440120"/>
+            <a:ext cx="1198986" cy="1268880"/>
           </a:xfrm>
           <a:prstGeom prst="rect">
             <a:avLst/>
@@ -22573,10 +21333,171 @@
       </p:sp>
       <p:sp>
         <p:nvSpPr>
-          <p:cNvPr id="7" name="Slide Number">
+          <p:cNvPr id="11" name="TextBox 10">
             <a:extLst>
               <a:ext uri="{FF2B5EF4-FFF2-40B4-BE49-F238E27FC236}">
-                <a16:creationId xmlns:a16="http://schemas.microsoft.com/office/drawing/2014/main" id="{70F2BEA6-7855-404E-AB08-67D50837A366}"/>
+                <a16:creationId xmlns:a16="http://schemas.microsoft.com/office/drawing/2014/main" id="{0C18DF19-B750-4C88-975B-661A6BF61F5E}"/>
+              </a:ext>
+            </a:extLst>
+          </p:cNvPr>
+          <p:cNvSpPr txBox="1"/>
+          <p:nvPr/>
+        </p:nvSpPr>
+        <p:spPr>
+          <a:xfrm>
+            <a:off x="190401" y="3927519"/>
+            <a:ext cx="11710599" cy="1979644"/>
+          </a:xfrm>
+          <a:prstGeom prst="rect">
+            <a:avLst/>
+          </a:prstGeom>
+          <a:noFill/>
+          <a:ln w="12700">
+            <a:noFill/>
+          </a:ln>
+        </p:spPr>
+        <p:txBody>
+          <a:bodyPr wrap="square">
+            <a:spAutoFit/>
+          </a:bodyPr>
+          <a:lstStyle/>
+          <a:p>
+            <a:pPr marL="360363" indent="-360363" defTabSz="1218438">
+              <a:lnSpc>
+                <a:spcPct val="120000"/>
+              </a:lnSpc>
+              <a:spcBef>
+                <a:spcPts val="600"/>
+              </a:spcBef>
+              <a:spcAft>
+                <a:spcPts val="600"/>
+              </a:spcAft>
+              <a:buFont typeface="Wingdings" panose="05000000000000000000" pitchFamily="2" charset="2"/>
+              <a:buChar char="§"/>
+              <a:defRPr/>
+            </a:pPr>
+            <a:r>
+              <a:rPr lang="bg-BG" sz="3200" dirty="0"/>
+              <a:t>Проект "</a:t>
+            </a:r>
+            <a:r>
+              <a:rPr lang="bg-BG" sz="3200" b="1" dirty="0"/>
+              <a:t>Отворено учебно съдържание по програмиране и ИТ</a:t>
+            </a:r>
+            <a:r>
+              <a:rPr lang="bg-BG" sz="3200" dirty="0"/>
+              <a:t>" към Фондация "Софтуерен университет"</a:t>
+            </a:r>
+            <a:r>
+              <a:rPr lang="en-US" sz="3200" dirty="0"/>
+              <a:t>:</a:t>
+            </a:r>
+            <a:endParaRPr lang="bg-BG" sz="3200" dirty="0"/>
+          </a:p>
+          <a:p>
+            <a:pPr marL="817563" lvl="1" indent="-360363" defTabSz="1218438">
+              <a:lnSpc>
+                <a:spcPct val="120000"/>
+              </a:lnSpc>
+              <a:spcBef>
+                <a:spcPts val="600"/>
+              </a:spcBef>
+              <a:spcAft>
+                <a:spcPts val="600"/>
+              </a:spcAft>
+              <a:buFont typeface="Wingdings" panose="05000000000000000000" pitchFamily="2" charset="2"/>
+              <a:buChar char="§"/>
+              <a:defRPr/>
+            </a:pPr>
+            <a:r>
+              <a:rPr kumimoji="0" lang="en-US" sz="3200" b="0" i="0" u="none" strike="noStrike" kern="1200" cap="none" spc="0" normalizeH="0" baseline="0" noProof="0" dirty="0">
+                <a:ln>
+                  <a:noFill/>
+                </a:ln>
+                <a:solidFill>
+                  <a:srgbClr val="234465"/>
+                </a:solidFill>
+                <a:effectLst/>
+                <a:uLnTx/>
+                <a:uFillTx/>
+                <a:latin typeface="Calibri"/>
+                <a:ea typeface="+mn-ea"/>
+                <a:cs typeface="+mn-cs"/>
+                <a:hlinkClick r:id="rId4"/>
+              </a:rPr>
+              <a:t>https://github.com/BG-IT-Edu</a:t>
+            </a:r>
+            <a:endParaRPr kumimoji="0" lang="bg-BG" sz="3200" b="0" i="0" u="none" strike="noStrike" kern="1200" cap="none" spc="0" normalizeH="0" baseline="0" noProof="0" dirty="0">
+              <a:ln>
+                <a:noFill/>
+              </a:ln>
+              <a:solidFill>
+                <a:srgbClr val="234465"/>
+              </a:solidFill>
+              <a:effectLst/>
+              <a:uLnTx/>
+              <a:uFillTx/>
+              <a:latin typeface="Calibri"/>
+              <a:ea typeface="+mn-ea"/>
+              <a:cs typeface="+mn-cs"/>
+            </a:endParaRPr>
+          </a:p>
+        </p:txBody>
+      </p:sp>
+      <p:pic>
+        <p:nvPicPr>
+          <p:cNvPr id="7" name="Picture 6" title="CC-BY-NC-SA License">
+            <a:hlinkClick r:id="rId5" tooltip="This work is licensed under the &quot;Creative Commons Attribution-NonCommercial-ShareAlike 4.0 International&quot; license"/>
+            <a:extLst>
+              <a:ext uri="{FF2B5EF4-FFF2-40B4-BE49-F238E27FC236}">
+                <a16:creationId xmlns:a16="http://schemas.microsoft.com/office/drawing/2014/main" id="{F6C77C47-F7D8-A176-5C69-7FDE5C7E8003}"/>
+              </a:ext>
+            </a:extLst>
+          </p:cNvPr>
+          <p:cNvPicPr>
+            <a:picLocks noChangeAspect="1" noChangeArrowheads="1"/>
+          </p:cNvPicPr>
+          <p:nvPr/>
+        </p:nvPicPr>
+        <p:blipFill>
+          <a:blip r:embed="rId6">
+            <a:extLst>
+              <a:ext uri="{28A0092B-C50C-407E-A947-70E740481C1C}">
+                <a14:useLocalDpi xmlns:a14="http://schemas.microsoft.com/office/drawing/2010/main"/>
+              </a:ext>
+            </a:extLst>
+          </a:blip>
+          <a:srcRect/>
+          <a:stretch>
+            <a:fillRect/>
+          </a:stretch>
+        </p:blipFill>
+        <p:spPr bwMode="auto">
+          <a:xfrm>
+            <a:off x="9831000" y="2908593"/>
+            <a:ext cx="1989336" cy="696022"/>
+          </a:xfrm>
+          <a:prstGeom prst="roundRect">
+            <a:avLst>
+              <a:gd name="adj" fmla="val 3940"/>
+            </a:avLst>
+          </a:prstGeom>
+          <a:solidFill>
+            <a:srgbClr val="231F20">
+              <a:alpha val="50000"/>
+            </a:srgbClr>
+          </a:solidFill>
+          <a:ln>
+            <a:noFill/>
+          </a:ln>
+        </p:spPr>
+      </p:pic>
+      <p:sp>
+        <p:nvSpPr>
+          <p:cNvPr id="4" name="Slide Number">
+            <a:extLst>
+              <a:ext uri="{FF2B5EF4-FFF2-40B4-BE49-F238E27FC236}">
+                <a16:creationId xmlns:a16="http://schemas.microsoft.com/office/drawing/2014/main" id="{D4A6DDF5-7E7F-E7D6-A17A-99461F94FEAD}"/>
               </a:ext>
             </a:extLst>
           </p:cNvPr>
@@ -22616,7 +21537,7 @@
     </p:spTree>
     <p:extLst>
       <p:ext uri="{BB962C8B-B14F-4D97-AF65-F5344CB8AC3E}">
-        <p14:creationId xmlns:p14="http://schemas.microsoft.com/office/powerpoint/2010/main" val="1101393683"/>
+        <p14:creationId xmlns:p14="http://schemas.microsoft.com/office/powerpoint/2010/main" val="3883738840"/>
       </p:ext>
     </p:extLst>
   </p:cSld>
@@ -22694,10 +21615,10 @@
       </p:sp>
       <p:sp>
         <p:nvSpPr>
-          <p:cNvPr id="4" name="Subtitle 3">
+          <p:cNvPr id="5" name="Подзаглавие 4">
             <a:extLst>
               <a:ext uri="{FF2B5EF4-FFF2-40B4-BE49-F238E27FC236}">
-                <a16:creationId xmlns:a16="http://schemas.microsoft.com/office/drawing/2014/main" id="{A839FB99-4B41-568B-9566-F7F05955A0AF}"/>
+                <a16:creationId xmlns:a16="http://schemas.microsoft.com/office/drawing/2014/main" id="{A4AF1C14-98FB-EA92-9D96-F7E7463E00D1}"/>
               </a:ext>
             </a:extLst>
           </p:cNvPr>
@@ -22714,19 +21635,19 @@
           <a:lstStyle/>
           <a:p>
             <a:r>
-              <a:rPr lang="bg-BG" dirty="0"/>
-              <a:t>Четене, филтриране, конвертиране</a:t>
-            </a:r>
-            <a:endParaRPr lang="en-US" dirty="0"/>
+              <a:rPr lang="fr-FR"/>
+              <a:t>Задачи с Func&lt;T, V&gt;, Action&lt;T&gt;</a:t>
+            </a:r>
+            <a:endParaRPr lang="bg-BG"/>
           </a:p>
         </p:txBody>
       </p:sp>
       <p:sp>
         <p:nvSpPr>
-          <p:cNvPr id="6" name="Title 5">
+          <p:cNvPr id="8" name="Заглавие 7">
             <a:extLst>
               <a:ext uri="{FF2B5EF4-FFF2-40B4-BE49-F238E27FC236}">
-                <a16:creationId xmlns:a16="http://schemas.microsoft.com/office/drawing/2014/main" id="{15386721-3301-4B0B-A12D-63C762DB726A}"/>
+                <a16:creationId xmlns:a16="http://schemas.microsoft.com/office/drawing/2014/main" id="{1DB8B79D-B627-55A0-4F04-554FFB806110}"/>
               </a:ext>
             </a:extLst>
           </p:cNvPr>
@@ -22743,25 +21664,16 @@
           <a:lstStyle/>
           <a:p>
             <a:r>
-              <a:rPr lang="bg-BG" dirty="0"/>
-              <a:t>Задачи с </a:t>
-            </a:r>
-            <a:r>
-              <a:rPr lang="fr-FR" dirty="0" err="1"/>
-              <a:t>Func</a:t>
-            </a:r>
-            <a:r>
-              <a:rPr lang="fr-FR" dirty="0"/>
-              <a:t>&lt;T, V&gt;, Action&lt;T&gt;</a:t>
-            </a:r>
-            <a:endParaRPr lang="bg-BG" dirty="0"/>
+              <a:rPr lang="bg-BG"/>
+              <a:t>Четене, филтриране, конвертиране</a:t>
+            </a:r>
           </a:p>
         </p:txBody>
       </p:sp>
     </p:spTree>
     <p:extLst>
       <p:ext uri="{BB962C8B-B14F-4D97-AF65-F5344CB8AC3E}">
-        <p14:creationId xmlns:p14="http://schemas.microsoft.com/office/powerpoint/2010/main" val="964933288"/>
+        <p14:creationId xmlns:p14="http://schemas.microsoft.com/office/powerpoint/2010/main" val="699297340"/>
       </p:ext>
     </p:extLst>
   </p:cSld>
@@ -23039,48 +21951,6 @@
       </p:sp>
       <p:sp>
         <p:nvSpPr>
-          <p:cNvPr id="7" name="Slide Number">
-            <a:extLst>
-              <a:ext uri="{FF2B5EF4-FFF2-40B4-BE49-F238E27FC236}">
-                <a16:creationId xmlns:a16="http://schemas.microsoft.com/office/drawing/2014/main" id="{8330243F-5056-46FB-85F6-67F8DA0C81F0}"/>
-              </a:ext>
-            </a:extLst>
-          </p:cNvPr>
-          <p:cNvSpPr>
-            <a:spLocks noGrp="1"/>
-          </p:cNvSpPr>
-          <p:nvPr>
-            <p:ph type="sldNum" sz="quarter" idx="5"/>
-          </p:nvPr>
-        </p:nvSpPr>
-        <p:spPr>
-          <a:xfrm>
-            <a:off x="11753030" y="6507000"/>
-            <a:ext cx="367414" cy="297000"/>
-          </a:xfrm>
-          <a:prstGeom prst="rect">
-            <a:avLst/>
-          </a:prstGeom>
-        </p:spPr>
-        <p:txBody>
-          <a:bodyPr vert="horz" lIns="91440" tIns="45720" rIns="91440" bIns="45720" rtlCol="0" anchor="b"/>
-          <a:lstStyle>
-            <a:lvl1pPr algn="r">
-              <a:defRPr sz="1000"/>
-            </a:lvl1pPr>
-          </a:lstStyle>
-          <a:p>
-            <a:fld id="{2BF067CD-8E6B-4360-9AA8-C5DF2A48A6D1}" type="slidenum">
-              <a:rPr lang="en-US" noProof="0" smtClean="0"/>
-              <a:pPr/>
-              <a:t>4</a:t>
-            </a:fld>
-            <a:endParaRPr lang="en-US" noProof="0" dirty="0"/>
-          </a:p>
-        </p:txBody>
-      </p:sp>
-      <p:sp>
-        <p:nvSpPr>
           <p:cNvPr id="4" name="Rectangle 3">
             <a:extLst>
               <a:ext uri="{FF2B5EF4-FFF2-40B4-BE49-F238E27FC236}">
@@ -23384,10 +22254,52 @@
           </a:p>
         </p:txBody>
       </p:sp>
+      <p:sp>
+        <p:nvSpPr>
+          <p:cNvPr id="6" name="Slide Number">
+            <a:extLst>
+              <a:ext uri="{FF2B5EF4-FFF2-40B4-BE49-F238E27FC236}">
+                <a16:creationId xmlns:a16="http://schemas.microsoft.com/office/drawing/2014/main" id="{020406BC-A3AC-F60D-18F9-06E12F8993B1}"/>
+              </a:ext>
+            </a:extLst>
+          </p:cNvPr>
+          <p:cNvSpPr>
+            <a:spLocks noGrp="1"/>
+          </p:cNvSpPr>
+          <p:nvPr>
+            <p:ph type="sldNum" sz="quarter" idx="5"/>
+          </p:nvPr>
+        </p:nvSpPr>
+        <p:spPr>
+          <a:xfrm>
+            <a:off x="11753030" y="6507000"/>
+            <a:ext cx="367414" cy="297000"/>
+          </a:xfrm>
+          <a:prstGeom prst="rect">
+            <a:avLst/>
+          </a:prstGeom>
+        </p:spPr>
+        <p:txBody>
+          <a:bodyPr vert="horz" lIns="91440" tIns="45720" rIns="91440" bIns="45720" rtlCol="0" anchor="b"/>
+          <a:lstStyle>
+            <a:lvl1pPr algn="r">
+              <a:defRPr sz="1000"/>
+            </a:lvl1pPr>
+          </a:lstStyle>
+          <a:p>
+            <a:fld id="{2BF067CD-8E6B-4360-9AA8-C5DF2A48A6D1}" type="slidenum">
+              <a:rPr lang="en-US" noProof="0" smtClean="0"/>
+              <a:pPr/>
+              <a:t>4</a:t>
+            </a:fld>
+            <a:endParaRPr lang="en-US" noProof="0" dirty="0"/>
+          </a:p>
+        </p:txBody>
+      </p:sp>
     </p:spTree>
     <p:extLst>
       <p:ext uri="{BB962C8B-B14F-4D97-AF65-F5344CB8AC3E}">
-        <p14:creationId xmlns:p14="http://schemas.microsoft.com/office/powerpoint/2010/main" val="3910059242"/>
+        <p14:creationId xmlns:p14="http://schemas.microsoft.com/office/powerpoint/2010/main" val="3769946372"/>
       </p:ext>
     </p:extLst>
   </p:cSld>
@@ -23423,7 +22335,7 @@
                             </p:stCondLst>
                             <p:childTnLst>
                               <p:par>
-                                <p:cTn id="5" presetID="1" presetClass="entr" presetSubtype="0" fill="hold" grpId="0" nodeType="clickEffect">
+                                <p:cTn id="5" presetID="1" presetClass="entr" presetSubtype="0" fill="hold" nodeType="clickEffect">
                                   <p:stCondLst>
                                     <p:cond delay="0"/>
                                   </p:stCondLst>
@@ -23436,7 +22348,11 @@
                                           </p:stCondLst>
                                         </p:cTn>
                                         <p:tgtEl>
-                                          <p:spTgt spid="5"/>
+                                          <p:spTgt spid="2">
+                                            <p:txEl>
+                                              <p:pRg st="1" end="1"/>
+                                            </p:txEl>
+                                          </p:spTgt>
                                         </p:tgtEl>
                                         <p:attrNameLst>
                                           <p:attrName>style.visibility</p:attrName>
@@ -23481,7 +22397,7 @@
                                           </p:stCondLst>
                                         </p:cTn>
                                         <p:tgtEl>
-                                          <p:spTgt spid="4"/>
+                                          <p:spTgt spid="5"/>
                                         </p:tgtEl>
                                         <p:attrNameLst>
                                           <p:attrName>style.visibility</p:attrName>
@@ -23526,7 +22442,7 @@
                                           </p:stCondLst>
                                         </p:cTn>
                                         <p:tgtEl>
-                                          <p:spTgt spid="11"/>
+                                          <p:spTgt spid="4"/>
                                         </p:tgtEl>
                                         <p:attrNameLst>
                                           <p:attrName>style.visibility</p:attrName>
@@ -23566,6 +22482,51 @@
                                     <p:set>
                                       <p:cBhvr>
                                         <p:cTn id="18" dur="1" fill="hold">
+                                          <p:stCondLst>
+                                            <p:cond delay="0"/>
+                                          </p:stCondLst>
+                                        </p:cTn>
+                                        <p:tgtEl>
+                                          <p:spTgt spid="11"/>
+                                        </p:tgtEl>
+                                        <p:attrNameLst>
+                                          <p:attrName>style.visibility</p:attrName>
+                                        </p:attrNameLst>
+                                      </p:cBhvr>
+                                      <p:to>
+                                        <p:strVal val="visible"/>
+                                      </p:to>
+                                    </p:set>
+                                  </p:childTnLst>
+                                </p:cTn>
+                              </p:par>
+                            </p:childTnLst>
+                          </p:cTn>
+                        </p:par>
+                      </p:childTnLst>
+                    </p:cTn>
+                  </p:par>
+                  <p:par>
+                    <p:cTn id="19" fill="hold">
+                      <p:stCondLst>
+                        <p:cond delay="indefinite"/>
+                      </p:stCondLst>
+                      <p:childTnLst>
+                        <p:par>
+                          <p:cTn id="20" fill="hold">
+                            <p:stCondLst>
+                              <p:cond delay="0"/>
+                            </p:stCondLst>
+                            <p:childTnLst>
+                              <p:par>
+                                <p:cTn id="21" presetID="1" presetClass="entr" presetSubtype="0" fill="hold" grpId="0" nodeType="clickEffect">
+                                  <p:stCondLst>
+                                    <p:cond delay="0"/>
+                                  </p:stCondLst>
+                                  <p:childTnLst>
+                                    <p:set>
+                                      <p:cBhvr>
+                                        <p:cTn id="22" dur="1" fill="hold">
                                           <p:stCondLst>
                                             <p:cond delay="0"/>
                                           </p:stCondLst>
@@ -23762,7 +22723,7 @@
         <p:spPr/>
         <p:txBody>
           <a:bodyPr>
-            <a:normAutofit fontScale="90000"/>
+            <a:normAutofit/>
           </a:bodyPr>
           <a:lstStyle/>
           <a:p>
@@ -23990,10 +22951,10 @@
       </p:pic>
       <p:sp>
         <p:nvSpPr>
-          <p:cNvPr id="17" name="Slide Number">
+          <p:cNvPr id="2" name="Slide Number">
             <a:extLst>
               <a:ext uri="{FF2B5EF4-FFF2-40B4-BE49-F238E27FC236}">
-                <a16:creationId xmlns:a16="http://schemas.microsoft.com/office/drawing/2014/main" id="{A1E6B5D2-2B1E-45A1-BAC3-9DA2C456F5DB}"/>
+                <a16:creationId xmlns:a16="http://schemas.microsoft.com/office/drawing/2014/main" id="{BCFC2C20-0F9F-5F53-0E33-AFFC22090A35}"/>
               </a:ext>
             </a:extLst>
           </p:cNvPr>
@@ -24033,7 +22994,7 @@
     </p:spTree>
     <p:extLst>
       <p:ext uri="{BB962C8B-B14F-4D97-AF65-F5344CB8AC3E}">
-        <p14:creationId xmlns:p14="http://schemas.microsoft.com/office/powerpoint/2010/main" val="2502555532"/>
+        <p14:creationId xmlns:p14="http://schemas.microsoft.com/office/powerpoint/2010/main" val="504311301"/>
       </p:ext>
     </p:extLst>
   </p:cSld>
@@ -24605,10 +23566,63 @@
       </p:sp>
       <p:sp>
         <p:nvSpPr>
-          <p:cNvPr id="5" name="Slide Number">
+          <p:cNvPr id="7" name="TextBox 6">
             <a:extLst>
               <a:ext uri="{FF2B5EF4-FFF2-40B4-BE49-F238E27FC236}">
-                <a16:creationId xmlns:a16="http://schemas.microsoft.com/office/drawing/2014/main" id="{B2090012-7B73-41AE-8FBD-CE8D2F889A71}"/>
+                <a16:creationId xmlns:a16="http://schemas.microsoft.com/office/drawing/2014/main" id="{8E67D9A2-A52C-41F5-B5E8-874B1C3FD173}"/>
+              </a:ext>
+            </a:extLst>
+          </p:cNvPr>
+          <p:cNvSpPr txBox="1"/>
+          <p:nvPr/>
+        </p:nvSpPr>
+        <p:spPr>
+          <a:xfrm>
+            <a:off x="40471" y="6381427"/>
+            <a:ext cx="12111057" cy="369332"/>
+          </a:xfrm>
+          <a:prstGeom prst="rect">
+            <a:avLst/>
+          </a:prstGeom>
+          <a:noFill/>
+        </p:spPr>
+        <p:txBody>
+          <a:bodyPr wrap="square" rtlCol="0">
+            <a:spAutoFit/>
+          </a:bodyPr>
+          <a:lstStyle/>
+          <a:p>
+            <a:pPr algn="ctr"/>
+            <a:r>
+              <a:rPr lang="bg-BG" sz="1799" dirty="0"/>
+              <a:t>Проверете решението си тук</a:t>
+            </a:r>
+            <a:r>
+              <a:rPr lang="en-US" sz="1799" dirty="0"/>
+              <a:t>: </a:t>
+            </a:r>
+            <a:r>
+              <a:rPr lang="en-US" u="sng" dirty="0">
+                <a:highlight>
+                  <a:srgbClr val="FFFF00"/>
+                </a:highlight>
+              </a:rPr>
+              <a:t>TODO</a:t>
+            </a:r>
+            <a:endParaRPr lang="en-US" dirty="0">
+              <a:highlight>
+                <a:srgbClr val="FFFF00"/>
+              </a:highlight>
+            </a:endParaRPr>
+          </a:p>
+        </p:txBody>
+      </p:sp>
+      <p:sp>
+        <p:nvSpPr>
+          <p:cNvPr id="2" name="Slide Number">
+            <a:extLst>
+              <a:ext uri="{FF2B5EF4-FFF2-40B4-BE49-F238E27FC236}">
+                <a16:creationId xmlns:a16="http://schemas.microsoft.com/office/drawing/2014/main" id="{4677994F-D55C-F44C-6A07-C862E9A28B4A}"/>
               </a:ext>
             </a:extLst>
           </p:cNvPr>
@@ -24645,63 +23659,10 @@
           </a:p>
         </p:txBody>
       </p:sp>
-      <p:sp>
-        <p:nvSpPr>
-          <p:cNvPr id="7" name="TextBox 6">
-            <a:extLst>
-              <a:ext uri="{FF2B5EF4-FFF2-40B4-BE49-F238E27FC236}">
-                <a16:creationId xmlns:a16="http://schemas.microsoft.com/office/drawing/2014/main" id="{8E67D9A2-A52C-41F5-B5E8-874B1C3FD173}"/>
-              </a:ext>
-            </a:extLst>
-          </p:cNvPr>
-          <p:cNvSpPr txBox="1"/>
-          <p:nvPr/>
-        </p:nvSpPr>
-        <p:spPr>
-          <a:xfrm>
-            <a:off x="40471" y="6381427"/>
-            <a:ext cx="12111057" cy="369332"/>
-          </a:xfrm>
-          <a:prstGeom prst="rect">
-            <a:avLst/>
-          </a:prstGeom>
-          <a:noFill/>
-        </p:spPr>
-        <p:txBody>
-          <a:bodyPr wrap="square" rtlCol="0">
-            <a:spAutoFit/>
-          </a:bodyPr>
-          <a:lstStyle/>
-          <a:p>
-            <a:pPr algn="ctr"/>
-            <a:r>
-              <a:rPr lang="bg-BG" sz="1799" dirty="0"/>
-              <a:t>Проверете решението си тук</a:t>
-            </a:r>
-            <a:r>
-              <a:rPr lang="en-US" sz="1799" dirty="0"/>
-              <a:t>: </a:t>
-            </a:r>
-            <a:r>
-              <a:rPr lang="en-US" u="sng" dirty="0">
-                <a:highlight>
-                  <a:srgbClr val="FFFF00"/>
-                </a:highlight>
-              </a:rPr>
-              <a:t>TODO</a:t>
-            </a:r>
-            <a:endParaRPr lang="en-US" dirty="0">
-              <a:highlight>
-                <a:srgbClr val="FFFF00"/>
-              </a:highlight>
-            </a:endParaRPr>
-          </a:p>
-        </p:txBody>
-      </p:sp>
     </p:spTree>
     <p:extLst>
       <p:ext uri="{BB962C8B-B14F-4D97-AF65-F5344CB8AC3E}">
-        <p14:creationId xmlns:p14="http://schemas.microsoft.com/office/powerpoint/2010/main" val="2487252145"/>
+        <p14:creationId xmlns:p14="http://schemas.microsoft.com/office/powerpoint/2010/main" val="1086335251"/>
       </p:ext>
     </p:extLst>
   </p:cSld>
@@ -25506,10 +24467,10 @@
       </p:pic>
       <p:sp>
         <p:nvSpPr>
-          <p:cNvPr id="14" name="Slide Number">
+          <p:cNvPr id="2" name="Slide Number">
             <a:extLst>
               <a:ext uri="{FF2B5EF4-FFF2-40B4-BE49-F238E27FC236}">
-                <a16:creationId xmlns:a16="http://schemas.microsoft.com/office/drawing/2014/main" id="{1325C738-C076-430C-8CFB-33BDDDDC6087}"/>
+                <a16:creationId xmlns:a16="http://schemas.microsoft.com/office/drawing/2014/main" id="{3DA4496C-9AF9-9299-B7CF-E5D1998560A9}"/>
               </a:ext>
             </a:extLst>
           </p:cNvPr>
@@ -25549,7 +24510,7 @@
     </p:spTree>
     <p:extLst>
       <p:ext uri="{BB962C8B-B14F-4D97-AF65-F5344CB8AC3E}">
-        <p14:creationId xmlns:p14="http://schemas.microsoft.com/office/powerpoint/2010/main" val="3808290571"/>
+        <p14:creationId xmlns:p14="http://schemas.microsoft.com/office/powerpoint/2010/main" val="750753708"/>
       </p:ext>
     </p:extLst>
   </p:cSld>
@@ -26364,10 +25325,57 @@
       </p:sp>
       <p:sp>
         <p:nvSpPr>
-          <p:cNvPr id="5" name="Slide Number">
+          <p:cNvPr id="7" name="TextBox 6">
             <a:extLst>
               <a:ext uri="{FF2B5EF4-FFF2-40B4-BE49-F238E27FC236}">
-                <a16:creationId xmlns:a16="http://schemas.microsoft.com/office/drawing/2014/main" id="{9DA368E6-735B-44F9-B078-6FA7E8D8B616}"/>
+                <a16:creationId xmlns:a16="http://schemas.microsoft.com/office/drawing/2014/main" id="{0FC11B7C-61CD-4CFD-B01F-BD5E14CBC123}"/>
+              </a:ext>
+            </a:extLst>
+          </p:cNvPr>
+          <p:cNvSpPr txBox="1"/>
+          <p:nvPr/>
+        </p:nvSpPr>
+        <p:spPr>
+          <a:xfrm>
+            <a:off x="3176" y="6323846"/>
+            <a:ext cx="12111057" cy="369332"/>
+          </a:xfrm>
+          <a:prstGeom prst="rect">
+            <a:avLst/>
+          </a:prstGeom>
+          <a:noFill/>
+        </p:spPr>
+        <p:txBody>
+          <a:bodyPr wrap="square" rtlCol="0">
+            <a:spAutoFit/>
+          </a:bodyPr>
+          <a:lstStyle/>
+          <a:p>
+            <a:pPr algn="ctr"/>
+            <a:r>
+              <a:rPr lang="bg-BG" sz="1799" dirty="0"/>
+              <a:t>Проверете решението си тук </a:t>
+            </a:r>
+            <a:r>
+              <a:rPr lang="en-US" sz="1799" dirty="0"/>
+              <a:t>: </a:t>
+            </a:r>
+            <a:r>
+              <a:rPr lang="en-US" u="sng" dirty="0">
+                <a:hlinkClick r:id="rId2"/>
+              </a:rPr>
+              <a:t>https://judge.softuni.bg/Contests/Practice/Index/3168#3</a:t>
+            </a:r>
+            <a:endParaRPr lang="en-US" dirty="0"/>
+          </a:p>
+        </p:txBody>
+      </p:sp>
+      <p:sp>
+        <p:nvSpPr>
+          <p:cNvPr id="2" name="Slide Number">
+            <a:extLst>
+              <a:ext uri="{FF2B5EF4-FFF2-40B4-BE49-F238E27FC236}">
+                <a16:creationId xmlns:a16="http://schemas.microsoft.com/office/drawing/2014/main" id="{95181503-8F42-C09D-5D04-D25B6EF7D47E}"/>
               </a:ext>
             </a:extLst>
           </p:cNvPr>
@@ -26404,57 +25412,10 @@
           </a:p>
         </p:txBody>
       </p:sp>
-      <p:sp>
-        <p:nvSpPr>
-          <p:cNvPr id="7" name="TextBox 6">
-            <a:extLst>
-              <a:ext uri="{FF2B5EF4-FFF2-40B4-BE49-F238E27FC236}">
-                <a16:creationId xmlns:a16="http://schemas.microsoft.com/office/drawing/2014/main" id="{0FC11B7C-61CD-4CFD-B01F-BD5E14CBC123}"/>
-              </a:ext>
-            </a:extLst>
-          </p:cNvPr>
-          <p:cNvSpPr txBox="1"/>
-          <p:nvPr/>
-        </p:nvSpPr>
-        <p:spPr>
-          <a:xfrm>
-            <a:off x="3176" y="6323846"/>
-            <a:ext cx="12111057" cy="369332"/>
-          </a:xfrm>
-          <a:prstGeom prst="rect">
-            <a:avLst/>
-          </a:prstGeom>
-          <a:noFill/>
-        </p:spPr>
-        <p:txBody>
-          <a:bodyPr wrap="square" rtlCol="0">
-            <a:spAutoFit/>
-          </a:bodyPr>
-          <a:lstStyle/>
-          <a:p>
-            <a:pPr algn="ctr"/>
-            <a:r>
-              <a:rPr lang="bg-BG" sz="1799" dirty="0"/>
-              <a:t>Проверете решението си тук </a:t>
-            </a:r>
-            <a:r>
-              <a:rPr lang="en-US" sz="1799" dirty="0"/>
-              <a:t>: </a:t>
-            </a:r>
-            <a:r>
-              <a:rPr lang="en-US" u="sng" dirty="0">
-                <a:hlinkClick r:id="rId2"/>
-              </a:rPr>
-              <a:t>https://judge.softuni.bg/Contests/Practice/Index/3168#3</a:t>
-            </a:r>
-            <a:endParaRPr lang="en-US" dirty="0"/>
-          </a:p>
-        </p:txBody>
-      </p:sp>
     </p:spTree>
     <p:extLst>
       <p:ext uri="{BB962C8B-B14F-4D97-AF65-F5344CB8AC3E}">
-        <p14:creationId xmlns:p14="http://schemas.microsoft.com/office/powerpoint/2010/main" val="496799969"/>
+        <p14:creationId xmlns:p14="http://schemas.microsoft.com/office/powerpoint/2010/main" val="3916357090"/>
       </p:ext>
     </p:extLst>
   </p:cSld>
@@ -27316,10 +26277,10 @@
       </p:sp>
       <p:sp>
         <p:nvSpPr>
-          <p:cNvPr id="9" name="Slide Number">
+          <p:cNvPr id="2" name="Slide Number">
             <a:extLst>
               <a:ext uri="{FF2B5EF4-FFF2-40B4-BE49-F238E27FC236}">
-                <a16:creationId xmlns:a16="http://schemas.microsoft.com/office/drawing/2014/main" id="{7B861275-A80A-4C5D-80FD-1ACE80B8D2BB}"/>
+                <a16:creationId xmlns:a16="http://schemas.microsoft.com/office/drawing/2014/main" id="{CDB82FB3-C80A-BE92-E70D-53D2C72C00C1}"/>
               </a:ext>
             </a:extLst>
           </p:cNvPr>
@@ -27359,7 +26320,7 @@
     </p:spTree>
     <p:extLst>
       <p:ext uri="{BB962C8B-B14F-4D97-AF65-F5344CB8AC3E}">
-        <p14:creationId xmlns:p14="http://schemas.microsoft.com/office/powerpoint/2010/main" val="4026965064"/>
+        <p14:creationId xmlns:p14="http://schemas.microsoft.com/office/powerpoint/2010/main" val="3157345174"/>
       </p:ext>
     </p:extLst>
   </p:cSld>
@@ -27482,12 +26443,12 @@
 <file path=ppt/theme/theme1.xml><?xml version="1.0" encoding="utf-8"?>
 <a:theme xmlns:a="http://schemas.openxmlformats.org/drawingml/2006/main" name="SoftUni">
   <a:themeElements>
-    <a:clrScheme name="Custom 28">
+    <a:clrScheme name="Custom 2">
       <a:dk1>
         <a:srgbClr val="234465"/>
       </a:dk1>
       <a:lt1>
-        <a:srgbClr val="FFA000"/>
+        <a:srgbClr val="BF7800"/>
       </a:lt1>
       <a:dk2>
         <a:srgbClr val="234465"/>
@@ -27496,7 +26457,7 @@
         <a:srgbClr val="FFFFFF"/>
       </a:lt2>
       <a:accent1>
-        <a:srgbClr val="F29600"/>
+        <a:srgbClr val="FFA000"/>
       </a:accent1>
       <a:accent2>
         <a:srgbClr val="00B050"/>
@@ -27514,10 +26475,10 @@
         <a:srgbClr val="F4F5F7"/>
       </a:accent6>
       <a:hlink>
-        <a:srgbClr val="F2AC44"/>
+        <a:srgbClr val="BF7800"/>
       </a:hlink>
       <a:folHlink>
-        <a:srgbClr val="F6C781"/>
+        <a:srgbClr val="EF9511"/>
       </a:folHlink>
     </a:clrScheme>
     <a:fontScheme name="SoftUni">
